--- a/dersler/Ders 1 - Giriş.pptx
+++ b/dersler/Ders 1 - Giriş.pptx
@@ -11,7 +11,7 @@
     <p:handoutMasterId r:id="rId51"/>
   </p:handoutMasterIdLst>
   <p:sldIdLst>
-    <p:sldId id="256" r:id="rId2"/>
+    <p:sldId id="327" r:id="rId2"/>
     <p:sldId id="295" r:id="rId3"/>
     <p:sldId id="267" r:id="rId4"/>
     <p:sldId id="268" r:id="rId5"/>
@@ -301,7 +301,7 @@
             <a:fld id="{CB44B6B1-5441-9644-AE1C-BB7EA5DBA264}" type="datetimeFigureOut">
               <a:rPr lang="en-US" smtClean="0"/>
               <a:pPr/>
-              <a:t>3/5/2021</a:t>
+              <a:t>3/6/2021</a:t>
             </a:fld>
             <a:endParaRPr lang="en-US"/>
           </a:p>
@@ -464,7 +464,7 @@
             <a:fld id="{41878819-472C-A14B-95BF-39C94BA106B2}" type="datetimeFigureOut">
               <a:rPr lang="en-US" smtClean="0"/>
               <a:pPr/>
-              <a:t>3/5/2021</a:t>
+              <a:t>3/6/2021</a:t>
             </a:fld>
             <a:endParaRPr lang="en-US"/>
           </a:p>
@@ -750,52 +750,64 @@
       </p:grpSpPr>
       <p:sp>
         <p:nvSpPr>
-          <p:cNvPr id="65538" name="Rectangle 2"/>
-          <p:cNvSpPr>
-            <a:spLocks noGrp="1" noChangeArrowheads="1"/>
+          <p:cNvPr id="2" name="Slayt Görüntüsü Yer Tutucusu 1"/>
+          <p:cNvSpPr>
+            <a:spLocks noGrp="1" noRot="1" noChangeAspect="1"/>
+          </p:cNvSpPr>
+          <p:nvPr>
+            <p:ph type="sldImg"/>
+          </p:nvPr>
+        </p:nvSpPr>
+        <p:spPr/>
+      </p:sp>
+      <p:sp>
+        <p:nvSpPr>
+          <p:cNvPr id="3" name="Not Yer Tutucusu 2"/>
+          <p:cNvSpPr>
+            <a:spLocks noGrp="1"/>
           </p:cNvSpPr>
           <p:nvPr>
             <p:ph type="body" idx="1"/>
           </p:nvPr>
         </p:nvSpPr>
-        <p:spPr>
-          <a:xfrm>
-            <a:off x="914730" y="4345781"/>
-            <a:ext cx="5028543" cy="3853161"/>
-          </a:xfrm>
-          <a:ln/>
-        </p:spPr>
-        <p:txBody>
-          <a:bodyPr lIns="89166" tIns="43801" rIns="89166" bIns="43801"/>
-          <a:lstStyle/>
-          <a:p>
-            <a:r>
-              <a:rPr lang="en-US" dirty="0" smtClean="0"/>
-              <a:t>GNP MİLLİ GELİR</a:t>
-            </a:r>
+        <p:spPr/>
+        <p:txBody>
+          <a:bodyPr/>
+          <a:lstStyle/>
+          <a:p>
             <a:endParaRPr lang="en-US" dirty="0"/>
           </a:p>
         </p:txBody>
       </p:sp>
       <p:sp>
         <p:nvSpPr>
-          <p:cNvPr id="65539" name="Rectangle 3"/>
-          <p:cNvSpPr>
-            <a:spLocks noGrp="1" noRot="1" noChangeAspect="1" noChangeArrowheads="1" noTextEdit="1"/>
-          </p:cNvSpPr>
-          <p:nvPr>
-            <p:ph type="sldImg"/>
-          </p:nvPr>
-        </p:nvSpPr>
-        <p:spPr>
-          <a:xfrm>
-            <a:off x="1295400" y="798513"/>
-            <a:ext cx="4267200" cy="3200400"/>
-          </a:xfrm>
-          <a:ln cap="flat"/>
-        </p:spPr>
+          <p:cNvPr id="4" name="Slayt Numarası Yer Tutucusu 3"/>
+          <p:cNvSpPr>
+            <a:spLocks noGrp="1"/>
+          </p:cNvSpPr>
+          <p:nvPr>
+            <p:ph type="sldNum" sz="quarter" idx="10"/>
+          </p:nvPr>
+        </p:nvSpPr>
+        <p:spPr/>
+        <p:txBody>
+          <a:bodyPr/>
+          <a:lstStyle/>
+          <a:p>
+            <a:fld id="{220D3E8D-DE9B-4410-BB0D-E86DC0CF7C16}" type="slidenum">
+              <a:rPr lang="en-US" smtClean="0"/>
+              <a:t>1</a:t>
+            </a:fld>
+            <a:endParaRPr lang="en-US"/>
+          </a:p>
+        </p:txBody>
       </p:sp>
     </p:spTree>
+    <p:extLst>
+      <p:ext uri="{BB962C8B-B14F-4D97-AF65-F5344CB8AC3E}">
+        <p14:creationId xmlns:p14="http://schemas.microsoft.com/office/powerpoint/2010/main" val="1188665554"/>
+      </p:ext>
+    </p:extLst>
   </p:cSld>
   <p:clrMapOvr>
     <a:masterClrMapping/>
@@ -822,7 +834,7 @@
       </p:grpSpPr>
       <p:sp>
         <p:nvSpPr>
-          <p:cNvPr id="67586" name="Rectangle 1026"/>
+          <p:cNvPr id="65538" name="Rectangle 2"/>
           <p:cNvSpPr>
             <a:spLocks noGrp="1" noChangeArrowheads="1"/>
           </p:cNvSpPr>
@@ -841,13 +853,17 @@
           <a:bodyPr lIns="89166" tIns="43801" rIns="89166" bIns="43801"/>
           <a:lstStyle/>
           <a:p>
-            <a:endParaRPr lang="en-US"/>
-          </a:p>
-        </p:txBody>
-      </p:sp>
-      <p:sp>
-        <p:nvSpPr>
-          <p:cNvPr id="67587" name="Rectangle 1027"/>
+            <a:r>
+              <a:rPr lang="en-US" dirty="0" smtClean="0"/>
+              <a:t>GNP MİLLİ GELİR</a:t>
+            </a:r>
+            <a:endParaRPr lang="en-US" dirty="0"/>
+          </a:p>
+        </p:txBody>
+      </p:sp>
+      <p:sp>
+        <p:nvSpPr>
+          <p:cNvPr id="65539" name="Rectangle 3"/>
           <p:cNvSpPr>
             <a:spLocks noGrp="1" noRot="1" noChangeAspect="1" noChangeArrowheads="1" noTextEdit="1"/>
           </p:cNvSpPr>
@@ -890,129 +906,48 @@
       </p:grpSpPr>
       <p:sp>
         <p:nvSpPr>
-          <p:cNvPr id="2" name="Slide Image Placeholder 1"/>
-          <p:cNvSpPr>
-            <a:spLocks noGrp="1" noRot="1" noChangeAspect="1"/>
+          <p:cNvPr id="67586" name="Rectangle 1026"/>
+          <p:cNvSpPr>
+            <a:spLocks noGrp="1" noChangeArrowheads="1"/>
+          </p:cNvSpPr>
+          <p:nvPr>
+            <p:ph type="body" idx="1"/>
+          </p:nvPr>
+        </p:nvSpPr>
+        <p:spPr>
+          <a:xfrm>
+            <a:off x="914730" y="4345781"/>
+            <a:ext cx="5028543" cy="3853161"/>
+          </a:xfrm>
+          <a:ln/>
+        </p:spPr>
+        <p:txBody>
+          <a:bodyPr lIns="89166" tIns="43801" rIns="89166" bIns="43801"/>
+          <a:lstStyle/>
+          <a:p>
+            <a:endParaRPr lang="en-US"/>
+          </a:p>
+        </p:txBody>
+      </p:sp>
+      <p:sp>
+        <p:nvSpPr>
+          <p:cNvPr id="67587" name="Rectangle 1027"/>
+          <p:cNvSpPr>
+            <a:spLocks noGrp="1" noRot="1" noChangeAspect="1" noChangeArrowheads="1" noTextEdit="1"/>
           </p:cNvSpPr>
           <p:nvPr>
             <p:ph type="sldImg"/>
           </p:nvPr>
         </p:nvSpPr>
-        <p:spPr/>
-      </p:sp>
-      <p:sp>
-        <p:nvSpPr>
-          <p:cNvPr id="3" name="Notes Placeholder 2"/>
-          <p:cNvSpPr>
-            <a:spLocks noGrp="1"/>
-          </p:cNvSpPr>
-          <p:nvPr>
-            <p:ph type="body" idx="1"/>
-          </p:nvPr>
-        </p:nvSpPr>
-        <p:spPr/>
-        <p:txBody>
-          <a:bodyPr/>
-          <a:lstStyle/>
-          <a:p>
-            <a:r>
-              <a:rPr lang="en-GB" dirty="0" smtClean="0"/>
-              <a:t>Intertwined </a:t>
-            </a:r>
-            <a:r>
-              <a:rPr lang="en-GB" dirty="0" err="1" smtClean="0"/>
-              <a:t>sarılmış</a:t>
-            </a:r>
-            <a:r>
-              <a:rPr lang="en-GB" baseline="0" dirty="0" smtClean="0"/>
-              <a:t> </a:t>
-            </a:r>
-            <a:r>
-              <a:rPr lang="en-GB" baseline="0" dirty="0" err="1" smtClean="0"/>
-              <a:t>iç</a:t>
-            </a:r>
-            <a:r>
-              <a:rPr lang="en-GB" baseline="0" dirty="0" smtClean="0"/>
-              <a:t> </a:t>
-            </a:r>
-            <a:r>
-              <a:rPr lang="en-GB" baseline="0" dirty="0" err="1" smtClean="0"/>
-              <a:t>içe</a:t>
-            </a:r>
-            <a:r>
-              <a:rPr lang="en-GB" baseline="0" dirty="0" smtClean="0"/>
-              <a:t> , twine </a:t>
-            </a:r>
-            <a:r>
-              <a:rPr lang="en-GB" baseline="0" dirty="0" err="1" smtClean="0"/>
-              <a:t>sicim</a:t>
-            </a:r>
-            <a:r>
-              <a:rPr lang="en-GB" baseline="0" dirty="0" smtClean="0"/>
-              <a:t> </a:t>
-            </a:r>
-            <a:r>
-              <a:rPr lang="en-GB" baseline="0" dirty="0" err="1" smtClean="0"/>
-              <a:t>dolamak</a:t>
-            </a:r>
-            <a:r>
-              <a:rPr lang="en-GB" baseline="0" dirty="0" smtClean="0"/>
-              <a:t>  </a:t>
-            </a:r>
-            <a:r>
-              <a:rPr lang="en-GB" baseline="0" dirty="0" err="1" smtClean="0"/>
-              <a:t>sarmak</a:t>
-            </a:r>
-            <a:r>
-              <a:rPr lang="en-GB" baseline="0" dirty="0" smtClean="0"/>
-              <a:t> </a:t>
-            </a:r>
-            <a:r>
-              <a:rPr lang="en-GB" baseline="0" dirty="0" err="1" smtClean="0"/>
-              <a:t>sarılmak</a:t>
-            </a:r>
-            <a:r>
-              <a:rPr lang="en-GB" baseline="0" dirty="0" smtClean="0"/>
-              <a:t> </a:t>
-            </a:r>
-            <a:r>
-              <a:rPr lang="en-GB" baseline="0" dirty="0" err="1" smtClean="0"/>
-              <a:t>örmek</a:t>
-            </a:r>
-            <a:endParaRPr lang="en-US" dirty="0"/>
-          </a:p>
-        </p:txBody>
-      </p:sp>
-      <p:sp>
-        <p:nvSpPr>
-          <p:cNvPr id="4" name="Slide Number Placeholder 3"/>
-          <p:cNvSpPr>
-            <a:spLocks noGrp="1"/>
-          </p:cNvSpPr>
-          <p:nvPr>
-            <p:ph type="sldNum" sz="quarter" idx="10"/>
-          </p:nvPr>
-        </p:nvSpPr>
-        <p:spPr/>
-        <p:txBody>
-          <a:bodyPr/>
-          <a:lstStyle/>
-          <a:p>
-            <a:fld id="{CB4F38C2-4548-F541-8261-4C1D96E7A166}" type="slidenum">
-              <a:rPr lang="en-US" smtClean="0"/>
-              <a:pPr/>
-              <a:t>13</a:t>
-            </a:fld>
-            <a:endParaRPr lang="en-US"/>
-          </a:p>
-        </p:txBody>
+        <p:spPr>
+          <a:xfrm>
+            <a:off x="1295400" y="798513"/>
+            <a:ext cx="4267200" cy="3200400"/>
+          </a:xfrm>
+          <a:ln cap="flat"/>
+        </p:spPr>
       </p:sp>
     </p:spTree>
-    <p:extLst>
-      <p:ext uri="{BB962C8B-B14F-4D97-AF65-F5344CB8AC3E}">
-        <p14:creationId xmlns:p14="http://schemas.microsoft.com/office/powerpoint/2010/main" val="3027980230"/>
-      </p:ext>
-    </p:extLst>
   </p:cSld>
   <p:clrMapOvr>
     <a:masterClrMapping/>
@@ -1066,7 +1001,11 @@
           <a:p>
             <a:r>
               <a:rPr lang="en-GB" dirty="0" smtClean="0"/>
-              <a:t>in advance</a:t>
+              <a:t>Intertwined </a:t>
+            </a:r>
+            <a:r>
+              <a:rPr lang="en-GB" dirty="0" err="1" smtClean="0"/>
+              <a:t>sarılmış</a:t>
             </a:r>
             <a:r>
               <a:rPr lang="en-GB" baseline="0" dirty="0" smtClean="0"/>
@@ -1074,7 +1013,7 @@
             </a:r>
             <a:r>
               <a:rPr lang="en-GB" baseline="0" dirty="0" err="1" smtClean="0"/>
-              <a:t>önceden</a:t>
+              <a:t>iç</a:t>
             </a:r>
             <a:r>
               <a:rPr lang="en-GB" baseline="0" dirty="0" smtClean="0"/>
@@ -1082,15 +1021,15 @@
             </a:r>
             <a:r>
               <a:rPr lang="en-GB" baseline="0" dirty="0" err="1" smtClean="0"/>
-              <a:t>peşin</a:t>
+              <a:t>içe</a:t>
             </a:r>
             <a:r>
               <a:rPr lang="en-GB" baseline="0" dirty="0" smtClean="0"/>
-              <a:t> </a:t>
+              <a:t> , twine </a:t>
             </a:r>
             <a:r>
               <a:rPr lang="en-GB" baseline="0" dirty="0" err="1" smtClean="0"/>
-              <a:t>peşin</a:t>
+              <a:t>sicim</a:t>
             </a:r>
             <a:r>
               <a:rPr lang="en-GB" baseline="0" dirty="0" smtClean="0"/>
@@ -1098,7 +1037,31 @@
             </a:r>
             <a:r>
               <a:rPr lang="en-GB" baseline="0" dirty="0" err="1" smtClean="0"/>
-              <a:t>olarak</a:t>
+              <a:t>dolamak</a:t>
+            </a:r>
+            <a:r>
+              <a:rPr lang="en-GB" baseline="0" dirty="0" smtClean="0"/>
+              <a:t>  </a:t>
+            </a:r>
+            <a:r>
+              <a:rPr lang="en-GB" baseline="0" dirty="0" err="1" smtClean="0"/>
+              <a:t>sarmak</a:t>
+            </a:r>
+            <a:r>
+              <a:rPr lang="en-GB" baseline="0" dirty="0" smtClean="0"/>
+              <a:t> </a:t>
+            </a:r>
+            <a:r>
+              <a:rPr lang="en-GB" baseline="0" dirty="0" err="1" smtClean="0"/>
+              <a:t>sarılmak</a:t>
+            </a:r>
+            <a:r>
+              <a:rPr lang="en-GB" baseline="0" dirty="0" smtClean="0"/>
+              <a:t> </a:t>
+            </a:r>
+            <a:r>
+              <a:rPr lang="en-GB" baseline="0" dirty="0" err="1" smtClean="0"/>
+              <a:t>örmek</a:t>
             </a:r>
             <a:endParaRPr lang="en-US" dirty="0"/>
           </a:p>
@@ -1122,7 +1085,7 @@
             <a:fld id="{CB4F38C2-4548-F541-8261-4C1D96E7A166}" type="slidenum">
               <a:rPr lang="en-US" smtClean="0"/>
               <a:pPr/>
-              <a:t>20</a:t>
+              <a:t>13</a:t>
             </a:fld>
             <a:endParaRPr lang="en-US"/>
           </a:p>
@@ -1131,7 +1094,7 @@
     </p:spTree>
     <p:extLst>
       <p:ext uri="{BB962C8B-B14F-4D97-AF65-F5344CB8AC3E}">
-        <p14:creationId xmlns:p14="http://schemas.microsoft.com/office/powerpoint/2010/main" val="1748963403"/>
+        <p14:creationId xmlns:p14="http://schemas.microsoft.com/office/powerpoint/2010/main" val="3027980230"/>
       </p:ext>
     </p:extLst>
   </p:cSld>
@@ -1186,37 +1149,40 @@
           <a:lstStyle/>
           <a:p>
             <a:r>
-              <a:rPr lang="en-US" dirty="0" smtClean="0"/>
-              <a:t>Competence </a:t>
-            </a:r>
-            <a:r>
-              <a:rPr lang="en-US" dirty="0" err="1" smtClean="0"/>
-              <a:t>yeterlilik</a:t>
-            </a:r>
-            <a:r>
-              <a:rPr lang="en-US" dirty="0" smtClean="0"/>
-              <a:t> </a:t>
-            </a:r>
-            <a:r>
-              <a:rPr lang="en-GB" dirty="0" err="1" smtClean="0"/>
-              <a:t>outwith</a:t>
-            </a:r>
-            <a:r>
               <a:rPr lang="en-GB" dirty="0" smtClean="0"/>
-              <a:t> &gt; </a:t>
-            </a:r>
-            <a:r>
-              <a:rPr lang="en-US" sz="1200" b="0" i="0" u="none" strike="noStrike" kern="1200" dirty="0" smtClean="0">
-                <a:solidFill>
-                  <a:schemeClr val="tx1"/>
-                </a:solidFill>
-                <a:effectLst/>
-                <a:latin typeface="+mn-lt"/>
-                <a:ea typeface="+mn-ea"/>
-                <a:cs typeface="+mn-cs"/>
-                <a:hlinkClick r:id="rId3" tooltip="outwith"/>
-              </a:rPr>
-              <a:t>Outside; beyond; outside of</a:t>
+              <a:t>in advance</a:t>
+            </a:r>
+            <a:r>
+              <a:rPr lang="en-GB" baseline="0" dirty="0" smtClean="0"/>
+              <a:t> </a:t>
+            </a:r>
+            <a:r>
+              <a:rPr lang="en-GB" baseline="0" dirty="0" err="1" smtClean="0"/>
+              <a:t>önceden</a:t>
+            </a:r>
+            <a:r>
+              <a:rPr lang="en-GB" baseline="0" dirty="0" smtClean="0"/>
+              <a:t> </a:t>
+            </a:r>
+            <a:r>
+              <a:rPr lang="en-GB" baseline="0" dirty="0" err="1" smtClean="0"/>
+              <a:t>peşin</a:t>
+            </a:r>
+            <a:r>
+              <a:rPr lang="en-GB" baseline="0" dirty="0" smtClean="0"/>
+              <a:t> </a:t>
+            </a:r>
+            <a:r>
+              <a:rPr lang="en-GB" baseline="0" dirty="0" err="1" smtClean="0"/>
+              <a:t>peşin</a:t>
+            </a:r>
+            <a:r>
+              <a:rPr lang="en-GB" baseline="0" dirty="0" smtClean="0"/>
+              <a:t> </a:t>
+            </a:r>
+            <a:r>
+              <a:rPr lang="en-GB" baseline="0" dirty="0" err="1" smtClean="0"/>
+              <a:t>olarak</a:t>
             </a:r>
             <a:endParaRPr lang="en-US" dirty="0"/>
           </a:p>
@@ -1240,7 +1206,7 @@
             <a:fld id="{CB4F38C2-4548-F541-8261-4C1D96E7A166}" type="slidenum">
               <a:rPr lang="en-US" smtClean="0"/>
               <a:pPr/>
-              <a:t>26</a:t>
+              <a:t>20</a:t>
             </a:fld>
             <a:endParaRPr lang="en-US"/>
           </a:p>
@@ -1249,7 +1215,7 @@
     </p:spTree>
     <p:extLst>
       <p:ext uri="{BB962C8B-B14F-4D97-AF65-F5344CB8AC3E}">
-        <p14:creationId xmlns:p14="http://schemas.microsoft.com/office/powerpoint/2010/main" val="3706326860"/>
+        <p14:creationId xmlns:p14="http://schemas.microsoft.com/office/powerpoint/2010/main" val="1748963403"/>
       </p:ext>
     </p:extLst>
   </p:cSld>
@@ -1305,7 +1271,36 @@
           <a:p>
             <a:r>
               <a:rPr lang="en-US" dirty="0" smtClean="0"/>
-              <a:t> </a:t>
+              <a:t>Competence </a:t>
+            </a:r>
+            <a:r>
+              <a:rPr lang="en-US" dirty="0" err="1" smtClean="0"/>
+              <a:t>yeterlilik</a:t>
+            </a:r>
+            <a:r>
+              <a:rPr lang="en-US" dirty="0" smtClean="0"/>
+              <a:t> </a:t>
+            </a:r>
+            <a:r>
+              <a:rPr lang="en-GB" dirty="0" err="1" smtClean="0"/>
+              <a:t>outwith</a:t>
+            </a:r>
+            <a:r>
+              <a:rPr lang="en-GB" dirty="0" smtClean="0"/>
+              <a:t> &gt; </a:t>
+            </a:r>
+            <a:r>
+              <a:rPr lang="en-US" sz="1200" b="0" i="0" u="none" strike="noStrike" kern="1200" dirty="0" smtClean="0">
+                <a:solidFill>
+                  <a:schemeClr val="tx1"/>
+                </a:solidFill>
+                <a:effectLst/>
+                <a:latin typeface="+mn-lt"/>
+                <a:ea typeface="+mn-ea"/>
+                <a:cs typeface="+mn-cs"/>
+                <a:hlinkClick r:id="rId3" tooltip="outwith"/>
+              </a:rPr>
+              <a:t>Outside; beyond; outside of</a:t>
             </a:r>
             <a:endParaRPr lang="en-US" dirty="0"/>
           </a:p>
@@ -1329,7 +1324,7 @@
             <a:fld id="{CB4F38C2-4548-F541-8261-4C1D96E7A166}" type="slidenum">
               <a:rPr lang="en-US" smtClean="0"/>
               <a:pPr/>
-              <a:t>28</a:t>
+              <a:t>26</a:t>
             </a:fld>
             <a:endParaRPr lang="en-US"/>
           </a:p>
@@ -1338,7 +1333,7 @@
     </p:spTree>
     <p:extLst>
       <p:ext uri="{BB962C8B-B14F-4D97-AF65-F5344CB8AC3E}">
-        <p14:creationId xmlns:p14="http://schemas.microsoft.com/office/powerpoint/2010/main" val="4223919963"/>
+        <p14:creationId xmlns:p14="http://schemas.microsoft.com/office/powerpoint/2010/main" val="3706326860"/>
       </p:ext>
     </p:extLst>
   </p:cSld>
@@ -1393,6 +1388,95 @@
           <a:lstStyle/>
           <a:p>
             <a:r>
+              <a:rPr lang="en-US" dirty="0" smtClean="0"/>
+              <a:t> </a:t>
+            </a:r>
+            <a:endParaRPr lang="en-US" dirty="0"/>
+          </a:p>
+        </p:txBody>
+      </p:sp>
+      <p:sp>
+        <p:nvSpPr>
+          <p:cNvPr id="4" name="Slide Number Placeholder 3"/>
+          <p:cNvSpPr>
+            <a:spLocks noGrp="1"/>
+          </p:cNvSpPr>
+          <p:nvPr>
+            <p:ph type="sldNum" sz="quarter" idx="10"/>
+          </p:nvPr>
+        </p:nvSpPr>
+        <p:spPr/>
+        <p:txBody>
+          <a:bodyPr/>
+          <a:lstStyle/>
+          <a:p>
+            <a:fld id="{CB4F38C2-4548-F541-8261-4C1D96E7A166}" type="slidenum">
+              <a:rPr lang="en-US" smtClean="0"/>
+              <a:pPr/>
+              <a:t>28</a:t>
+            </a:fld>
+            <a:endParaRPr lang="en-US"/>
+          </a:p>
+        </p:txBody>
+      </p:sp>
+    </p:spTree>
+    <p:extLst>
+      <p:ext uri="{BB962C8B-B14F-4D97-AF65-F5344CB8AC3E}">
+        <p14:creationId xmlns:p14="http://schemas.microsoft.com/office/powerpoint/2010/main" val="4223919963"/>
+      </p:ext>
+    </p:extLst>
+  </p:cSld>
+  <p:clrMapOvr>
+    <a:masterClrMapping/>
+  </p:clrMapOvr>
+</p:notes>
+</file>
+
+<file path=ppt/notesSlides/notesSlide8.xml><?xml version="1.0" encoding="utf-8"?>
+<p:notes xmlns:a="http://schemas.openxmlformats.org/drawingml/2006/main" xmlns:r="http://schemas.openxmlformats.org/officeDocument/2006/relationships" xmlns:p="http://schemas.openxmlformats.org/presentationml/2006/main">
+  <p:cSld>
+    <p:spTree>
+      <p:nvGrpSpPr>
+        <p:cNvPr id="1" name=""/>
+        <p:cNvGrpSpPr/>
+        <p:nvPr/>
+      </p:nvGrpSpPr>
+      <p:grpSpPr>
+        <a:xfrm>
+          <a:off x="0" y="0"/>
+          <a:ext cx="0" cy="0"/>
+          <a:chOff x="0" y="0"/>
+          <a:chExt cx="0" cy="0"/>
+        </a:xfrm>
+      </p:grpSpPr>
+      <p:sp>
+        <p:nvSpPr>
+          <p:cNvPr id="2" name="Slide Image Placeholder 1"/>
+          <p:cNvSpPr>
+            <a:spLocks noGrp="1" noRot="1" noChangeAspect="1"/>
+          </p:cNvSpPr>
+          <p:nvPr>
+            <p:ph type="sldImg"/>
+          </p:nvPr>
+        </p:nvSpPr>
+        <p:spPr/>
+      </p:sp>
+      <p:sp>
+        <p:nvSpPr>
+          <p:cNvPr id="3" name="Notes Placeholder 2"/>
+          <p:cNvSpPr>
+            <a:spLocks noGrp="1"/>
+          </p:cNvSpPr>
+          <p:nvPr>
+            <p:ph type="body" idx="1"/>
+          </p:nvPr>
+        </p:nvSpPr>
+        <p:spPr/>
+        <p:txBody>
+          <a:bodyPr/>
+          <a:lstStyle/>
+          <a:p>
+            <a:r>
               <a:rPr lang="en-US" sz="1200" b="1" dirty="0" smtClean="0"/>
               <a:t>PREAMBLE </a:t>
             </a:r>
@@ -1689,7 +1773,7 @@
 </p:notes>
 </file>
 
-<file path=ppt/notesSlides/notesSlide8.xml><?xml version="1.0" encoding="utf-8"?>
+<file path=ppt/notesSlides/notesSlide9.xml><?xml version="1.0" encoding="utf-8"?>
 <p:notes xmlns:a="http://schemas.openxmlformats.org/drawingml/2006/main" xmlns:r="http://schemas.openxmlformats.org/officeDocument/2006/relationships" xmlns:p="http://schemas.openxmlformats.org/presentationml/2006/main">
   <p:cSld>
     <p:spTree>
@@ -2000,7 +2084,7 @@
               <a:pPr>
                 <a:defRPr/>
               </a:pPr>
-              <a:t>3/5/2021</a:t>
+              <a:t>3/6/2021</a:t>
             </a:fld>
             <a:endParaRPr lang="en-US"/>
           </a:p>
@@ -2212,7 +2296,7 @@
               <a:pPr>
                 <a:defRPr/>
               </a:pPr>
-              <a:t>3/5/2021</a:t>
+              <a:t>3/6/2021</a:t>
             </a:fld>
             <a:endParaRPr lang="en-US"/>
           </a:p>
@@ -2429,7 +2513,7 @@
               <a:pPr>
                 <a:defRPr/>
               </a:pPr>
-              <a:t>3/5/2021</a:t>
+              <a:t>3/6/2021</a:t>
             </a:fld>
             <a:endParaRPr lang="en-US"/>
           </a:p>
@@ -2511,6 +2595,199 @@
   <p:clrMapOvr>
     <a:masterClrMapping/>
   </p:clrMapOvr>
+</p:sldLayout>
+</file>
+
+<file path=ppt/slideLayouts/slideLayout12.xml><?xml version="1.0" encoding="utf-8"?>
+<p:sldLayout xmlns:a="http://schemas.openxmlformats.org/drawingml/2006/main" xmlns:r="http://schemas.openxmlformats.org/officeDocument/2006/relationships" xmlns:p="http://schemas.openxmlformats.org/presentationml/2006/main" userDrawn="1">
+  <p:cSld name="1_Title and Content">
+    <p:spTree>
+      <p:nvGrpSpPr>
+        <p:cNvPr id="1" name=""/>
+        <p:cNvGrpSpPr/>
+        <p:nvPr/>
+      </p:nvGrpSpPr>
+      <p:grpSpPr>
+        <a:xfrm>
+          <a:off x="0" y="0"/>
+          <a:ext cx="0" cy="0"/>
+          <a:chOff x="0" y="0"/>
+          <a:chExt cx="0" cy="0"/>
+        </a:xfrm>
+      </p:grpSpPr>
+      <p:sp>
+        <p:nvSpPr>
+          <p:cNvPr id="2" name="Holder 2"/>
+          <p:cNvSpPr>
+            <a:spLocks noGrp="1"/>
+          </p:cNvSpPr>
+          <p:nvPr>
+            <p:ph type="title"/>
+          </p:nvPr>
+        </p:nvSpPr>
+        <p:spPr/>
+        <p:txBody>
+          <a:bodyPr lIns="0" tIns="0" rIns="0" bIns="0"/>
+          <a:lstStyle>
+            <a:lvl1pPr>
+              <a:defRPr sz="3200" b="0" i="0">
+                <a:solidFill>
+                  <a:srgbClr val="424456"/>
+                </a:solidFill>
+                <a:latin typeface="Times New Roman"/>
+                <a:cs typeface="Times New Roman"/>
+              </a:defRPr>
+            </a:lvl1pPr>
+          </a:lstStyle>
+          <a:p>
+            <a:endParaRPr/>
+          </a:p>
+        </p:txBody>
+      </p:sp>
+      <p:sp>
+        <p:nvSpPr>
+          <p:cNvPr id="3" name="Holder 3"/>
+          <p:cNvSpPr>
+            <a:spLocks noGrp="1"/>
+          </p:cNvSpPr>
+          <p:nvPr>
+            <p:ph type="body" idx="1"/>
+          </p:nvPr>
+        </p:nvSpPr>
+        <p:spPr/>
+        <p:txBody>
+          <a:bodyPr lIns="0" tIns="0" rIns="0" bIns="0"/>
+          <a:lstStyle>
+            <a:lvl1pPr>
+              <a:defRPr sz="2600" b="0" i="0">
+                <a:solidFill>
+                  <a:schemeClr val="tx1"/>
+                </a:solidFill>
+                <a:latin typeface="Times New Roman"/>
+                <a:cs typeface="Times New Roman"/>
+              </a:defRPr>
+            </a:lvl1pPr>
+          </a:lstStyle>
+          <a:p>
+            <a:endParaRPr/>
+          </a:p>
+        </p:txBody>
+      </p:sp>
+      <p:sp>
+        <p:nvSpPr>
+          <p:cNvPr id="5" name="Metin Yer Tutucusu 4"/>
+          <p:cNvSpPr>
+            <a:spLocks noGrp="1"/>
+          </p:cNvSpPr>
+          <p:nvPr>
+            <p:ph type="body" sz="quarter" idx="10" hasCustomPrompt="1"/>
+          </p:nvPr>
+        </p:nvSpPr>
+        <p:spPr>
+          <a:xfrm>
+            <a:off x="0" y="6373091"/>
+            <a:ext cx="9144000" cy="1508105"/>
+          </a:xfrm>
+        </p:spPr>
+        <p:txBody>
+          <a:bodyPr/>
+          <a:lstStyle>
+            <a:lvl1pPr algn="ctr">
+              <a:defRPr baseline="0"/>
+            </a:lvl1pPr>
+            <a:lvl2pPr algn="ctr">
+              <a:defRPr/>
+            </a:lvl2pPr>
+            <a:lvl3pPr algn="ctr">
+              <a:defRPr/>
+            </a:lvl3pPr>
+            <a:lvl4pPr algn="ctr">
+              <a:defRPr/>
+            </a:lvl4pPr>
+            <a:lvl5pPr algn="ctr">
+              <a:defRPr/>
+            </a:lvl5pPr>
+          </a:lstStyle>
+          <a:p>
+            <a:pPr lvl="0"/>
+            <a:r>
+              <a:rPr lang="en-US" dirty="0" smtClean="0"/>
+              <a:t>PhD </a:t>
+            </a:r>
+            <a:r>
+              <a:rPr lang="en-US" dirty="0" err="1" smtClean="0"/>
+              <a:t>Furkan</a:t>
+            </a:r>
+            <a:r>
+              <a:rPr lang="en-US" dirty="0" smtClean="0"/>
+              <a:t> </a:t>
+            </a:r>
+            <a:r>
+              <a:rPr lang="en-US" dirty="0" err="1" smtClean="0"/>
+              <a:t>Gözükara</a:t>
+            </a:r>
+            <a:r>
+              <a:rPr lang="en-US" dirty="0" smtClean="0"/>
+              <a:t>, </a:t>
+            </a:r>
+            <a:r>
+              <a:rPr lang="en-US" dirty="0" err="1" smtClean="0"/>
+              <a:t>Toros</a:t>
+            </a:r>
+            <a:r>
+              <a:rPr lang="en-US" dirty="0" smtClean="0"/>
+              <a:t> University</a:t>
+            </a:r>
+            <a:endParaRPr lang="tr-TR" dirty="0" smtClean="0"/>
+          </a:p>
+          <a:p>
+            <a:pPr lvl="1"/>
+            <a:r>
+              <a:rPr lang="tr-TR" dirty="0" smtClean="0"/>
+              <a:t>İkinci düzey</a:t>
+            </a:r>
+          </a:p>
+          <a:p>
+            <a:pPr lvl="2"/>
+            <a:r>
+              <a:rPr lang="tr-TR" dirty="0" smtClean="0"/>
+              <a:t>Üçüncü düzey</a:t>
+            </a:r>
+          </a:p>
+          <a:p>
+            <a:pPr lvl="3"/>
+            <a:r>
+              <a:rPr lang="tr-TR" dirty="0" smtClean="0"/>
+              <a:t>Dördüncü düzey</a:t>
+            </a:r>
+          </a:p>
+          <a:p>
+            <a:pPr lvl="4"/>
+            <a:r>
+              <a:rPr lang="tr-TR" dirty="0" smtClean="0"/>
+              <a:t>Beşinci düzey</a:t>
+            </a:r>
+            <a:endParaRPr lang="en-US" dirty="0"/>
+          </a:p>
+        </p:txBody>
+      </p:sp>
+    </p:spTree>
+    <p:extLst>
+      <p:ext uri="{BB962C8B-B14F-4D97-AF65-F5344CB8AC3E}">
+        <p14:creationId xmlns:p14="http://schemas.microsoft.com/office/powerpoint/2010/main" val="2681960898"/>
+      </p:ext>
+    </p:extLst>
+  </p:cSld>
+  <p:clrMapOvr>
+    <a:masterClrMapping/>
+  </p:clrMapOvr>
+  <p:timing>
+    <p:tnLst>
+      <p:par>
+        <p:cTn id="1" dur="indefinite" restart="never" nodeType="tmRoot"/>
+      </p:par>
+    </p:tnLst>
+  </p:timing>
 </p:sldLayout>
 </file>
 
@@ -2703,7 +2980,7 @@
               <a:pPr>
                 <a:defRPr/>
               </a:pPr>
-              <a:t>3/5/2021</a:t>
+              <a:t>3/6/2021</a:t>
             </a:fld>
             <a:endParaRPr lang="en-US"/>
           </a:p>
@@ -2986,7 +3263,7 @@
               <a:pPr>
                 <a:defRPr/>
               </a:pPr>
-              <a:t>3/5/2021</a:t>
+              <a:t>3/6/2021</a:t>
             </a:fld>
             <a:endParaRPr lang="en-US"/>
           </a:p>
@@ -3314,7 +3591,7 @@
               <a:pPr>
                 <a:defRPr/>
               </a:pPr>
-              <a:t>3/5/2021</a:t>
+              <a:t>3/6/2021</a:t>
             </a:fld>
             <a:endParaRPr lang="en-US"/>
           </a:p>
@@ -3782,7 +4059,7 @@
               <a:pPr>
                 <a:defRPr/>
               </a:pPr>
-              <a:t>3/5/2021</a:t>
+              <a:t>3/6/2021</a:t>
             </a:fld>
             <a:endParaRPr lang="en-US"/>
           </a:p>
@@ -3934,7 +4211,7 @@
               <a:pPr>
                 <a:defRPr/>
               </a:pPr>
-              <a:t>3/5/2021</a:t>
+              <a:t>3/6/2021</a:t>
             </a:fld>
             <a:endParaRPr lang="en-US"/>
           </a:p>
@@ -4063,7 +4340,7 @@
               <a:pPr>
                 <a:defRPr/>
               </a:pPr>
-              <a:t>3/5/2021</a:t>
+              <a:t>3/6/2021</a:t>
             </a:fld>
             <a:endParaRPr lang="en-US"/>
           </a:p>
@@ -4380,7 +4657,7 @@
               <a:pPr>
                 <a:defRPr/>
               </a:pPr>
-              <a:t>3/5/2021</a:t>
+              <a:t>3/6/2021</a:t>
             </a:fld>
             <a:endParaRPr lang="en-US"/>
           </a:p>
@@ -4678,7 +4955,7 @@
               <a:pPr>
                 <a:defRPr/>
               </a:pPr>
-              <a:t>3/5/2021</a:t>
+              <a:t>3/6/2021</a:t>
             </a:fld>
             <a:endParaRPr lang="en-US"/>
           </a:p>
@@ -4878,7 +5155,7 @@
               <a:pPr>
                 <a:defRPr/>
               </a:pPr>
-              <a:t>3/5/2021</a:t>
+              <a:t>3/6/2021</a:t>
             </a:fld>
             <a:endParaRPr lang="en-US"/>
           </a:p>
@@ -5010,7 +5287,7 @@
           <p:nvPr/>
         </p:nvPicPr>
         <p:blipFill>
-          <a:blip r:embed="rId13"/>
+          <a:blip r:embed="rId14"/>
           <a:stretch>
             <a:fillRect/>
           </a:stretch>
@@ -5072,7 +5349,7 @@
           <p:nvPr userDrawn="1"/>
         </p:nvPicPr>
         <p:blipFill>
-          <a:blip r:embed="rId13"/>
+          <a:blip r:embed="rId14"/>
           <a:stretch>
             <a:fillRect/>
           </a:stretch>
@@ -5140,6 +5417,7 @@
     <p:sldLayoutId id="2147483681" r:id="rId9"/>
     <p:sldLayoutId id="2147483682" r:id="rId10"/>
     <p:sldLayoutId id="2147483683" r:id="rId11"/>
+    <p:sldLayoutId id="2147483684" r:id="rId12"/>
   </p:sldLayoutIdLst>
   <p:hf hdr="0" dt="0"/>
   <p:txStyles>
@@ -5558,90 +5836,675 @@
       </p:grpSpPr>
       <p:sp>
         <p:nvSpPr>
-          <p:cNvPr id="13314" name="Title 1"/>
-          <p:cNvSpPr>
-            <a:spLocks noGrp="1"/>
-          </p:cNvSpPr>
-          <p:nvPr>
-            <p:ph type="ctrTitle"/>
-          </p:nvPr>
-        </p:nvSpPr>
-        <p:spPr/>
-        <p:txBody>
-          <a:bodyPr/>
-          <a:lstStyle/>
-          <a:p>
-            <a:pPr eaLnBrk="1" hangingPunct="1"/>
-            <a:r>
-              <a:rPr lang="en-US" dirty="0" err="1" smtClean="0"/>
-              <a:t>Ders</a:t>
-            </a:r>
-            <a:r>
-              <a:rPr lang="en-US" dirty="0" smtClean="0"/>
-              <a:t> 1- </a:t>
-            </a:r>
-            <a:r>
-              <a:rPr lang="en-US" dirty="0" err="1" smtClean="0"/>
+          <p:cNvPr id="2" name="object 2"/>
+          <p:cNvSpPr/>
+          <p:nvPr/>
+        </p:nvSpPr>
+        <p:spPr>
+          <a:xfrm>
+            <a:off x="0" y="1234439"/>
+            <a:ext cx="9144000" cy="320040"/>
+          </a:xfrm>
+          <a:custGeom>
+            <a:avLst/>
+            <a:gdLst/>
+            <a:ahLst/>
+            <a:cxnLst/>
+            <a:rect l="l" t="t" r="r" b="b"/>
+            <a:pathLst>
+              <a:path w="9144000" h="320040">
+                <a:moveTo>
+                  <a:pt x="0" y="320039"/>
+                </a:moveTo>
+                <a:lnTo>
+                  <a:pt x="9144000" y="320039"/>
+                </a:lnTo>
+                <a:lnTo>
+                  <a:pt x="9144000" y="0"/>
+                </a:lnTo>
+                <a:lnTo>
+                  <a:pt x="0" y="0"/>
+                </a:lnTo>
+                <a:lnTo>
+                  <a:pt x="0" y="320039"/>
+                </a:lnTo>
+                <a:close/>
+              </a:path>
+            </a:pathLst>
+          </a:custGeom>
+          <a:solidFill>
+            <a:srgbClr val="FFFFFF"/>
+          </a:solidFill>
+        </p:spPr>
+        <p:txBody>
+          <a:bodyPr wrap="square" lIns="0" tIns="0" rIns="0" bIns="0" rtlCol="0"/>
+          <a:lstStyle/>
+          <a:p>
+            <a:endParaRPr dirty="0"/>
+          </a:p>
+        </p:txBody>
+      </p:sp>
+      <p:sp>
+        <p:nvSpPr>
+          <p:cNvPr id="4" name="object 4"/>
+          <p:cNvSpPr/>
+          <p:nvPr/>
+        </p:nvSpPr>
+        <p:spPr>
+          <a:xfrm>
+            <a:off x="0" y="2558811"/>
+            <a:ext cx="533400" cy="228600"/>
+          </a:xfrm>
+          <a:custGeom>
+            <a:avLst/>
+            <a:gdLst/>
+            <a:ahLst/>
+            <a:cxnLst/>
+            <a:rect l="l" t="t" r="r" b="b"/>
+            <a:pathLst>
+              <a:path w="533400" h="228600">
+                <a:moveTo>
+                  <a:pt x="0" y="228600"/>
+                </a:moveTo>
+                <a:lnTo>
+                  <a:pt x="533400" y="228600"/>
+                </a:lnTo>
+                <a:lnTo>
+                  <a:pt x="533400" y="0"/>
+                </a:lnTo>
+                <a:lnTo>
+                  <a:pt x="0" y="0"/>
+                </a:lnTo>
+                <a:lnTo>
+                  <a:pt x="0" y="228600"/>
+                </a:lnTo>
+                <a:close/>
+              </a:path>
+            </a:pathLst>
+          </a:custGeom>
+          <a:solidFill>
+            <a:srgbClr val="438086"/>
+          </a:solidFill>
+        </p:spPr>
+        <p:txBody>
+          <a:bodyPr wrap="square" lIns="0" tIns="0" rIns="0" bIns="0" rtlCol="0"/>
+          <a:lstStyle/>
+          <a:p>
+            <a:endParaRPr dirty="0"/>
+          </a:p>
+        </p:txBody>
+      </p:sp>
+      <p:sp>
+        <p:nvSpPr>
+          <p:cNvPr id="6" name="object 6"/>
+          <p:cNvSpPr/>
+          <p:nvPr/>
+        </p:nvSpPr>
+        <p:spPr>
+          <a:xfrm>
+            <a:off x="590550" y="2558811"/>
+            <a:ext cx="8553450" cy="228600"/>
+          </a:xfrm>
+          <a:custGeom>
+            <a:avLst/>
+            <a:gdLst/>
+            <a:ahLst/>
+            <a:cxnLst/>
+            <a:rect l="l" t="t" r="r" b="b"/>
+            <a:pathLst>
+              <a:path w="8553450" h="228600">
+                <a:moveTo>
+                  <a:pt x="0" y="0"/>
+                </a:moveTo>
+                <a:lnTo>
+                  <a:pt x="8553450" y="0"/>
+                </a:lnTo>
+                <a:lnTo>
+                  <a:pt x="8553450" y="228600"/>
+                </a:lnTo>
+                <a:lnTo>
+                  <a:pt x="0" y="228600"/>
+                </a:lnTo>
+                <a:lnTo>
+                  <a:pt x="0" y="0"/>
+                </a:lnTo>
+                <a:close/>
+              </a:path>
+            </a:pathLst>
+          </a:custGeom>
+          <a:solidFill>
+            <a:srgbClr val="53548A"/>
+          </a:solidFill>
+        </p:spPr>
+        <p:txBody>
+          <a:bodyPr wrap="square" lIns="0" tIns="0" rIns="0" bIns="0" rtlCol="0"/>
+          <a:lstStyle/>
+          <a:p>
+            <a:endParaRPr dirty="0"/>
+          </a:p>
+        </p:txBody>
+      </p:sp>
+      <p:sp>
+        <p:nvSpPr>
+          <p:cNvPr id="7" name="object 7"/>
+          <p:cNvSpPr/>
+          <p:nvPr/>
+        </p:nvSpPr>
+        <p:spPr>
+          <a:xfrm>
+            <a:off x="722376" y="6227064"/>
+            <a:ext cx="8080248" cy="97535"/>
+          </a:xfrm>
+          <a:prstGeom prst="rect">
+            <a:avLst/>
+          </a:prstGeom>
+          <a:blipFill>
+            <a:blip r:embed="rId3" cstate="print"/>
+            <a:stretch>
+              <a:fillRect/>
+            </a:stretch>
+          </a:blipFill>
+        </p:spPr>
+        <p:txBody>
+          <a:bodyPr wrap="square" lIns="0" tIns="0" rIns="0" bIns="0" rtlCol="0"/>
+          <a:lstStyle/>
+          <a:p>
+            <a:endParaRPr dirty="0"/>
+          </a:p>
+        </p:txBody>
+      </p:sp>
+      <p:sp>
+        <p:nvSpPr>
+          <p:cNvPr id="8" name="object 8"/>
+          <p:cNvSpPr/>
+          <p:nvPr/>
+        </p:nvSpPr>
+        <p:spPr>
+          <a:xfrm>
+            <a:off x="762000" y="6248400"/>
+            <a:ext cx="8001000" cy="0"/>
+          </a:xfrm>
+          <a:custGeom>
+            <a:avLst/>
+            <a:gdLst/>
+            <a:ahLst/>
+            <a:cxnLst/>
+            <a:rect l="l" t="t" r="r" b="b"/>
+            <a:pathLst>
+              <a:path w="8001000">
+                <a:moveTo>
+                  <a:pt x="0" y="0"/>
+                </a:moveTo>
+                <a:lnTo>
+                  <a:pt x="8001000" y="0"/>
+                </a:lnTo>
+              </a:path>
+            </a:pathLst>
+          </a:custGeom>
+          <a:ln w="19050">
+            <a:solidFill>
+              <a:srgbClr val="53548A"/>
+            </a:solidFill>
+          </a:ln>
+        </p:spPr>
+        <p:txBody>
+          <a:bodyPr wrap="square" lIns="0" tIns="0" rIns="0" bIns="0" rtlCol="0"/>
+          <a:lstStyle/>
+          <a:p>
+            <a:endParaRPr dirty="0"/>
+          </a:p>
+        </p:txBody>
+      </p:sp>
+      <p:sp>
+        <p:nvSpPr>
+          <p:cNvPr id="10" name="object 10"/>
+          <p:cNvSpPr txBox="1"/>
+          <p:nvPr/>
+        </p:nvSpPr>
+        <p:spPr>
+          <a:xfrm>
+            <a:off x="-10364" y="2607549"/>
+            <a:ext cx="9144000" cy="1872307"/>
+          </a:xfrm>
+          <a:prstGeom prst="rect">
+            <a:avLst/>
+          </a:prstGeom>
+        </p:spPr>
+        <p:txBody>
+          <a:bodyPr vert="horz" wrap="square" lIns="0" tIns="12700" rIns="0" bIns="0" rtlCol="0">
+            <a:spAutoFit/>
+          </a:bodyPr>
+          <a:lstStyle/>
+          <a:p>
+            <a:pPr algn="ctr">
+              <a:lnSpc>
+                <a:spcPct val="100000"/>
+              </a:lnSpc>
+              <a:spcBef>
+                <a:spcPts val="100"/>
+              </a:spcBef>
+            </a:pPr>
+            <a:r>
+              <a:rPr lang="tr-TR" sz="6000" spc="-5" dirty="0" smtClean="0">
+                <a:solidFill>
+                  <a:srgbClr val="FF0000"/>
+                </a:solidFill>
+                <a:latin typeface="Times New Roman"/>
+                <a:cs typeface="Times New Roman"/>
+              </a:rPr>
+              <a:t>Ders 1</a:t>
+            </a:r>
+            <a:endParaRPr lang="tr-TR" sz="6000" dirty="0">
+              <a:latin typeface="Times New Roman"/>
+              <a:cs typeface="Times New Roman"/>
+            </a:endParaRPr>
+          </a:p>
+          <a:p>
+            <a:pPr algn="ctr">
+              <a:lnSpc>
+                <a:spcPct val="100000"/>
+              </a:lnSpc>
+              <a:spcBef>
+                <a:spcPts val="100"/>
+              </a:spcBef>
+            </a:pPr>
+            <a:r>
+              <a:rPr lang="tr-TR" sz="6000" spc="-5" dirty="0" smtClean="0">
+                <a:latin typeface="Times New Roman"/>
+                <a:cs typeface="Times New Roman"/>
+              </a:rPr>
               <a:t>Giriş</a:t>
             </a:r>
-            <a:endParaRPr lang="en-US" dirty="0" smtClean="0"/>
-          </a:p>
-        </p:txBody>
-      </p:sp>
-      <p:sp>
-        <p:nvSpPr>
-          <p:cNvPr id="3" name="Subtitle 2"/>
-          <p:cNvSpPr>
-            <a:spLocks noGrp="1"/>
-          </p:cNvSpPr>
-          <p:nvPr>
-            <p:ph type="subTitle" idx="1"/>
-          </p:nvPr>
-        </p:nvSpPr>
-        <p:spPr/>
-        <p:txBody>
-          <a:bodyPr/>
-          <a:lstStyle/>
-          <a:p>
-            <a:pPr eaLnBrk="1" fontAlgn="auto" hangingPunct="1">
+            <a:endParaRPr lang="en-US" sz="5400" spc="-5" dirty="0" smtClean="0">
+              <a:latin typeface="Times New Roman"/>
+              <a:cs typeface="Times New Roman"/>
+            </a:endParaRPr>
+          </a:p>
+        </p:txBody>
+      </p:sp>
+      <p:sp>
+        <p:nvSpPr>
+          <p:cNvPr id="13" name="object 9"/>
+          <p:cNvSpPr txBox="1">
+            <a:spLocks/>
+          </p:cNvSpPr>
+          <p:nvPr/>
+        </p:nvSpPr>
+        <p:spPr bwMode="auto">
+          <a:xfrm>
+            <a:off x="-5182" y="24365"/>
+            <a:ext cx="9144000" cy="3473387"/>
+          </a:xfrm>
+          <a:prstGeom prst="rect">
+            <a:avLst/>
+          </a:prstGeom>
+          <a:noFill/>
+          <a:ln>
+            <a:noFill/>
+          </a:ln>
+          <a:extLst>
+            <a:ext uri="{909E8E84-426E-40DD-AFC4-6F175D3DCCD1}">
+              <a14:hiddenFill xmlns:a14="http://schemas.microsoft.com/office/drawing/2010/main">
+                <a:solidFill>
+                  <a:srgbClr val="FFFFFF"/>
+                </a:solidFill>
+              </a14:hiddenFill>
+            </a:ext>
+            <a:ext uri="{91240B29-F687-4F45-9708-019B960494DF}">
+              <a14:hiddenLine xmlns:a14="http://schemas.microsoft.com/office/drawing/2010/main" w="9525">
+                <a:solidFill>
+                  <a:srgbClr val="000000"/>
+                </a:solidFill>
+                <a:miter lim="800000"/>
+                <a:headEnd/>
+                <a:tailEnd/>
+              </a14:hiddenLine>
+            </a:ext>
+          </a:extLst>
+        </p:spPr>
+        <p:txBody>
+          <a:bodyPr vert="horz" wrap="square" lIns="0" tIns="13335" rIns="0" bIns="0" numCol="1" rtlCol="0" anchor="ctr" anchorCtr="0" compatLnSpc="1">
+            <a:prstTxWarp prst="textNoShape">
+              <a:avLst/>
+            </a:prstTxWarp>
+            <a:spAutoFit/>
+          </a:bodyPr>
+          <a:lstStyle>
+            <a:lvl1pPr algn="ctr" rtl="0" eaLnBrk="0" fontAlgn="base" hangingPunct="0">
+              <a:spcBef>
+                <a:spcPct val="0"/>
+              </a:spcBef>
               <a:spcAft>
-                <a:spcPts val="0"/>
+                <a:spcPct val="0"/>
               </a:spcAft>
-              <a:buFont typeface="Arial"/>
-              <a:buNone/>
-              <a:defRPr/>
+              <a:defRPr sz="3200" b="0" i="0" kern="1200">
+                <a:solidFill>
+                  <a:srgbClr val="424456"/>
+                </a:solidFill>
+                <a:latin typeface="Times New Roman"/>
+                <a:ea typeface="+mj-ea"/>
+                <a:cs typeface="Times New Roman"/>
+              </a:defRPr>
+            </a:lvl1pPr>
+            <a:lvl2pPr algn="ctr" rtl="0" eaLnBrk="0" fontAlgn="base" hangingPunct="0">
+              <a:spcBef>
+                <a:spcPct val="0"/>
+              </a:spcBef>
+              <a:spcAft>
+                <a:spcPct val="0"/>
+              </a:spcAft>
+              <a:defRPr sz="4400">
+                <a:solidFill>
+                  <a:schemeClr val="tx1"/>
+                </a:solidFill>
+                <a:latin typeface="Calibri" pitchFamily="34" charset="0"/>
+              </a:defRPr>
+            </a:lvl2pPr>
+            <a:lvl3pPr algn="ctr" rtl="0" eaLnBrk="0" fontAlgn="base" hangingPunct="0">
+              <a:spcBef>
+                <a:spcPct val="0"/>
+              </a:spcBef>
+              <a:spcAft>
+                <a:spcPct val="0"/>
+              </a:spcAft>
+              <a:defRPr sz="4400">
+                <a:solidFill>
+                  <a:schemeClr val="tx1"/>
+                </a:solidFill>
+                <a:latin typeface="Calibri" pitchFamily="34" charset="0"/>
+              </a:defRPr>
+            </a:lvl3pPr>
+            <a:lvl4pPr algn="ctr" rtl="0" eaLnBrk="0" fontAlgn="base" hangingPunct="0">
+              <a:spcBef>
+                <a:spcPct val="0"/>
+              </a:spcBef>
+              <a:spcAft>
+                <a:spcPct val="0"/>
+              </a:spcAft>
+              <a:defRPr sz="4400">
+                <a:solidFill>
+                  <a:schemeClr val="tx1"/>
+                </a:solidFill>
+                <a:latin typeface="Calibri" pitchFamily="34" charset="0"/>
+              </a:defRPr>
+            </a:lvl4pPr>
+            <a:lvl5pPr algn="ctr" rtl="0" eaLnBrk="0" fontAlgn="base" hangingPunct="0">
+              <a:spcBef>
+                <a:spcPct val="0"/>
+              </a:spcBef>
+              <a:spcAft>
+                <a:spcPct val="0"/>
+              </a:spcAft>
+              <a:defRPr sz="4400">
+                <a:solidFill>
+                  <a:schemeClr val="tx1"/>
+                </a:solidFill>
+                <a:latin typeface="Calibri" pitchFamily="34" charset="0"/>
+              </a:defRPr>
+            </a:lvl5pPr>
+            <a:lvl6pPr marL="457200" algn="ctr" rtl="0" fontAlgn="base">
+              <a:spcBef>
+                <a:spcPct val="0"/>
+              </a:spcBef>
+              <a:spcAft>
+                <a:spcPct val="0"/>
+              </a:spcAft>
+              <a:defRPr sz="4400">
+                <a:solidFill>
+                  <a:schemeClr val="tx1"/>
+                </a:solidFill>
+                <a:latin typeface="Calibri" pitchFamily="34" charset="0"/>
+              </a:defRPr>
+            </a:lvl6pPr>
+            <a:lvl7pPr marL="914400" algn="ctr" rtl="0" fontAlgn="base">
+              <a:spcBef>
+                <a:spcPct val="0"/>
+              </a:spcBef>
+              <a:spcAft>
+                <a:spcPct val="0"/>
+              </a:spcAft>
+              <a:defRPr sz="4400">
+                <a:solidFill>
+                  <a:schemeClr val="tx1"/>
+                </a:solidFill>
+                <a:latin typeface="Calibri" pitchFamily="34" charset="0"/>
+              </a:defRPr>
+            </a:lvl7pPr>
+            <a:lvl8pPr marL="1371600" algn="ctr" rtl="0" fontAlgn="base">
+              <a:spcBef>
+                <a:spcPct val="0"/>
+              </a:spcBef>
+              <a:spcAft>
+                <a:spcPct val="0"/>
+              </a:spcAft>
+              <a:defRPr sz="4400">
+                <a:solidFill>
+                  <a:schemeClr val="tx1"/>
+                </a:solidFill>
+                <a:latin typeface="Calibri" pitchFamily="34" charset="0"/>
+              </a:defRPr>
+            </a:lvl8pPr>
+            <a:lvl9pPr marL="1828800" algn="ctr" rtl="0" fontAlgn="base">
+              <a:spcBef>
+                <a:spcPct val="0"/>
+              </a:spcBef>
+              <a:spcAft>
+                <a:spcPct val="0"/>
+              </a:spcAft>
+              <a:defRPr sz="4400">
+                <a:solidFill>
+                  <a:schemeClr val="tx1"/>
+                </a:solidFill>
+                <a:latin typeface="Calibri" pitchFamily="34" charset="0"/>
+              </a:defRPr>
+            </a:lvl9pPr>
+          </a:lstStyle>
+          <a:p>
+            <a:pPr marL="12700">
+              <a:spcBef>
+                <a:spcPts val="105"/>
+              </a:spcBef>
             </a:pPr>
             <a:r>
-              <a:rPr lang="en-US" dirty="0" smtClean="0">
-                <a:ea typeface="+mn-ea"/>
-                <a:cs typeface="+mn-cs"/>
+              <a:rPr lang="tr-TR" sz="4400" spc="-265" dirty="0" smtClean="0">
+                <a:solidFill>
+                  <a:srgbClr val="000000"/>
+                </a:solidFill>
+                <a:latin typeface="Arial"/>
+                <a:cs typeface="Arial"/>
               </a:rPr>
-              <a:t>Part 1</a:t>
-            </a:r>
-            <a:endParaRPr lang="en-US" dirty="0">
-              <a:ea typeface="+mn-ea"/>
-              <a:cs typeface="+mn-cs"/>
+              <a:t>IT522</a:t>
+            </a:r>
+            <a:r>
+              <a:rPr lang="en-US" sz="4400" spc="-265" dirty="0" smtClean="0">
+                <a:solidFill>
+                  <a:srgbClr val="000000"/>
+                </a:solidFill>
+                <a:latin typeface="Arial"/>
+                <a:cs typeface="Arial"/>
+              </a:rPr>
+              <a:t> </a:t>
+            </a:r>
+            <a:r>
+              <a:rPr lang="en-US" sz="4400" spc="-265" dirty="0" smtClean="0">
+                <a:solidFill>
+                  <a:srgbClr val="000000"/>
+                </a:solidFill>
+                <a:latin typeface="Arial"/>
+                <a:cs typeface="Arial"/>
+              </a:rPr>
+              <a:t>– </a:t>
+            </a:r>
+            <a:r>
+              <a:rPr lang="tr-TR" sz="4400" spc="-265" dirty="0" smtClean="0">
+                <a:solidFill>
+                  <a:srgbClr val="000000"/>
+                </a:solidFill>
+                <a:latin typeface="Arial"/>
+                <a:cs typeface="Arial"/>
+              </a:rPr>
+              <a:t>Yazılım Mühendisliği </a:t>
+            </a:r>
+          </a:p>
+          <a:p>
+            <a:pPr marL="12700">
+              <a:spcBef>
+                <a:spcPts val="105"/>
+              </a:spcBef>
+            </a:pPr>
+            <a:r>
+              <a:rPr lang="tr-TR" sz="4400" spc="-265" dirty="0" smtClean="0">
+                <a:solidFill>
+                  <a:srgbClr val="000000"/>
+                </a:solidFill>
+                <a:latin typeface="Arial"/>
+                <a:cs typeface="Arial"/>
+              </a:rPr>
+              <a:t>2021</a:t>
+            </a:r>
+            <a:r>
+              <a:rPr lang="en-US" sz="4800" spc="-265" dirty="0" smtClean="0">
+                <a:solidFill>
+                  <a:srgbClr val="000000"/>
+                </a:solidFill>
+                <a:latin typeface="Arial"/>
+                <a:cs typeface="Arial"/>
+              </a:rPr>
+              <a:t/>
+            </a:r>
+            <a:br>
+              <a:rPr lang="en-US" sz="4800" spc="-265" dirty="0" smtClean="0">
+                <a:solidFill>
+                  <a:srgbClr val="000000"/>
+                </a:solidFill>
+                <a:latin typeface="Arial"/>
+                <a:cs typeface="Arial"/>
+              </a:rPr>
+            </a:br>
+            <a:r>
+              <a:rPr lang="en-US" sz="3600" spc="-265" dirty="0" smtClean="0">
+                <a:solidFill>
+                  <a:srgbClr val="000000"/>
+                </a:solidFill>
+                <a:latin typeface="Courier New" panose="02070309020205020404" pitchFamily="49" charset="0"/>
+                <a:cs typeface="Courier New" panose="02070309020205020404" pitchFamily="49" charset="0"/>
+              </a:rPr>
+              <a:t>PhD Furkan Gözükara, </a:t>
+            </a:r>
+            <a:r>
+              <a:rPr lang="tr-TR" sz="3600" spc="-265" dirty="0" smtClean="0">
+                <a:solidFill>
+                  <a:srgbClr val="000000"/>
+                </a:solidFill>
+                <a:latin typeface="Courier New" panose="02070309020205020404" pitchFamily="49" charset="0"/>
+                <a:cs typeface="Courier New" panose="02070309020205020404" pitchFamily="49" charset="0"/>
+              </a:rPr>
+              <a:t>Toros</a:t>
+            </a:r>
+            <a:r>
+              <a:rPr lang="en-US" sz="3600" spc="-265" dirty="0" smtClean="0">
+                <a:solidFill>
+                  <a:srgbClr val="000000"/>
+                </a:solidFill>
+                <a:latin typeface="Courier New" panose="02070309020205020404" pitchFamily="49" charset="0"/>
+                <a:cs typeface="Courier New" panose="02070309020205020404" pitchFamily="49" charset="0"/>
+              </a:rPr>
+              <a:t> </a:t>
+            </a:r>
+            <a:r>
+              <a:rPr lang="en-US" sz="3600" spc="-265" dirty="0" smtClean="0">
+                <a:solidFill>
+                  <a:srgbClr val="000000"/>
+                </a:solidFill>
+                <a:latin typeface="Courier New" panose="02070309020205020404" pitchFamily="49" charset="0"/>
+                <a:cs typeface="Courier New" panose="02070309020205020404" pitchFamily="49" charset="0"/>
+              </a:rPr>
+              <a:t>University</a:t>
+            </a:r>
+            <a:br>
+              <a:rPr lang="en-US" sz="3600" spc="-265" dirty="0" smtClean="0">
+                <a:solidFill>
+                  <a:srgbClr val="000000"/>
+                </a:solidFill>
+                <a:latin typeface="Courier New" panose="02070309020205020404" pitchFamily="49" charset="0"/>
+                <a:cs typeface="Courier New" panose="02070309020205020404" pitchFamily="49" charset="0"/>
+              </a:rPr>
+            </a:br>
+            <a:r>
+              <a:rPr lang="en-US" sz="2800" i="1" u="sng" spc="-265" dirty="0">
+                <a:solidFill>
+                  <a:srgbClr val="0070C0"/>
+                </a:solidFill>
+                <a:latin typeface="Calibri" panose="020F0502020204030204" pitchFamily="34" charset="0"/>
+                <a:cs typeface="Calibri" panose="020F0502020204030204" pitchFamily="34" charset="0"/>
+              </a:rPr>
+              <a:t>https://github.com/FurkanGozukara/Yazilim-Muhendisligi-IT522-2021</a:t>
+            </a:r>
+            <a:r>
+              <a:rPr lang="en-US" sz="2800" u="sng" spc="-265" dirty="0" smtClean="0">
+                <a:solidFill>
+                  <a:srgbClr val="0070C0"/>
+                </a:solidFill>
+                <a:latin typeface="Sitka Small" panose="02000505000000020004" pitchFamily="2" charset="0"/>
+                <a:cs typeface="Courier New" panose="02070309020205020404" pitchFamily="49" charset="0"/>
+              </a:rPr>
+              <a:t/>
+            </a:r>
+            <a:br>
+              <a:rPr lang="en-US" sz="2800" u="sng" spc="-265" dirty="0" smtClean="0">
+                <a:solidFill>
+                  <a:srgbClr val="0070C0"/>
+                </a:solidFill>
+                <a:latin typeface="Sitka Small" panose="02000505000000020004" pitchFamily="2" charset="0"/>
+                <a:cs typeface="Courier New" panose="02070309020205020404" pitchFamily="49" charset="0"/>
+              </a:rPr>
+            </a:br>
+            <a:r>
+              <a:rPr lang="en-US" sz="2800" u="sng" spc="-265" dirty="0" smtClean="0">
+                <a:solidFill>
+                  <a:srgbClr val="0070C0"/>
+                </a:solidFill>
+                <a:latin typeface="Sitka Small" panose="02000505000000020004" pitchFamily="2" charset="0"/>
+                <a:cs typeface="Courier New" panose="02070309020205020404" pitchFamily="49" charset="0"/>
+              </a:rPr>
+              <a:t/>
+            </a:r>
+            <a:br>
+              <a:rPr lang="en-US" sz="2800" u="sng" spc="-265" dirty="0" smtClean="0">
+                <a:solidFill>
+                  <a:srgbClr val="0070C0"/>
+                </a:solidFill>
+                <a:latin typeface="Sitka Small" panose="02000505000000020004" pitchFamily="2" charset="0"/>
+                <a:cs typeface="Courier New" panose="02070309020205020404" pitchFamily="49" charset="0"/>
+              </a:rPr>
+            </a:br>
+            <a:endParaRPr lang="en-US" sz="4000" u="sng" dirty="0">
+              <a:solidFill>
+                <a:srgbClr val="0070C0"/>
+              </a:solidFill>
+              <a:latin typeface="Sitka Small" panose="02000505000000020004" pitchFamily="2" charset="0"/>
+              <a:cs typeface="Courier New" panose="02070309020205020404" pitchFamily="49" charset="0"/>
             </a:endParaRPr>
           </a:p>
         </p:txBody>
       </p:sp>
       <p:pic>
         <p:nvPicPr>
-          <p:cNvPr id="2" name="Picture 1"/>
+          <p:cNvPr id="11" name="Picture 10"/>
           <p:cNvPicPr>
             <a:picLocks noChangeAspect="1"/>
           </p:cNvPicPr>
           <p:nvPr/>
         </p:nvPicPr>
         <p:blipFill>
-          <a:blip r:embed="rId2"/>
+          <a:blip r:embed="rId4"/>
           <a:stretch>
             <a:fillRect/>
           </a:stretch>
         </p:blipFill>
         <p:spPr>
           <a:xfrm>
-            <a:off x="1597755" y="4408538"/>
+            <a:off x="1587391" y="4390517"/>
             <a:ext cx="5948490" cy="1885314"/>
           </a:xfrm>
           <a:prstGeom prst="rect">
@@ -5651,7 +6514,7 @@
       </p:pic>
       <p:sp>
         <p:nvSpPr>
-          <p:cNvPr id="6" name="Metin kutusu 5"/>
+          <p:cNvPr id="12" name="Metin kutusu 5"/>
           <p:cNvSpPr txBox="1"/>
           <p:nvPr/>
         </p:nvSpPr>
@@ -5672,12 +6535,20 @@
           <a:lstStyle/>
           <a:p>
             <a:r>
-              <a:rPr lang="en-US" dirty="0"/>
-              <a:t>Source : </a:t>
+              <a:rPr lang="tr-TR" dirty="0" smtClean="0"/>
+              <a:t>Kaynak</a:t>
+            </a:r>
+            <a:r>
+              <a:rPr lang="en-US" dirty="0" smtClean="0"/>
+              <a:t> </a:t>
+            </a:r>
+            <a:r>
+              <a:rPr lang="en-US" dirty="0"/>
+              <a:t>: </a:t>
             </a:r>
             <a:r>
               <a:rPr lang="en-US" dirty="0">
-                <a:hlinkClick r:id="rId3"/>
+                <a:hlinkClick r:id="rId5"/>
               </a:rPr>
               <a:t>https://ifs.host.cs.st-andrews.ac.uk/Books/SE9/Presentations/index.html </a:t>
             </a:r>
@@ -5686,6 +6557,11 @@
         </p:txBody>
       </p:sp>
     </p:spTree>
+    <p:extLst>
+      <p:ext uri="{BB962C8B-B14F-4D97-AF65-F5344CB8AC3E}">
+        <p14:creationId xmlns:p14="http://schemas.microsoft.com/office/powerpoint/2010/main" val="459923339"/>
+      </p:ext>
+    </p:extLst>
   </p:cSld>
   <p:clrMapOvr>
     <a:masterClrMapping/>
@@ -5733,10 +6609,10 @@
           <a:lstStyle/>
           <a:p>
             <a:r>
-              <a:rPr lang="en-US" dirty="0" smtClean="0"/>
-              <a:t>Software engineering</a:t>
-            </a:r>
-            <a:endParaRPr lang="en-US" dirty="0"/>
+              <a:rPr lang="tr-TR" sz="2800" dirty="0" smtClean="0"/>
+              <a:t>Yazılım Mühendisliği</a:t>
+            </a:r>
+            <a:endParaRPr lang="en-US" sz="2800" dirty="0"/>
           </a:p>
         </p:txBody>
       </p:sp>
@@ -5755,35 +6631,82 @@
           <a:bodyPr/>
           <a:lstStyle/>
           <a:p>
-            <a:r>
-              <a:rPr lang="en-US" dirty="0" smtClean="0"/>
-              <a:t>Software engineering is an engineering discipline that is concerned with all aspects of software production from the early stages of system specification through to maintaining the system after it has gone into use.</a:t>
-            </a:r>
-          </a:p>
-          <a:p>
-            <a:r>
-              <a:rPr lang="en-US" dirty="0" smtClean="0"/>
-              <a:t>Engineering discipline</a:t>
-            </a:r>
-          </a:p>
-          <a:p>
-            <a:pPr lvl="1"/>
-            <a:r>
-              <a:rPr lang="en-US" dirty="0" smtClean="0"/>
-              <a:t>Using appropriate theories and methods to solve problems bearing in mind organizational and financial constraints.</a:t>
-            </a:r>
-          </a:p>
-          <a:p>
-            <a:r>
-              <a:rPr lang="en-US" dirty="0" smtClean="0"/>
-              <a:t>All aspects of software production</a:t>
-            </a:r>
-          </a:p>
-          <a:p>
-            <a:pPr lvl="1"/>
-            <a:r>
-              <a:rPr lang="en-US" dirty="0" smtClean="0"/>
-              <a:t>Not just technical process of development. Also project management and the development of tools, methods etc. to support software production.</a:t>
+            <a:pPr algn="just"/>
+            <a:r>
+              <a:rPr lang="tr-TR" dirty="0" smtClean="0"/>
+              <a:t>Yazılım </a:t>
+            </a:r>
+            <a:r>
+              <a:rPr lang="tr-TR" dirty="0"/>
+              <a:t>mühendisliği, sistem </a:t>
+            </a:r>
+            <a:r>
+              <a:rPr lang="tr-TR" dirty="0" err="1"/>
+              <a:t>spesifikasyonunun</a:t>
+            </a:r>
+            <a:r>
+              <a:rPr lang="tr-TR" dirty="0"/>
+              <a:t> ilk aşamalarından sistemin kullanıma girdikten sonra bakımına kadar yazılım üretiminin tüm yönleriyle ilgilenen bir mühendislik disiplinidir.</a:t>
+            </a:r>
+            <a:endParaRPr lang="en-US" dirty="0" smtClean="0"/>
+          </a:p>
+          <a:p>
+            <a:pPr algn="just"/>
+            <a:r>
+              <a:rPr lang="tr-TR" dirty="0" smtClean="0"/>
+              <a:t>Mühendislik </a:t>
+            </a:r>
+            <a:r>
+              <a:rPr lang="tr-TR" dirty="0"/>
+              <a:t>disiplini</a:t>
+            </a:r>
+            <a:endParaRPr lang="en-US" dirty="0" smtClean="0"/>
+          </a:p>
+          <a:p>
+            <a:pPr lvl="1" algn="just"/>
+            <a:r>
+              <a:rPr lang="tr-TR" dirty="0" err="1" smtClean="0"/>
+              <a:t>Organizasyonel</a:t>
+            </a:r>
+            <a:r>
+              <a:rPr lang="tr-TR" dirty="0" smtClean="0"/>
+              <a:t> </a:t>
+            </a:r>
+            <a:r>
+              <a:rPr lang="tr-TR" dirty="0"/>
+              <a:t>ve finansal kısıtlamaları dikkate alan problemleri çözmek için uygun teorileri ve yöntemleri kullanmak.</a:t>
+            </a:r>
+            <a:endParaRPr lang="en-US" dirty="0" smtClean="0"/>
+          </a:p>
+          <a:p>
+            <a:pPr algn="just"/>
+            <a:r>
+              <a:rPr lang="tr-TR" dirty="0" smtClean="0"/>
+              <a:t>Yazılım </a:t>
+            </a:r>
+            <a:r>
+              <a:rPr lang="tr-TR" dirty="0"/>
+              <a:t>üretiminin tüm yönleri</a:t>
+            </a:r>
+            <a:endParaRPr lang="en-US" dirty="0" smtClean="0"/>
+          </a:p>
+          <a:p>
+            <a:pPr lvl="1" algn="just"/>
+            <a:r>
+              <a:rPr lang="tr-TR" dirty="0" smtClean="0"/>
+              <a:t>Sadece </a:t>
+            </a:r>
+            <a:r>
+              <a:rPr lang="tr-TR" dirty="0"/>
+              <a:t>teknik geliştirme süreci değil. Ayrıca yazılım üretimini desteklemek için proje yönetimi ve araçların, yöntemlerin vb. </a:t>
+            </a:r>
+            <a:r>
+              <a:rPr lang="tr-TR" dirty="0" smtClean="0"/>
+              <a:t>geliştirilmesi</a:t>
+            </a:r>
+            <a:r>
+              <a:rPr lang="tr-TR" dirty="0"/>
+              <a:t>.</a:t>
             </a:r>
             <a:endParaRPr lang="en-US" dirty="0"/>
           </a:p>
@@ -5893,10 +6816,10 @@
           <a:lstStyle/>
           <a:p>
             <a:r>
-              <a:rPr lang="en-US" dirty="0" smtClean="0"/>
-              <a:t>Importance of software engineering</a:t>
-            </a:r>
-            <a:endParaRPr lang="en-US" dirty="0"/>
+              <a:rPr lang="tr-TR" sz="2800" dirty="0" smtClean="0"/>
+              <a:t>Yazılım Mühendisliğinin Önemi</a:t>
+            </a:r>
+            <a:endParaRPr lang="en-US" sz="2800" dirty="0"/>
           </a:p>
         </p:txBody>
       </p:sp>
@@ -5915,16 +6838,36 @@
           <a:bodyPr/>
           <a:lstStyle/>
           <a:p>
-            <a:r>
-              <a:rPr lang="en-GB" dirty="0" smtClean="0"/>
-              <a:t>More and more, individuals and society rely on advanced software systems. We need to be able to produce reliable and trustworthy systems economically and quickly.</a:t>
-            </a:r>
-          </a:p>
-          <a:p>
-            <a:r>
-              <a:rPr lang="en-GB" dirty="0" smtClean="0"/>
-              <a:t>It is usually cheaper, in the long run, to use software engineering methods and techniques for software systems rather than just write the programs as if it was a personal programming project. For most types of system, the majority of costs are the costs of changing the software after it has gone into use.</a:t>
-            </a:r>
+            <a:pPr algn="just"/>
+            <a:r>
+              <a:rPr lang="tr-TR" dirty="0" smtClean="0"/>
+              <a:t>Giderek </a:t>
+            </a:r>
+            <a:r>
+              <a:rPr lang="tr-TR" dirty="0"/>
+              <a:t>daha çok bireyler ve toplum gelişmiş yazılım sistemlerine güveniyor. Güvenilir ve </a:t>
+            </a:r>
+            <a:r>
+              <a:rPr lang="tr-TR" dirty="0" smtClean="0"/>
+              <a:t>emin </a:t>
+            </a:r>
+            <a:r>
+              <a:rPr lang="tr-TR" dirty="0"/>
+              <a:t>sistemleri ekonomik ve hızlı bir şekilde üretebilmemiz gerekiyor.</a:t>
+            </a:r>
+            <a:endParaRPr lang="en-GB" dirty="0" smtClean="0"/>
+          </a:p>
+          <a:p>
+            <a:pPr algn="just"/>
+            <a:r>
+              <a:rPr lang="tr-TR" dirty="0" smtClean="0"/>
+              <a:t>Uzun </a:t>
+            </a:r>
+            <a:r>
+              <a:rPr lang="tr-TR" dirty="0"/>
+              <a:t>vadede, programları kişisel bir programlama projesiymiş gibi yazmaktansa, yazılım sistemleri için yazılım mühendisliği yöntem ve tekniklerini kullanmak genellikle daha ucuzdur. Çoğu sistem türü için, maliyetlerin çoğu, yazılımı kullanıma girdikten sonra değiştirmenin maliyetidir.</a:t>
+            </a:r>
+            <a:endParaRPr lang="en-GB" dirty="0" smtClean="0"/>
           </a:p>
           <a:p>
             <a:endParaRPr lang="en-US" dirty="0"/>
@@ -6035,10 +6978,10 @@
           <a:lstStyle/>
           <a:p>
             <a:r>
-              <a:rPr lang="en-US" dirty="0" smtClean="0"/>
-              <a:t>Software process activities</a:t>
-            </a:r>
-            <a:endParaRPr lang="en-US" dirty="0"/>
+              <a:rPr lang="tr-TR" sz="2800" dirty="0" smtClean="0"/>
+              <a:t>Yazılım Süreci Faaliyetleri</a:t>
+            </a:r>
+            <a:endParaRPr lang="en-US" sz="2800" dirty="0"/>
           </a:p>
         </p:txBody>
       </p:sp>
@@ -6057,28 +7000,60 @@
           <a:bodyPr/>
           <a:lstStyle/>
           <a:p>
-            <a:r>
-              <a:rPr lang="en-GB" dirty="0" smtClean="0"/>
-              <a:t>Software specification, where customers and engineers define the software that is to be produced and the constraints on its operation.</a:t>
-            </a:r>
-          </a:p>
-          <a:p>
-            <a:r>
-              <a:rPr lang="en-GB" dirty="0" smtClean="0"/>
-              <a:t>Software development, where the software is designed and programmed.</a:t>
-            </a:r>
-          </a:p>
-          <a:p>
-            <a:r>
-              <a:rPr lang="en-GB" dirty="0" smtClean="0"/>
-              <a:t>Software validation, where the software is checked to ensure that it is what the customer requires.</a:t>
-            </a:r>
-          </a:p>
-          <a:p>
-            <a:r>
-              <a:rPr lang="en-GB" dirty="0" smtClean="0"/>
-              <a:t>Software evolution, where the software is modified to reflect changing customer and market requirements.</a:t>
-            </a:r>
+            <a:pPr algn="just"/>
+            <a:r>
+              <a:rPr lang="tr-TR" dirty="0" smtClean="0"/>
+              <a:t>Müşterilerin </a:t>
+            </a:r>
+            <a:r>
+              <a:rPr lang="tr-TR" dirty="0"/>
+              <a:t>ve mühendislerin üretilecek yazılımı ve çalışması üzerindeki kısıtlamaları tanımladığı yazılım </a:t>
+            </a:r>
+            <a:r>
+              <a:rPr lang="tr-TR" dirty="0" err="1"/>
+              <a:t>spesifikasyonu</a:t>
+            </a:r>
+            <a:r>
+              <a:rPr lang="tr-TR" dirty="0"/>
+              <a:t>.</a:t>
+            </a:r>
+            <a:endParaRPr lang="en-GB" dirty="0" smtClean="0"/>
+          </a:p>
+          <a:p>
+            <a:pPr algn="just"/>
+            <a:r>
+              <a:rPr lang="tr-TR" dirty="0" smtClean="0"/>
+              <a:t>Yazılımın </a:t>
+            </a:r>
+            <a:r>
+              <a:rPr lang="tr-TR" dirty="0"/>
+              <a:t>tasarlandığı ve programlandığı yazılım geliştirme.</a:t>
+            </a:r>
+            <a:endParaRPr lang="en-GB" dirty="0" smtClean="0"/>
+          </a:p>
+          <a:p>
+            <a:pPr algn="just"/>
+            <a:r>
+              <a:rPr lang="tr-TR" dirty="0" smtClean="0"/>
+              <a:t>Yazılımın</a:t>
+            </a:r>
+            <a:r>
+              <a:rPr lang="tr-TR" dirty="0"/>
+              <a:t>, müşterinin ihtiyaç duyduğundan emin olmak için kontrol edildiği yazılım doğrulama.</a:t>
+            </a:r>
+            <a:endParaRPr lang="en-GB" dirty="0" smtClean="0"/>
+          </a:p>
+          <a:p>
+            <a:pPr algn="just"/>
+            <a:r>
+              <a:rPr lang="tr-TR" dirty="0" smtClean="0"/>
+              <a:t>Yazılımın </a:t>
+            </a:r>
+            <a:r>
+              <a:rPr lang="tr-TR" dirty="0"/>
+              <a:t>değişen müşteri ve pazar gereksinimlerini yansıtacak şekilde değiştirildiği yazılım evrimi.</a:t>
+            </a:r>
+            <a:endParaRPr lang="en-GB" dirty="0" smtClean="0"/>
           </a:p>
           <a:p>
             <a:endParaRPr lang="en-US" dirty="0"/>
@@ -6189,10 +7164,10 @@
           <a:lstStyle/>
           <a:p>
             <a:r>
-              <a:rPr lang="en-US" dirty="0" smtClean="0"/>
-              <a:t>General issues that affect most software</a:t>
-            </a:r>
-            <a:endParaRPr lang="en-US" dirty="0"/>
+              <a:rPr lang="tr-TR" sz="2800" dirty="0" smtClean="0"/>
+              <a:t>Çoğu Yazılımı Etkileyen Genel Sorunlar</a:t>
+            </a:r>
+            <a:endParaRPr lang="en-US" sz="2800" dirty="0"/>
           </a:p>
         </p:txBody>
       </p:sp>
@@ -6211,42 +7186,154 @@
           <a:bodyPr/>
           <a:lstStyle/>
           <a:p>
+            <a:pPr algn="just"/>
+            <a:r>
+              <a:rPr lang="tr-TR" dirty="0" err="1" smtClean="0"/>
+              <a:t>Heterojenlik</a:t>
+            </a:r>
+            <a:endParaRPr lang="en-GB" dirty="0" smtClean="0"/>
+          </a:p>
+          <a:p>
+            <a:pPr lvl="1" algn="just"/>
+            <a:r>
+              <a:rPr lang="tr-TR" dirty="0" smtClean="0"/>
+              <a:t>Giderek </a:t>
+            </a:r>
+            <a:r>
+              <a:rPr lang="tr-TR" dirty="0"/>
+              <a:t>artan bir şekilde, sistemlerin farklı bilgisayar ve mobil cihaz </a:t>
+            </a:r>
+            <a:r>
+              <a:rPr lang="tr-TR" dirty="0" smtClean="0"/>
+              <a:t>türlerini de </a:t>
+            </a:r>
+            <a:r>
+              <a:rPr lang="tr-TR" dirty="0"/>
+              <a:t>içeren ağlar arasında dağıtılmış sistemler olarak çalışması gerekmektedir.</a:t>
+            </a:r>
+            <a:endParaRPr lang="en-GB" dirty="0" smtClean="0"/>
+          </a:p>
+          <a:p>
+            <a:pPr algn="just"/>
+            <a:r>
+              <a:rPr lang="tr-TR" dirty="0" smtClean="0"/>
+              <a:t>İş </a:t>
+            </a:r>
+            <a:r>
+              <a:rPr lang="tr-TR" dirty="0"/>
+              <a:t>ve sosyal değişim</a:t>
+            </a:r>
+            <a:endParaRPr lang="en-GB" dirty="0" smtClean="0"/>
+          </a:p>
+          <a:p>
+            <a:pPr lvl="1" algn="just"/>
+            <a:r>
+              <a:rPr lang="tr-TR" dirty="0" smtClean="0"/>
+              <a:t>Yükselen </a:t>
+            </a:r>
+            <a:r>
+              <a:rPr lang="tr-TR" dirty="0"/>
+              <a:t>ekonomiler geliştikçe ve yeni teknolojiler kullanılabilir hale geldikçe, iş ve toplum inanılmaz derecede hızlı değişiyor. Mevcut yazılımlarını değiştirebilmeleri ve yeni yazılımları hızla geliştirebilmeleri gerekiyor.</a:t>
+            </a:r>
+            <a:endParaRPr lang="en-GB" dirty="0" smtClean="0"/>
+          </a:p>
+          <a:p>
+            <a:pPr algn="just"/>
+            <a:r>
+              <a:rPr lang="tr-TR" dirty="0" smtClean="0"/>
+              <a:t>Güvenlik ve itimat</a:t>
+            </a:r>
+            <a:endParaRPr lang="en-GB" dirty="0" smtClean="0"/>
+          </a:p>
+          <a:p>
+            <a:pPr lvl="1" algn="just"/>
+            <a:r>
+              <a:rPr lang="en-GB" dirty="0" err="1" smtClean="0"/>
+              <a:t>Yazılım</a:t>
+            </a:r>
             <a:r>
               <a:rPr lang="en-GB" dirty="0" smtClean="0"/>
-              <a:t>Heterogeneity </a:t>
-            </a:r>
-          </a:p>
-          <a:p>
-            <a:pPr lvl="1"/>
-            <a:r>
-              <a:rPr lang="en-GB" dirty="0" smtClean="0"/>
-              <a:t>Increasingly, systems are required to operate as distributed systems across networks that include different types of computer and mobile devices. </a:t>
-            </a:r>
-          </a:p>
-          <a:p>
-            <a:r>
-              <a:rPr lang="en-GB" dirty="0" smtClean="0"/>
-              <a:t>Business and social change </a:t>
-            </a:r>
-          </a:p>
-          <a:p>
-            <a:pPr lvl="1"/>
-            <a:r>
-              <a:rPr lang="en-GB" dirty="0" smtClean="0"/>
-              <a:t>Business and society are changing incredibly quickly as emerging economies develop and new technologies become available. They need to be able to change their existing software and to rapidly develop new software. </a:t>
-            </a:r>
-          </a:p>
-          <a:p>
-            <a:r>
-              <a:rPr lang="en-GB" dirty="0" smtClean="0"/>
-              <a:t>Security and trust </a:t>
-            </a:r>
-          </a:p>
-          <a:p>
-            <a:pPr lvl="1"/>
-            <a:r>
-              <a:rPr lang="en-GB" dirty="0" smtClean="0"/>
-              <a:t>As software is intertwined with all aspects of our lives, it is essential that we can trust that software. </a:t>
+              <a:t> </a:t>
+            </a:r>
+            <a:r>
+              <a:rPr lang="en-GB" dirty="0" err="1"/>
+              <a:t>hayatımızın</a:t>
+            </a:r>
+            <a:r>
+              <a:rPr lang="en-GB" dirty="0"/>
+              <a:t> </a:t>
+            </a:r>
+            <a:r>
+              <a:rPr lang="en-GB" dirty="0" err="1"/>
+              <a:t>tüm</a:t>
+            </a:r>
+            <a:r>
+              <a:rPr lang="en-GB" dirty="0"/>
+              <a:t> </a:t>
+            </a:r>
+            <a:r>
+              <a:rPr lang="en-GB" dirty="0" err="1"/>
+              <a:t>yönleriyle</a:t>
+            </a:r>
+            <a:r>
+              <a:rPr lang="en-GB" dirty="0"/>
+              <a:t> </a:t>
+            </a:r>
+            <a:r>
+              <a:rPr lang="en-GB" dirty="0" err="1"/>
+              <a:t>iç</a:t>
+            </a:r>
+            <a:r>
+              <a:rPr lang="en-GB" dirty="0"/>
+              <a:t> </a:t>
+            </a:r>
+            <a:r>
+              <a:rPr lang="en-GB" dirty="0" err="1"/>
+              <a:t>içe</a:t>
+            </a:r>
+            <a:r>
+              <a:rPr lang="en-GB" dirty="0"/>
+              <a:t> </a:t>
+            </a:r>
+            <a:r>
+              <a:rPr lang="en-GB" dirty="0" err="1"/>
+              <a:t>olduğundan</a:t>
+            </a:r>
+            <a:r>
+              <a:rPr lang="en-GB" dirty="0"/>
+              <a:t>, o </a:t>
+            </a:r>
+            <a:r>
+              <a:rPr lang="en-GB" dirty="0" err="1"/>
+              <a:t>yazılıma</a:t>
+            </a:r>
+            <a:r>
+              <a:rPr lang="en-GB" dirty="0"/>
+              <a:t> </a:t>
+            </a:r>
+            <a:r>
+              <a:rPr lang="en-GB" dirty="0" err="1"/>
+              <a:t>güvenebilmemiz</a:t>
+            </a:r>
+            <a:r>
+              <a:rPr lang="en-GB" dirty="0"/>
+              <a:t> </a:t>
+            </a:r>
+            <a:r>
+              <a:rPr lang="en-GB" dirty="0" err="1"/>
+              <a:t>çok</a:t>
+            </a:r>
+            <a:r>
+              <a:rPr lang="en-GB" dirty="0"/>
+              <a:t> </a:t>
+            </a:r>
+            <a:r>
+              <a:rPr lang="en-GB" dirty="0" err="1"/>
+              <a:t>önemlidir</a:t>
+            </a:r>
+            <a:r>
+              <a:rPr lang="en-GB" dirty="0"/>
+              <a:t>.</a:t>
             </a:r>
             <a:endParaRPr lang="en-US" dirty="0"/>
           </a:p>
@@ -6356,37 +7443,196 @@
           <a:lstStyle/>
           <a:p>
             <a:r>
+              <a:rPr lang="tr-TR" sz="2800" dirty="0" smtClean="0"/>
+              <a:t>Yazılım </a:t>
+            </a:r>
+            <a:r>
+              <a:rPr lang="tr-TR" sz="2800" dirty="0"/>
+              <a:t>mühendisliği çeşitliliği</a:t>
+            </a:r>
+            <a:endParaRPr lang="en-US" sz="2800" dirty="0"/>
+          </a:p>
+        </p:txBody>
+      </p:sp>
+      <p:sp>
+        <p:nvSpPr>
+          <p:cNvPr id="3" name="Content Placeholder 2"/>
+          <p:cNvSpPr>
+            <a:spLocks noGrp="1"/>
+          </p:cNvSpPr>
+          <p:nvPr>
+            <p:ph idx="1"/>
+          </p:nvPr>
+        </p:nvSpPr>
+        <p:spPr/>
+        <p:txBody>
+          <a:bodyPr/>
+          <a:lstStyle/>
+          <a:p>
+            <a:pPr algn="just"/>
+            <a:r>
+              <a:rPr lang="en-US" dirty="0" err="1" smtClean="0"/>
+              <a:t>Birçok</a:t>
+            </a:r>
+            <a:r>
               <a:rPr lang="en-US" dirty="0" smtClean="0"/>
-              <a:t>Software engineering diversity</a:t>
-            </a:r>
-            <a:endParaRPr lang="en-US" dirty="0"/>
-          </a:p>
-        </p:txBody>
-      </p:sp>
-      <p:sp>
-        <p:nvSpPr>
-          <p:cNvPr id="3" name="Content Placeholder 2"/>
-          <p:cNvSpPr>
-            <a:spLocks noGrp="1"/>
-          </p:cNvSpPr>
-          <p:nvPr>
-            <p:ph idx="1"/>
-          </p:nvPr>
-        </p:nvSpPr>
-        <p:spPr/>
-        <p:txBody>
-          <a:bodyPr/>
-          <a:lstStyle/>
-          <a:p>
-            <a:r>
-              <a:rPr lang="en-US" dirty="0" smtClean="0"/>
-              <a:t>There are many different types of software system and there is no universal set of software techniques that is applicable to all of these.</a:t>
-            </a:r>
-          </a:p>
-          <a:p>
-            <a:r>
-              <a:rPr lang="en-US" dirty="0" smtClean="0"/>
-              <a:t>The software engineering methods and tools used depend on the type of application being developed, the requirements of the customer and the background of the development team.</a:t>
+              <a:t> </a:t>
+            </a:r>
+            <a:r>
+              <a:rPr lang="en-US" dirty="0" err="1"/>
+              <a:t>farklı</a:t>
+            </a:r>
+            <a:r>
+              <a:rPr lang="en-US" dirty="0"/>
+              <a:t> </a:t>
+            </a:r>
+            <a:r>
+              <a:rPr lang="en-US" dirty="0" err="1"/>
+              <a:t>yazılım</a:t>
+            </a:r>
+            <a:r>
+              <a:rPr lang="en-US" dirty="0"/>
+              <a:t> </a:t>
+            </a:r>
+            <a:r>
+              <a:rPr lang="en-US" dirty="0" err="1"/>
+              <a:t>sistemi</a:t>
+            </a:r>
+            <a:r>
+              <a:rPr lang="en-US" dirty="0"/>
+              <a:t> </a:t>
+            </a:r>
+            <a:r>
+              <a:rPr lang="en-US" dirty="0" err="1"/>
+              <a:t>türü</a:t>
+            </a:r>
+            <a:r>
+              <a:rPr lang="en-US" dirty="0"/>
+              <a:t> </a:t>
+            </a:r>
+            <a:r>
+              <a:rPr lang="en-US" dirty="0" err="1"/>
+              <a:t>vardır</a:t>
+            </a:r>
+            <a:r>
+              <a:rPr lang="en-US" dirty="0"/>
+              <a:t> </a:t>
+            </a:r>
+            <a:r>
+              <a:rPr lang="en-US" dirty="0" err="1"/>
+              <a:t>ve</a:t>
+            </a:r>
+            <a:r>
+              <a:rPr lang="en-US" dirty="0"/>
+              <a:t> </a:t>
+            </a:r>
+            <a:r>
+              <a:rPr lang="en-US" dirty="0" err="1"/>
+              <a:t>bunların</a:t>
+            </a:r>
+            <a:r>
+              <a:rPr lang="en-US" dirty="0"/>
+              <a:t> </a:t>
+            </a:r>
+            <a:r>
+              <a:rPr lang="en-US" dirty="0" err="1"/>
+              <a:t>tümü</a:t>
+            </a:r>
+            <a:r>
+              <a:rPr lang="en-US" dirty="0"/>
+              <a:t> </a:t>
+            </a:r>
+            <a:r>
+              <a:rPr lang="en-US" dirty="0" err="1"/>
+              <a:t>için</a:t>
+            </a:r>
+            <a:r>
+              <a:rPr lang="en-US" dirty="0"/>
+              <a:t> </a:t>
+            </a:r>
+            <a:r>
+              <a:rPr lang="en-US" dirty="0" err="1"/>
+              <a:t>geçerli</a:t>
+            </a:r>
+            <a:r>
+              <a:rPr lang="en-US" dirty="0"/>
+              <a:t> </a:t>
+            </a:r>
+            <a:r>
+              <a:rPr lang="en-US" dirty="0" err="1"/>
+              <a:t>olan</a:t>
+            </a:r>
+            <a:r>
+              <a:rPr lang="en-US" dirty="0"/>
+              <a:t> </a:t>
+            </a:r>
+            <a:r>
+              <a:rPr lang="en-US" dirty="0" err="1"/>
+              <a:t>evrensel</a:t>
+            </a:r>
+            <a:r>
+              <a:rPr lang="en-US" dirty="0"/>
+              <a:t> </a:t>
+            </a:r>
+            <a:r>
+              <a:rPr lang="en-US" dirty="0" err="1"/>
+              <a:t>bir</a:t>
+            </a:r>
+            <a:r>
+              <a:rPr lang="en-US" dirty="0"/>
+              <a:t> </a:t>
+            </a:r>
+            <a:r>
+              <a:rPr lang="en-US" dirty="0" err="1"/>
+              <a:t>yazılım</a:t>
+            </a:r>
+            <a:r>
+              <a:rPr lang="en-US" dirty="0"/>
+              <a:t> </a:t>
+            </a:r>
+            <a:r>
+              <a:rPr lang="en-US" dirty="0" err="1"/>
+              <a:t>teknikleri</a:t>
+            </a:r>
+            <a:r>
+              <a:rPr lang="en-US" dirty="0"/>
+              <a:t> </a:t>
+            </a:r>
+            <a:r>
+              <a:rPr lang="en-US" dirty="0" err="1"/>
+              <a:t>seti</a:t>
+            </a:r>
+            <a:r>
+              <a:rPr lang="en-US" dirty="0"/>
+              <a:t> </a:t>
+            </a:r>
+            <a:r>
+              <a:rPr lang="en-US" dirty="0" err="1"/>
+              <a:t>yoktur</a:t>
+            </a:r>
+            <a:r>
+              <a:rPr lang="en-US" dirty="0"/>
+              <a:t>.</a:t>
+            </a:r>
+            <a:endParaRPr lang="en-US" dirty="0" smtClean="0"/>
+          </a:p>
+          <a:p>
+            <a:pPr algn="just"/>
+            <a:r>
+              <a:rPr lang="tr-TR" dirty="0" smtClean="0"/>
+              <a:t>Kullanılan </a:t>
+            </a:r>
+            <a:r>
+              <a:rPr lang="tr-TR" dirty="0"/>
+              <a:t>yazılım mühendisliği yöntemleri ve araçları, geliştirilmekte olan uygulamanın türüne, müşterinin gereksinimlerine ve geliştirme ekibinin </a:t>
+            </a:r>
+            <a:r>
+              <a:rPr lang="tr-TR" dirty="0" smtClean="0"/>
+              <a:t>tecrübesine </a:t>
+            </a:r>
+            <a:r>
+              <a:rPr lang="tr-TR" dirty="0"/>
+              <a:t>bağlıdır.</a:t>
             </a:r>
             <a:endParaRPr lang="en-US" dirty="0"/>
           </a:p>
@@ -6496,10 +7742,14 @@
           <a:lstStyle/>
           <a:p>
             <a:r>
-              <a:rPr lang="en-US" dirty="0" smtClean="0"/>
-              <a:t>Application types</a:t>
-            </a:r>
-            <a:endParaRPr lang="en-US" dirty="0"/>
+              <a:rPr lang="tr-TR" sz="2800" dirty="0" smtClean="0"/>
+              <a:t>Uygulama </a:t>
+            </a:r>
+            <a:r>
+              <a:rPr lang="tr-TR" sz="2800" dirty="0"/>
+              <a:t>türleri</a:t>
+            </a:r>
+            <a:endParaRPr lang="en-US" sz="2800" dirty="0"/>
           </a:p>
         </p:txBody>
       </p:sp>
@@ -6518,54 +7768,109 @@
           <a:bodyPr/>
           <a:lstStyle/>
           <a:p>
+            <a:pPr algn="just"/>
+            <a:r>
+              <a:rPr lang="tr-TR" dirty="0" smtClean="0"/>
+              <a:t>Bağımsız </a:t>
+            </a:r>
+            <a:r>
+              <a:rPr lang="tr-TR" dirty="0"/>
+              <a:t>uygulamalar</a:t>
+            </a:r>
             <a:r>
               <a:rPr lang="en-GB" dirty="0" smtClean="0"/>
-              <a:t>Stand-alone applications </a:t>
-            </a:r>
-          </a:p>
-          <a:p>
-            <a:pPr lvl="1"/>
+              <a:t> </a:t>
+            </a:r>
+            <a:endParaRPr lang="en-GB" dirty="0" smtClean="0"/>
+          </a:p>
+          <a:p>
+            <a:pPr lvl="1" algn="just"/>
             <a:r>
               <a:rPr lang="en-GB" dirty="0" smtClean="0"/>
               <a:t>These are application systems that run on a local computer, such as a PC. They include all necessary functionality and do not need to be connected to a network. </a:t>
             </a:r>
           </a:p>
           <a:p>
+            <a:pPr algn="just"/>
+            <a:r>
+              <a:rPr lang="en-GB" dirty="0" err="1" smtClean="0"/>
+              <a:t>Etkileşimli</a:t>
+            </a:r>
             <a:r>
               <a:rPr lang="en-GB" dirty="0" smtClean="0"/>
-              <a:t>Interactive transaction-based applications</a:t>
+              <a:t> </a:t>
+            </a:r>
+            <a:r>
+              <a:rPr lang="en-GB" dirty="0" err="1"/>
+              <a:t>işlem</a:t>
+            </a:r>
+            <a:r>
+              <a:rPr lang="en-GB" dirty="0"/>
+              <a:t> </a:t>
+            </a:r>
+            <a:r>
+              <a:rPr lang="en-GB" dirty="0" err="1"/>
+              <a:t>tabanlı</a:t>
+            </a:r>
+            <a:r>
+              <a:rPr lang="en-GB" dirty="0"/>
+              <a:t> </a:t>
+            </a:r>
+            <a:r>
+              <a:rPr lang="en-GB" dirty="0" err="1"/>
+              <a:t>uygulamalar</a:t>
             </a:r>
             <a:r>
               <a:rPr lang="en-GB" i="1" dirty="0" smtClean="0"/>
               <a:t> </a:t>
             </a:r>
-          </a:p>
-          <a:p>
-            <a:pPr lvl="1"/>
+            <a:endParaRPr lang="en-GB" i="1" dirty="0" smtClean="0"/>
+          </a:p>
+          <a:p>
+            <a:pPr lvl="1" algn="just"/>
+            <a:r>
+              <a:rPr lang="tr-TR" dirty="0" smtClean="0"/>
+              <a:t>Uzak </a:t>
+            </a:r>
+            <a:r>
+              <a:rPr lang="tr-TR" dirty="0"/>
+              <a:t>bir bilgisayarda çalışan ve kullanıcılar tarafından kendi bilgisayarlarından veya terminallerinden erişilen uygulamalar. Bunlar, e-ticaret uygulamaları gibi web uygulamalarını içerir.</a:t>
+            </a:r>
+            <a:endParaRPr lang="en-GB" dirty="0" smtClean="0"/>
+          </a:p>
+          <a:p>
+            <a:pPr algn="just"/>
+            <a:r>
+              <a:rPr lang="tr-TR" dirty="0" smtClean="0"/>
+              <a:t>Gömülü </a:t>
+            </a:r>
+            <a:r>
+              <a:rPr lang="tr-TR" dirty="0"/>
+              <a:t>kontrol sistemleri</a:t>
+            </a:r>
+            <a:endParaRPr lang="en-GB" dirty="0" smtClean="0"/>
+          </a:p>
+          <a:p>
+            <a:pPr lvl="1" algn="just"/>
+            <a:r>
+              <a:rPr lang="tr-TR" dirty="0" smtClean="0"/>
+              <a:t>Bunlar</a:t>
+            </a:r>
+            <a:r>
+              <a:rPr lang="tr-TR" dirty="0"/>
+              <a:t>, donanım cihazlarını kontrol eden ve yöneten yazılım kontrol sistemleridir. </a:t>
+            </a:r>
+            <a:r>
+              <a:rPr lang="tr-TR" dirty="0" smtClean="0"/>
+              <a:t>Toplam cihaz sayısı </a:t>
+            </a:r>
+            <a:r>
+              <a:rPr lang="tr-TR" dirty="0"/>
+              <a:t>olarak, muhtemelen diğer sistem türlerinden daha fazla gömülü sistem vardır.</a:t>
+            </a:r>
             <a:r>
               <a:rPr lang="en-GB" dirty="0" smtClean="0"/>
-              <a:t>Applications that execute on a remote computer and are accessed by users from their own PCs or terminals. These include web applications such as </a:t>
-            </a:r>
-            <a:r>
-              <a:rPr lang="en-GB" dirty="0" err="1" smtClean="0"/>
-              <a:t>e</a:t>
-            </a:r>
-            <a:r>
-              <a:rPr lang="en-GB" dirty="0" smtClean="0"/>
-              <a:t>-commerce applications. </a:t>
-            </a:r>
-          </a:p>
-          <a:p>
-            <a:r>
-              <a:rPr lang="en-GB" dirty="0" smtClean="0"/>
-              <a:t>Embedded control systems </a:t>
-            </a:r>
-          </a:p>
-          <a:p>
-            <a:pPr lvl="1"/>
-            <a:r>
-              <a:rPr lang="en-GB" dirty="0" smtClean="0"/>
-              <a:t>These are software control systems that control and manage hardware devices. Numerically, there are probably more embedded systems than any other type of system. </a:t>
+              <a:t> </a:t>
             </a:r>
             <a:endParaRPr lang="en-US" dirty="0"/>
           </a:p>
@@ -6675,10 +7980,14 @@
           <a:lstStyle/>
           <a:p>
             <a:r>
-              <a:rPr lang="en-US" dirty="0" smtClean="0"/>
-              <a:t>Application types</a:t>
-            </a:r>
-            <a:endParaRPr lang="en-US" dirty="0"/>
+              <a:rPr lang="tr-TR" sz="2800" dirty="0"/>
+              <a:t>Uygulama </a:t>
+            </a:r>
+            <a:r>
+              <a:rPr lang="tr-TR" sz="2800" dirty="0" smtClean="0"/>
+              <a:t>Türleri</a:t>
+            </a:r>
+            <a:endParaRPr lang="en-US" sz="2800" dirty="0"/>
           </a:p>
         </p:txBody>
       </p:sp>
@@ -6697,42 +8006,470 @@
           <a:bodyPr/>
           <a:lstStyle/>
           <a:p>
+            <a:pPr algn="just"/>
+            <a:r>
+              <a:rPr lang="en-GB" dirty="0" err="1" smtClean="0"/>
+              <a:t>Toplu</a:t>
+            </a:r>
             <a:r>
               <a:rPr lang="en-GB" dirty="0" smtClean="0"/>
-              <a:t>Batch processing systems </a:t>
-            </a:r>
-          </a:p>
-          <a:p>
-            <a:pPr lvl="1"/>
+              <a:t> </a:t>
+            </a:r>
+            <a:r>
+              <a:rPr lang="en-GB" dirty="0" err="1"/>
+              <a:t>işleme</a:t>
+            </a:r>
+            <a:r>
+              <a:rPr lang="en-GB" dirty="0"/>
+              <a:t> </a:t>
+            </a:r>
+            <a:r>
+              <a:rPr lang="en-GB" dirty="0" err="1"/>
+              <a:t>sistemleri</a:t>
+            </a:r>
+            <a:endParaRPr lang="en-GB" dirty="0" smtClean="0"/>
+          </a:p>
+          <a:p>
+            <a:pPr lvl="1" algn="just"/>
+            <a:r>
+              <a:rPr lang="en-GB" dirty="0" err="1" smtClean="0"/>
+              <a:t>Bunlar</a:t>
+            </a:r>
+            <a:r>
+              <a:rPr lang="en-GB" dirty="0"/>
+              <a:t>, </a:t>
+            </a:r>
+            <a:r>
+              <a:rPr lang="en-GB" dirty="0" err="1"/>
+              <a:t>verileri</a:t>
+            </a:r>
+            <a:r>
+              <a:rPr lang="en-GB" dirty="0"/>
+              <a:t> </a:t>
+            </a:r>
+            <a:r>
+              <a:rPr lang="en-GB" dirty="0" err="1"/>
+              <a:t>büyük</a:t>
+            </a:r>
+            <a:r>
+              <a:rPr lang="en-GB" dirty="0"/>
+              <a:t> </a:t>
+            </a:r>
+            <a:r>
+              <a:rPr lang="en-GB" dirty="0" err="1"/>
+              <a:t>gruplar</a:t>
+            </a:r>
+            <a:r>
+              <a:rPr lang="en-GB" dirty="0"/>
+              <a:t> </a:t>
+            </a:r>
+            <a:r>
+              <a:rPr lang="en-GB" dirty="0" err="1"/>
+              <a:t>halinde</a:t>
+            </a:r>
+            <a:r>
+              <a:rPr lang="en-GB" dirty="0"/>
+              <a:t> </a:t>
+            </a:r>
+            <a:r>
+              <a:rPr lang="en-GB" dirty="0" err="1"/>
+              <a:t>işlemek</a:t>
+            </a:r>
+            <a:r>
+              <a:rPr lang="en-GB" dirty="0"/>
+              <a:t> </a:t>
+            </a:r>
+            <a:r>
+              <a:rPr lang="en-GB" dirty="0" err="1"/>
+              <a:t>için</a:t>
+            </a:r>
+            <a:r>
+              <a:rPr lang="en-GB" dirty="0"/>
+              <a:t> </a:t>
+            </a:r>
+            <a:r>
+              <a:rPr lang="en-GB" dirty="0" err="1"/>
+              <a:t>tasarlanmış</a:t>
+            </a:r>
+            <a:r>
+              <a:rPr lang="en-GB" dirty="0"/>
+              <a:t> </a:t>
+            </a:r>
+            <a:r>
+              <a:rPr lang="en-GB" dirty="0" err="1"/>
+              <a:t>iş</a:t>
+            </a:r>
+            <a:r>
+              <a:rPr lang="en-GB" dirty="0"/>
+              <a:t> </a:t>
+            </a:r>
+            <a:r>
+              <a:rPr lang="en-GB" dirty="0" err="1"/>
+              <a:t>sistemleridir</a:t>
+            </a:r>
+            <a:r>
+              <a:rPr lang="en-GB" dirty="0"/>
+              <a:t>. </a:t>
+            </a:r>
+            <a:r>
+              <a:rPr lang="en-GB" dirty="0" err="1"/>
+              <a:t>Karşılık</a:t>
+            </a:r>
+            <a:r>
+              <a:rPr lang="en-GB" dirty="0"/>
+              <a:t> </a:t>
+            </a:r>
+            <a:r>
+              <a:rPr lang="en-GB" dirty="0" err="1"/>
+              <a:t>gelen</a:t>
+            </a:r>
+            <a:r>
+              <a:rPr lang="en-GB" dirty="0"/>
+              <a:t> </a:t>
+            </a:r>
+            <a:r>
+              <a:rPr lang="en-GB" dirty="0" err="1"/>
+              <a:t>çıktıları</a:t>
+            </a:r>
+            <a:r>
+              <a:rPr lang="en-GB" dirty="0"/>
+              <a:t> </a:t>
+            </a:r>
+            <a:r>
+              <a:rPr lang="en-GB" dirty="0" err="1"/>
+              <a:t>oluşturmak</a:t>
+            </a:r>
+            <a:r>
+              <a:rPr lang="en-GB" dirty="0"/>
+              <a:t> </a:t>
+            </a:r>
+            <a:r>
+              <a:rPr lang="en-GB" dirty="0" err="1"/>
+              <a:t>için</a:t>
+            </a:r>
+            <a:r>
+              <a:rPr lang="en-GB" dirty="0"/>
+              <a:t> </a:t>
+            </a:r>
+            <a:r>
+              <a:rPr lang="en-GB" dirty="0" err="1"/>
+              <a:t>çok</a:t>
+            </a:r>
+            <a:r>
+              <a:rPr lang="en-GB" dirty="0"/>
+              <a:t> </a:t>
+            </a:r>
+            <a:r>
+              <a:rPr lang="en-GB" dirty="0" err="1"/>
+              <a:t>sayıda</a:t>
+            </a:r>
+            <a:r>
+              <a:rPr lang="en-GB" dirty="0"/>
+              <a:t> </a:t>
+            </a:r>
+            <a:r>
+              <a:rPr lang="en-GB" dirty="0" err="1"/>
+              <a:t>bağımsız</a:t>
+            </a:r>
+            <a:r>
+              <a:rPr lang="en-GB" dirty="0"/>
+              <a:t> </a:t>
+            </a:r>
+            <a:r>
+              <a:rPr lang="en-GB" dirty="0" err="1"/>
+              <a:t>girdiyi</a:t>
+            </a:r>
+            <a:r>
+              <a:rPr lang="en-GB" dirty="0"/>
+              <a:t> </a:t>
+            </a:r>
+            <a:r>
+              <a:rPr lang="en-GB" dirty="0" err="1"/>
+              <a:t>işlerler</a:t>
+            </a:r>
+            <a:r>
+              <a:rPr lang="en-GB" dirty="0"/>
+              <a:t>.</a:t>
+            </a:r>
+            <a:endParaRPr lang="en-GB" dirty="0" smtClean="0"/>
+          </a:p>
+          <a:p>
+            <a:pPr algn="just"/>
+            <a:r>
+              <a:rPr lang="en-GB" dirty="0" err="1" smtClean="0"/>
+              <a:t>Eğlence</a:t>
+            </a:r>
             <a:r>
               <a:rPr lang="en-GB" dirty="0" smtClean="0"/>
-              <a:t>These are business systems that are designed to process data in large batches. They process large numbers of individual inputs to create corresponding outputs. </a:t>
-            </a:r>
-          </a:p>
-          <a:p>
+              <a:t> </a:t>
+            </a:r>
+            <a:r>
+              <a:rPr lang="en-GB" dirty="0" err="1"/>
+              <a:t>sistemleri</a:t>
+            </a:r>
+            <a:endParaRPr lang="en-GB" dirty="0" smtClean="0"/>
+          </a:p>
+          <a:p>
+            <a:pPr lvl="1" algn="just"/>
+            <a:r>
+              <a:rPr lang="en-GB" dirty="0" err="1" smtClean="0"/>
+              <a:t>Bunlar</a:t>
+            </a:r>
+            <a:r>
+              <a:rPr lang="en-GB" dirty="0"/>
+              <a:t>, </a:t>
+            </a:r>
+            <a:r>
+              <a:rPr lang="en-GB" dirty="0" err="1"/>
+              <a:t>öncelikle</a:t>
+            </a:r>
+            <a:r>
+              <a:rPr lang="en-GB" dirty="0"/>
+              <a:t> </a:t>
+            </a:r>
+            <a:r>
+              <a:rPr lang="en-GB" dirty="0" err="1"/>
+              <a:t>kişisel</a:t>
+            </a:r>
+            <a:r>
+              <a:rPr lang="en-GB" dirty="0"/>
+              <a:t> </a:t>
+            </a:r>
+            <a:r>
+              <a:rPr lang="en-GB" dirty="0" err="1"/>
+              <a:t>kullanım</a:t>
+            </a:r>
+            <a:r>
+              <a:rPr lang="en-GB" dirty="0"/>
+              <a:t> </a:t>
+            </a:r>
+            <a:r>
+              <a:rPr lang="en-GB" dirty="0" err="1"/>
+              <a:t>için</a:t>
+            </a:r>
+            <a:r>
+              <a:rPr lang="en-GB" dirty="0"/>
+              <a:t> </a:t>
+            </a:r>
+            <a:r>
+              <a:rPr lang="en-GB" dirty="0" err="1"/>
+              <a:t>olan</a:t>
+            </a:r>
+            <a:r>
+              <a:rPr lang="en-GB" dirty="0"/>
+              <a:t> </a:t>
+            </a:r>
+            <a:r>
+              <a:rPr lang="en-GB" dirty="0" err="1"/>
+              <a:t>ve</a:t>
+            </a:r>
+            <a:r>
+              <a:rPr lang="en-GB" dirty="0"/>
+              <a:t> </a:t>
+            </a:r>
+            <a:r>
+              <a:rPr lang="en-GB" dirty="0" err="1"/>
+              <a:t>kullanıcıyı</a:t>
+            </a:r>
+            <a:r>
+              <a:rPr lang="en-GB" dirty="0"/>
+              <a:t> </a:t>
+            </a:r>
+            <a:r>
+              <a:rPr lang="en-GB" dirty="0" err="1"/>
+              <a:t>eğlendirmeyi</a:t>
+            </a:r>
+            <a:r>
+              <a:rPr lang="en-GB" dirty="0"/>
+              <a:t> </a:t>
+            </a:r>
+            <a:r>
+              <a:rPr lang="en-GB" dirty="0" err="1"/>
+              <a:t>amaçlayan</a:t>
+            </a:r>
+            <a:r>
+              <a:rPr lang="en-GB" dirty="0"/>
+              <a:t> </a:t>
+            </a:r>
+            <a:r>
+              <a:rPr lang="en-GB" dirty="0" err="1"/>
+              <a:t>sistemlerdir</a:t>
+            </a:r>
+            <a:r>
+              <a:rPr lang="en-GB" dirty="0"/>
+              <a:t>.</a:t>
+            </a:r>
+            <a:endParaRPr lang="en-GB" dirty="0" smtClean="0"/>
+          </a:p>
+          <a:p>
+            <a:pPr algn="just"/>
+            <a:r>
+              <a:rPr lang="tr-TR" dirty="0" smtClean="0"/>
+              <a:t>Modelleme </a:t>
+            </a:r>
+            <a:r>
+              <a:rPr lang="tr-TR" dirty="0"/>
+              <a:t>ve simülasyon sistemleri</a:t>
+            </a:r>
             <a:r>
               <a:rPr lang="en-GB" dirty="0" smtClean="0"/>
-              <a:t>Entertainment systems </a:t>
-            </a:r>
-          </a:p>
-          <a:p>
-            <a:pPr lvl="1"/>
-            <a:r>
-              <a:rPr lang="en-GB" dirty="0" smtClean="0"/>
-              <a:t>These are systems that are primarily for personal use and which are intended to entertain the user. </a:t>
-            </a:r>
-          </a:p>
-          <a:p>
-            <a:r>
-              <a:rPr lang="en-GB" dirty="0" smtClean="0"/>
-              <a:t>Systems for modelling and simulation </a:t>
-            </a:r>
-          </a:p>
-          <a:p>
-            <a:pPr lvl="1"/>
-            <a:r>
-              <a:rPr lang="en-GB" dirty="0" smtClean="0"/>
-              <a:t>These are systems that are developed by scientists and engineers to model physical processes or situations, which include many, separate, interacting objects. </a:t>
+              <a:t> </a:t>
+            </a:r>
+            <a:endParaRPr lang="en-GB" dirty="0" smtClean="0"/>
+          </a:p>
+          <a:p>
+            <a:pPr lvl="1" algn="just"/>
+            <a:r>
+              <a:rPr lang="en-GB" dirty="0" err="1" smtClean="0"/>
+              <a:t>Bunlar</a:t>
+            </a:r>
+            <a:r>
+              <a:rPr lang="en-GB" dirty="0"/>
+              <a:t>, </a:t>
+            </a:r>
+            <a:r>
+              <a:rPr lang="en-GB" dirty="0" err="1"/>
+              <a:t>bilim</a:t>
+            </a:r>
+            <a:r>
+              <a:rPr lang="en-GB" dirty="0"/>
+              <a:t> </a:t>
+            </a:r>
+            <a:r>
+              <a:rPr lang="en-GB" dirty="0" err="1"/>
+              <a:t>adamları</a:t>
+            </a:r>
+            <a:r>
+              <a:rPr lang="en-GB" dirty="0"/>
+              <a:t> </a:t>
+            </a:r>
+            <a:r>
+              <a:rPr lang="en-GB" dirty="0" err="1"/>
+              <a:t>ve</a:t>
+            </a:r>
+            <a:r>
+              <a:rPr lang="en-GB" dirty="0"/>
+              <a:t> </a:t>
+            </a:r>
+            <a:r>
+              <a:rPr lang="en-GB" dirty="0" err="1"/>
+              <a:t>mühendisler</a:t>
+            </a:r>
+            <a:r>
+              <a:rPr lang="en-GB" dirty="0"/>
+              <a:t> </a:t>
+            </a:r>
+            <a:r>
+              <a:rPr lang="en-GB" dirty="0" err="1"/>
+              <a:t>tarafından</a:t>
+            </a:r>
+            <a:r>
+              <a:rPr lang="en-GB" dirty="0"/>
+              <a:t>, </a:t>
+            </a:r>
+            <a:r>
+              <a:rPr lang="en-GB" dirty="0" err="1"/>
+              <a:t>birçok</a:t>
+            </a:r>
+            <a:r>
+              <a:rPr lang="en-GB" dirty="0"/>
+              <a:t>, </a:t>
+            </a:r>
+            <a:r>
+              <a:rPr lang="en-GB" dirty="0" err="1"/>
+              <a:t>ayrı</a:t>
+            </a:r>
+            <a:r>
+              <a:rPr lang="en-GB" dirty="0"/>
+              <a:t>, </a:t>
+            </a:r>
+            <a:r>
+              <a:rPr lang="en-GB" dirty="0" err="1"/>
+              <a:t>etkileşimli</a:t>
+            </a:r>
+            <a:r>
+              <a:rPr lang="en-GB" dirty="0"/>
+              <a:t> </a:t>
+            </a:r>
+            <a:r>
+              <a:rPr lang="en-GB" dirty="0" err="1"/>
+              <a:t>nesneyi</a:t>
+            </a:r>
+            <a:r>
+              <a:rPr lang="en-GB" dirty="0"/>
+              <a:t> </a:t>
+            </a:r>
+            <a:r>
+              <a:rPr lang="en-GB" dirty="0" err="1"/>
+              <a:t>içeren</a:t>
+            </a:r>
+            <a:r>
+              <a:rPr lang="en-GB" dirty="0"/>
+              <a:t> </a:t>
+            </a:r>
+            <a:r>
+              <a:rPr lang="en-GB" dirty="0" err="1"/>
+              <a:t>fiziksel</a:t>
+            </a:r>
+            <a:r>
+              <a:rPr lang="en-GB" dirty="0"/>
+              <a:t> </a:t>
+            </a:r>
+            <a:r>
+              <a:rPr lang="en-GB" dirty="0" err="1"/>
+              <a:t>süreçleri</a:t>
+            </a:r>
+            <a:r>
+              <a:rPr lang="en-GB" dirty="0"/>
+              <a:t> </a:t>
+            </a:r>
+            <a:r>
+              <a:rPr lang="en-GB" dirty="0" err="1"/>
+              <a:t>veya</a:t>
+            </a:r>
+            <a:r>
+              <a:rPr lang="en-GB" dirty="0"/>
+              <a:t> </a:t>
+            </a:r>
+            <a:r>
+              <a:rPr lang="en-GB" dirty="0" err="1"/>
+              <a:t>durumları</a:t>
+            </a:r>
+            <a:r>
+              <a:rPr lang="en-GB" dirty="0"/>
+              <a:t> </a:t>
+            </a:r>
+            <a:r>
+              <a:rPr lang="en-GB" dirty="0" err="1"/>
+              <a:t>modellemek</a:t>
+            </a:r>
+            <a:r>
+              <a:rPr lang="en-GB" dirty="0"/>
+              <a:t> </a:t>
+            </a:r>
+            <a:r>
+              <a:rPr lang="en-GB" dirty="0" err="1"/>
+              <a:t>için</a:t>
+            </a:r>
+            <a:r>
+              <a:rPr lang="en-GB" dirty="0"/>
+              <a:t> </a:t>
+            </a:r>
+            <a:r>
+              <a:rPr lang="en-GB" dirty="0" err="1"/>
+              <a:t>geliştirilen</a:t>
+            </a:r>
+            <a:r>
+              <a:rPr lang="en-GB" dirty="0"/>
+              <a:t> </a:t>
+            </a:r>
+            <a:r>
+              <a:rPr lang="en-GB" dirty="0" err="1"/>
+              <a:t>sistemlerdir</a:t>
+            </a:r>
+            <a:r>
+              <a:rPr lang="en-GB" dirty="0"/>
+              <a:t>.</a:t>
             </a:r>
             <a:endParaRPr lang="en-US" dirty="0"/>
           </a:p>
@@ -6842,57 +8579,272 @@
           <a:lstStyle/>
           <a:p>
             <a:r>
-              <a:rPr lang="en-US" dirty="0" smtClean="0"/>
-              <a:t>Application types</a:t>
+              <a:rPr lang="tr-TR" sz="2800" dirty="0"/>
+              <a:t>Uygulama Türleri</a:t>
+            </a:r>
+            <a:endParaRPr lang="en-US" sz="2800" dirty="0"/>
+          </a:p>
+        </p:txBody>
+      </p:sp>
+      <p:sp>
+        <p:nvSpPr>
+          <p:cNvPr id="3" name="Content Placeholder 2"/>
+          <p:cNvSpPr>
+            <a:spLocks noGrp="1"/>
+          </p:cNvSpPr>
+          <p:nvPr>
+            <p:ph idx="1"/>
+          </p:nvPr>
+        </p:nvSpPr>
+        <p:spPr/>
+        <p:txBody>
+          <a:bodyPr/>
+          <a:lstStyle/>
+          <a:p>
+            <a:pPr algn="just"/>
+            <a:r>
+              <a:rPr lang="en-US" dirty="0" err="1"/>
+              <a:t>Veri</a:t>
+            </a:r>
+            <a:r>
+              <a:rPr lang="en-US" dirty="0"/>
+              <a:t> </a:t>
+            </a:r>
+            <a:r>
+              <a:rPr lang="en-US" dirty="0" err="1"/>
+              <a:t>toplama</a:t>
+            </a:r>
+            <a:r>
+              <a:rPr lang="en-US" dirty="0"/>
+              <a:t> </a:t>
+            </a:r>
+            <a:r>
+              <a:rPr lang="en-US" dirty="0" err="1"/>
+              <a:t>sistemleri</a:t>
             </a:r>
             <a:endParaRPr lang="en-US" dirty="0"/>
           </a:p>
-        </p:txBody>
-      </p:sp>
-      <p:sp>
-        <p:nvSpPr>
-          <p:cNvPr id="3" name="Content Placeholder 2"/>
-          <p:cNvSpPr>
-            <a:spLocks noGrp="1"/>
-          </p:cNvSpPr>
-          <p:nvPr>
-            <p:ph idx="1"/>
-          </p:nvPr>
-        </p:nvSpPr>
-        <p:spPr/>
-        <p:txBody>
-          <a:bodyPr/>
-          <a:lstStyle/>
-          <a:p>
-            <a:r>
-              <a:rPr lang="en-GB" dirty="0" smtClean="0"/>
-              <a:t>Data collection systems </a:t>
-            </a:r>
-            <a:r>
-              <a:rPr lang="en-GB" i="1" dirty="0" smtClean="0"/>
-              <a:t>	</a:t>
-            </a:r>
-          </a:p>
-          <a:p>
-            <a:pPr lvl="1"/>
-            <a:r>
-              <a:rPr lang="en-GB" dirty="0" smtClean="0"/>
-              <a:t>These are systems that collect data from their environment using a set of sensors and send that data to other systems for processing. </a:t>
-            </a:r>
-          </a:p>
-          <a:p>
-            <a:r>
-              <a:rPr lang="en-GB" dirty="0" smtClean="0"/>
-              <a:t>Systems of systems </a:t>
-            </a:r>
-          </a:p>
-          <a:p>
-            <a:pPr lvl="1"/>
-            <a:r>
-              <a:rPr lang="en-GB" dirty="0" smtClean="0"/>
-              <a:t>These are systems that are composed of a number of other software systems. </a:t>
+          <a:p>
+            <a:pPr lvl="1" algn="just"/>
+            <a:r>
+              <a:rPr lang="en-US" dirty="0" err="1"/>
+              <a:t>Bunlar</a:t>
+            </a:r>
+            <a:r>
+              <a:rPr lang="en-US" dirty="0"/>
+              <a:t>, </a:t>
+            </a:r>
+            <a:r>
+              <a:rPr lang="en-US" dirty="0" err="1"/>
+              <a:t>bir</a:t>
+            </a:r>
+            <a:r>
+              <a:rPr lang="en-US" dirty="0"/>
+              <a:t> </a:t>
+            </a:r>
+            <a:r>
+              <a:rPr lang="en-US" dirty="0" err="1"/>
+              <a:t>dizi</a:t>
+            </a:r>
+            <a:r>
+              <a:rPr lang="en-US" dirty="0"/>
+              <a:t> </a:t>
+            </a:r>
+            <a:r>
+              <a:rPr lang="en-US" dirty="0" err="1"/>
+              <a:t>sensör</a:t>
+            </a:r>
+            <a:r>
+              <a:rPr lang="en-US" dirty="0"/>
+              <a:t> </a:t>
+            </a:r>
+            <a:r>
+              <a:rPr lang="en-US" dirty="0" err="1"/>
+              <a:t>kullanarak</a:t>
+            </a:r>
+            <a:r>
+              <a:rPr lang="en-US" dirty="0"/>
+              <a:t> </a:t>
+            </a:r>
+            <a:r>
+              <a:rPr lang="en-US" dirty="0" err="1"/>
+              <a:t>ortamlarından</a:t>
+            </a:r>
+            <a:r>
+              <a:rPr lang="en-US" dirty="0"/>
+              <a:t> </a:t>
+            </a:r>
+            <a:r>
+              <a:rPr lang="en-US" dirty="0" err="1"/>
+              <a:t>veri</a:t>
+            </a:r>
+            <a:r>
+              <a:rPr lang="en-US" dirty="0"/>
+              <a:t> </a:t>
+            </a:r>
+            <a:r>
+              <a:rPr lang="en-US" dirty="0" err="1"/>
+              <a:t>toplayan</a:t>
+            </a:r>
+            <a:r>
+              <a:rPr lang="en-US" dirty="0"/>
+              <a:t> </a:t>
+            </a:r>
+            <a:r>
+              <a:rPr lang="en-US" dirty="0" err="1"/>
+              <a:t>ve</a:t>
+            </a:r>
+            <a:r>
+              <a:rPr lang="en-US" dirty="0"/>
+              <a:t> </a:t>
+            </a:r>
+            <a:r>
+              <a:rPr lang="en-US" dirty="0" err="1"/>
+              <a:t>bu</a:t>
+            </a:r>
+            <a:r>
+              <a:rPr lang="en-US" dirty="0"/>
+              <a:t> </a:t>
+            </a:r>
+            <a:r>
+              <a:rPr lang="en-US" dirty="0" err="1"/>
+              <a:t>verileri</a:t>
+            </a:r>
+            <a:r>
+              <a:rPr lang="en-US" dirty="0"/>
+              <a:t> </a:t>
+            </a:r>
+            <a:r>
+              <a:rPr lang="en-US" dirty="0" err="1"/>
+              <a:t>işlenmek</a:t>
+            </a:r>
+            <a:r>
+              <a:rPr lang="en-US" dirty="0"/>
+              <a:t> </a:t>
+            </a:r>
+            <a:r>
+              <a:rPr lang="en-US" dirty="0" err="1"/>
+              <a:t>üzere</a:t>
+            </a:r>
+            <a:r>
+              <a:rPr lang="en-US" dirty="0"/>
+              <a:t> </a:t>
+            </a:r>
+            <a:r>
+              <a:rPr lang="en-US" dirty="0" err="1"/>
+              <a:t>diğer</a:t>
+            </a:r>
+            <a:r>
+              <a:rPr lang="en-US" dirty="0"/>
+              <a:t> </a:t>
+            </a:r>
+            <a:r>
+              <a:rPr lang="en-US" dirty="0" err="1"/>
+              <a:t>sistemlere</a:t>
+            </a:r>
+            <a:r>
+              <a:rPr lang="en-US" dirty="0"/>
+              <a:t> </a:t>
+            </a:r>
+            <a:r>
+              <a:rPr lang="en-US" dirty="0" err="1"/>
+              <a:t>gönderen</a:t>
+            </a:r>
+            <a:r>
+              <a:rPr lang="en-US" dirty="0"/>
+              <a:t> </a:t>
+            </a:r>
+            <a:r>
+              <a:rPr lang="en-US" dirty="0" err="1"/>
+              <a:t>sistemlerdir</a:t>
+            </a:r>
+            <a:r>
+              <a:rPr lang="en-US" dirty="0"/>
+              <a:t>.</a:t>
+            </a:r>
+          </a:p>
+          <a:p>
+            <a:pPr algn="just"/>
+            <a:r>
+              <a:rPr lang="en-US" dirty="0" err="1"/>
+              <a:t>Sistem</a:t>
+            </a:r>
+            <a:r>
+              <a:rPr lang="en-US" dirty="0"/>
+              <a:t> </a:t>
+            </a:r>
+            <a:r>
+              <a:rPr lang="en-US" dirty="0" err="1"/>
+              <a:t>sistemleri</a:t>
             </a:r>
             <a:endParaRPr lang="en-US" dirty="0"/>
+          </a:p>
+          <a:p>
+            <a:pPr lvl="1" algn="just"/>
+            <a:r>
+              <a:rPr lang="en-US" dirty="0" err="1"/>
+              <a:t>Bunlar</a:t>
+            </a:r>
+            <a:r>
+              <a:rPr lang="en-US" dirty="0"/>
+              <a:t>, </a:t>
+            </a:r>
+            <a:r>
+              <a:rPr lang="en-US" dirty="0" err="1"/>
+              <a:t>bir</a:t>
+            </a:r>
+            <a:r>
+              <a:rPr lang="en-US" dirty="0"/>
+              <a:t> </a:t>
+            </a:r>
+            <a:r>
+              <a:rPr lang="en-US" dirty="0" err="1"/>
+              <a:t>dizi</a:t>
+            </a:r>
+            <a:r>
+              <a:rPr lang="en-US" dirty="0"/>
+              <a:t> </a:t>
+            </a:r>
+            <a:r>
+              <a:rPr lang="en-US" dirty="0" err="1"/>
+              <a:t>başka</a:t>
+            </a:r>
+            <a:r>
+              <a:rPr lang="en-US" dirty="0"/>
+              <a:t> </a:t>
+            </a:r>
+            <a:r>
+              <a:rPr lang="en-US" dirty="0" err="1"/>
+              <a:t>yazılım</a:t>
+            </a:r>
+            <a:r>
+              <a:rPr lang="en-US" dirty="0"/>
+              <a:t> </a:t>
+            </a:r>
+            <a:r>
+              <a:rPr lang="en-US" dirty="0" err="1"/>
+              <a:t>sistemlerinden</a:t>
+            </a:r>
+            <a:r>
+              <a:rPr lang="en-US" dirty="0"/>
+              <a:t> </a:t>
+            </a:r>
+            <a:r>
+              <a:rPr lang="en-US" dirty="0" err="1"/>
+              <a:t>oluşan</a:t>
+            </a:r>
+            <a:r>
+              <a:rPr lang="en-US" dirty="0"/>
+              <a:t> </a:t>
+            </a:r>
+            <a:r>
+              <a:rPr lang="en-US" dirty="0" err="1"/>
+              <a:t>sistemlerdir</a:t>
+            </a:r>
+            <a:r>
+              <a:rPr lang="en-US" dirty="0"/>
+              <a:t>.</a:t>
+            </a:r>
           </a:p>
         </p:txBody>
       </p:sp>
@@ -7000,9 +8952,32 @@
           <a:lstStyle/>
           <a:p>
             <a:r>
-              <a:rPr lang="en-US" dirty="0" smtClean="0"/>
-              <a:t>Software engineering fundamentals</a:t>
-            </a:r>
+              <a:rPr lang="en-US" sz="2800" dirty="0" err="1" smtClean="0"/>
+              <a:t>Yazılım</a:t>
+            </a:r>
+            <a:r>
+              <a:rPr lang="en-US" sz="2800" dirty="0" smtClean="0"/>
+              <a:t> </a:t>
+            </a:r>
+            <a:r>
+              <a:rPr lang="en-US" sz="2800" dirty="0" err="1" smtClean="0"/>
+              <a:t>Mühendisliğinin</a:t>
+            </a:r>
+            <a:r>
+              <a:rPr lang="en-US" sz="2800" dirty="0" smtClean="0"/>
+              <a:t> </a:t>
+            </a:r>
+            <a:r>
+              <a:rPr lang="en-US" sz="2800" dirty="0" err="1" smtClean="0"/>
+              <a:t>Temelleri</a:t>
+            </a:r>
+            <a:r>
+              <a:rPr lang="en-US" dirty="0"/>
+              <a:t/>
+            </a:r>
+            <a:br>
+              <a:rPr lang="en-US" dirty="0"/>
+            </a:br>
             <a:endParaRPr lang="en-US" dirty="0"/>
           </a:p>
         </p:txBody>
@@ -7022,42 +8997,43 @@
           <a:bodyPr/>
           <a:lstStyle/>
           <a:p>
-            <a:r>
-              <a:rPr lang="en-US" dirty="0" smtClean="0"/>
-              <a:t>Some fundamental principles apply to all types of software system, irrespective of the development techniques used:</a:t>
-            </a:r>
-          </a:p>
-          <a:p>
-            <a:pPr lvl="1"/>
-            <a:r>
-              <a:rPr lang="en-GB" dirty="0" smtClean="0"/>
-              <a:t>Systems should be developed using a managed and understood development process. Of course, different processes are used for different types of software.</a:t>
-            </a:r>
-          </a:p>
-          <a:p>
-            <a:pPr lvl="1"/>
-            <a:r>
-              <a:rPr lang="en-GB" dirty="0" smtClean="0"/>
-              <a:t>Dependability and performance are important for all types of system. </a:t>
-            </a:r>
-          </a:p>
-          <a:p>
-            <a:pPr lvl="1"/>
-            <a:r>
-              <a:rPr lang="en-GB" dirty="0" smtClean="0"/>
-              <a:t>Understanding and managing the software specification and requirements (what the software should do) are important. </a:t>
-            </a:r>
-          </a:p>
-          <a:p>
-            <a:pPr lvl="1"/>
-            <a:r>
-              <a:rPr lang="en-GB" dirty="0" smtClean="0"/>
-              <a:t>Where appropriate, you should reuse software that has already been developed rather than write new software.</a:t>
-            </a:r>
-          </a:p>
-          <a:p>
-            <a:pPr lvl="1"/>
-            <a:endParaRPr lang="en-US" dirty="0"/>
+            <a:pPr algn="just"/>
+            <a:r>
+              <a:rPr lang="tr-TR" dirty="0" smtClean="0"/>
+              <a:t>Bazı temel ilkeler, kullanılan geliştirme tekniklerine bakılmaksızın her tür yazılım sistemi için geçerlidir:</a:t>
+            </a:r>
+          </a:p>
+          <a:p>
+            <a:pPr lvl="1" algn="just"/>
+            <a:r>
+              <a:rPr lang="tr-TR" dirty="0" smtClean="0"/>
+              <a:t>Sistemler, yönetilen ve anlaşılan bir geliştirme süreci kullanılarak geliştirilmelidir. Elbette farklı yazılım türleri için farklı süreçler kullanılmaktadır.</a:t>
+            </a:r>
+          </a:p>
+          <a:p>
+            <a:pPr lvl="1" algn="just"/>
+            <a:r>
+              <a:rPr lang="tr-TR" dirty="0" smtClean="0"/>
+              <a:t>Güvenilirlik ve performans tüm sistem türleri için önemlidir.</a:t>
+            </a:r>
+          </a:p>
+          <a:p>
+            <a:pPr lvl="1" algn="just"/>
+            <a:r>
+              <a:rPr lang="tr-TR" dirty="0" smtClean="0"/>
+              <a:t>Yazılım özelliklerini ve gereksinimlerini (yazılımın ne yapması gerektiği) anlamak ve yönetmek önemlidir.</a:t>
+            </a:r>
+          </a:p>
+          <a:p>
+            <a:pPr lvl="1" algn="just"/>
+            <a:r>
+              <a:rPr lang="tr-TR" dirty="0" smtClean="0"/>
+              <a:t>Uygun olduğu durumlarda, yeni yazılım yazmak yerine zaten geliştirilmiş olan yazılımı yeniden kullanmalısınız.</a:t>
+            </a:r>
+          </a:p>
+          <a:p>
+            <a:pPr lvl="1" algn="just"/>
+            <a:endParaRPr lang="tr-TR" dirty="0"/>
           </a:p>
         </p:txBody>
       </p:sp>
@@ -7165,10 +9141,30 @@
           <a:lstStyle/>
           <a:p>
             <a:r>
-              <a:rPr lang="en-US" dirty="0" smtClean="0"/>
-              <a:t>Software engineering and the web</a:t>
-            </a:r>
-            <a:endParaRPr lang="en-US" dirty="0"/>
+              <a:rPr lang="en-US" sz="2800" dirty="0" err="1" smtClean="0"/>
+              <a:t>Yazilim</a:t>
+            </a:r>
+            <a:r>
+              <a:rPr lang="en-US" sz="2800" dirty="0" smtClean="0"/>
+              <a:t> </a:t>
+            </a:r>
+            <a:r>
+              <a:rPr lang="en-US" sz="2800" dirty="0" err="1" smtClean="0"/>
+              <a:t>Mühendisliği</a:t>
+            </a:r>
+            <a:r>
+              <a:rPr lang="en-US" sz="2800" dirty="0" smtClean="0"/>
+              <a:t> </a:t>
+            </a:r>
+            <a:r>
+              <a:rPr lang="en-US" sz="2800" dirty="0" err="1" smtClean="0"/>
+              <a:t>Ve</a:t>
+            </a:r>
+            <a:r>
+              <a:rPr lang="en-US" sz="2800" dirty="0" smtClean="0"/>
+              <a:t> Web</a:t>
+            </a:r>
+            <a:endParaRPr lang="en-US" sz="2800" dirty="0"/>
           </a:p>
         </p:txBody>
       </p:sp>
@@ -7187,28 +9183,391 @@
           <a:bodyPr/>
           <a:lstStyle/>
           <a:p>
-            <a:r>
-              <a:rPr lang="en-US" dirty="0" smtClean="0"/>
-              <a:t>The Web is now a platform for running application and organizations are increasingly developing web-based systems rather than local systems.</a:t>
-            </a:r>
-          </a:p>
-          <a:p>
-            <a:r>
-              <a:rPr lang="en-US" dirty="0" smtClean="0"/>
-              <a:t>Web services (discussed in Lecture 19) allow application functionality to be accessed over the web.</a:t>
-            </a:r>
-          </a:p>
-          <a:p>
-            <a:r>
-              <a:rPr lang="en-US" dirty="0" smtClean="0"/>
-              <a:t>Cloud computing is an approach to the provision of computer services where applications run remotely on the ‘cloud’. </a:t>
-            </a:r>
-          </a:p>
-          <a:p>
-            <a:pPr lvl="1"/>
-            <a:r>
-              <a:rPr lang="en-US" dirty="0" smtClean="0"/>
-              <a:t>Users do not buy software buy pay according to use.</a:t>
+            <a:pPr algn="just"/>
+            <a:r>
+              <a:rPr lang="en-US" dirty="0"/>
+              <a:t>Web </a:t>
+            </a:r>
+            <a:r>
+              <a:rPr lang="en-US" dirty="0" err="1"/>
+              <a:t>artık</a:t>
+            </a:r>
+            <a:r>
+              <a:rPr lang="en-US" dirty="0"/>
+              <a:t> </a:t>
+            </a:r>
+            <a:r>
+              <a:rPr lang="en-US" dirty="0" err="1"/>
+              <a:t>uygulamaları</a:t>
+            </a:r>
+            <a:r>
+              <a:rPr lang="en-US" dirty="0"/>
+              <a:t> </a:t>
+            </a:r>
+            <a:r>
+              <a:rPr lang="en-US" dirty="0" err="1"/>
+              <a:t>çalıştırmak</a:t>
+            </a:r>
+            <a:r>
+              <a:rPr lang="en-US" dirty="0"/>
+              <a:t> </a:t>
+            </a:r>
+            <a:r>
+              <a:rPr lang="en-US" dirty="0" err="1"/>
+              <a:t>için</a:t>
+            </a:r>
+            <a:r>
+              <a:rPr lang="en-US" dirty="0"/>
+              <a:t> </a:t>
+            </a:r>
+            <a:r>
+              <a:rPr lang="en-US" dirty="0" err="1"/>
+              <a:t>bir</a:t>
+            </a:r>
+            <a:r>
+              <a:rPr lang="en-US" dirty="0"/>
+              <a:t> </a:t>
+            </a:r>
+            <a:r>
+              <a:rPr lang="en-US" dirty="0" err="1"/>
+              <a:t>platformdur</a:t>
+            </a:r>
+            <a:r>
+              <a:rPr lang="en-US" dirty="0"/>
+              <a:t> </a:t>
+            </a:r>
+            <a:r>
+              <a:rPr lang="en-US" dirty="0" err="1"/>
+              <a:t>ve</a:t>
+            </a:r>
+            <a:r>
+              <a:rPr lang="en-US" dirty="0"/>
+              <a:t> </a:t>
+            </a:r>
+            <a:r>
+              <a:rPr lang="en-US" dirty="0" err="1"/>
+              <a:t>kuruluşlar</a:t>
+            </a:r>
+            <a:r>
+              <a:rPr lang="en-US" dirty="0"/>
+              <a:t> </a:t>
+            </a:r>
+            <a:r>
+              <a:rPr lang="en-US" dirty="0" err="1"/>
+              <a:t>yerel</a:t>
+            </a:r>
+            <a:r>
+              <a:rPr lang="en-US" dirty="0"/>
+              <a:t> </a:t>
+            </a:r>
+            <a:r>
+              <a:rPr lang="en-US" dirty="0" err="1"/>
+              <a:t>sistemler</a:t>
+            </a:r>
+            <a:r>
+              <a:rPr lang="en-US" dirty="0"/>
+              <a:t> </a:t>
+            </a:r>
+            <a:r>
+              <a:rPr lang="en-US" dirty="0" err="1"/>
+              <a:t>yerine</a:t>
+            </a:r>
+            <a:r>
+              <a:rPr lang="en-US" dirty="0"/>
+              <a:t> </a:t>
+            </a:r>
+            <a:r>
+              <a:rPr lang="en-US" dirty="0" err="1"/>
+              <a:t>giderek</a:t>
+            </a:r>
+            <a:r>
+              <a:rPr lang="en-US" dirty="0"/>
+              <a:t> </a:t>
+            </a:r>
+            <a:r>
+              <a:rPr lang="en-US" dirty="0" err="1"/>
+              <a:t>daha</a:t>
+            </a:r>
+            <a:r>
+              <a:rPr lang="en-US" dirty="0"/>
+              <a:t> </a:t>
+            </a:r>
+            <a:r>
+              <a:rPr lang="en-US" dirty="0" err="1"/>
+              <a:t>fazla</a:t>
+            </a:r>
+            <a:r>
+              <a:rPr lang="en-US" dirty="0"/>
+              <a:t> web </a:t>
+            </a:r>
+            <a:r>
+              <a:rPr lang="en-US" dirty="0" err="1"/>
+              <a:t>tabanlı</a:t>
+            </a:r>
+            <a:r>
+              <a:rPr lang="en-US" dirty="0"/>
+              <a:t> </a:t>
+            </a:r>
+            <a:r>
+              <a:rPr lang="en-US" dirty="0" err="1"/>
+              <a:t>sistemler</a:t>
+            </a:r>
+            <a:r>
+              <a:rPr lang="en-US" dirty="0"/>
+              <a:t> </a:t>
+            </a:r>
+            <a:r>
+              <a:rPr lang="en-US" dirty="0" err="1"/>
+              <a:t>geliştirmektedir</a:t>
+            </a:r>
+            <a:r>
+              <a:rPr lang="en-US" dirty="0"/>
+              <a:t>.</a:t>
+            </a:r>
+          </a:p>
+          <a:p>
+            <a:pPr algn="just"/>
+            <a:r>
+              <a:rPr lang="en-US" dirty="0"/>
+              <a:t>Web </a:t>
+            </a:r>
+            <a:r>
+              <a:rPr lang="en-US" dirty="0" err="1"/>
+              <a:t>hizmetleri</a:t>
+            </a:r>
+            <a:r>
+              <a:rPr lang="en-US" dirty="0"/>
+              <a:t> (</a:t>
+            </a:r>
+            <a:r>
+              <a:rPr lang="en-US" dirty="0" err="1"/>
+              <a:t>Ders</a:t>
+            </a:r>
+            <a:r>
+              <a:rPr lang="en-US" dirty="0"/>
+              <a:t> 19'da </a:t>
+            </a:r>
+            <a:r>
+              <a:rPr lang="en-US" dirty="0" err="1"/>
+              <a:t>tartışılmıştır</a:t>
+            </a:r>
+            <a:r>
+              <a:rPr lang="en-US" dirty="0"/>
+              <a:t>), </a:t>
+            </a:r>
+            <a:r>
+              <a:rPr lang="en-US" dirty="0" err="1"/>
+              <a:t>uygulama</a:t>
+            </a:r>
+            <a:r>
+              <a:rPr lang="en-US" dirty="0"/>
+              <a:t> </a:t>
+            </a:r>
+            <a:r>
+              <a:rPr lang="en-US" dirty="0" err="1"/>
+              <a:t>işlevselliğine</a:t>
+            </a:r>
+            <a:r>
+              <a:rPr lang="en-US" dirty="0"/>
+              <a:t> web </a:t>
+            </a:r>
+            <a:r>
+              <a:rPr lang="en-US" dirty="0" err="1"/>
+              <a:t>üzerinden</a:t>
+            </a:r>
+            <a:r>
+              <a:rPr lang="en-US" dirty="0"/>
+              <a:t> </a:t>
+            </a:r>
+            <a:r>
+              <a:rPr lang="en-US" dirty="0" err="1"/>
+              <a:t>erişilmesine</a:t>
+            </a:r>
+            <a:r>
+              <a:rPr lang="en-US" dirty="0"/>
+              <a:t> </a:t>
+            </a:r>
+            <a:r>
+              <a:rPr lang="en-US" dirty="0" err="1"/>
+              <a:t>izin</a:t>
+            </a:r>
+            <a:r>
+              <a:rPr lang="en-US" dirty="0"/>
+              <a:t> </a:t>
+            </a:r>
+            <a:r>
+              <a:rPr lang="en-US" dirty="0" err="1"/>
+              <a:t>verir</a:t>
+            </a:r>
+            <a:r>
+              <a:rPr lang="en-US" dirty="0"/>
+              <a:t>.</a:t>
+            </a:r>
+          </a:p>
+          <a:p>
+            <a:pPr algn="just"/>
+            <a:r>
+              <a:rPr lang="en-US" dirty="0" err="1"/>
+              <a:t>Bulut</a:t>
+            </a:r>
+            <a:r>
+              <a:rPr lang="en-US" dirty="0"/>
+              <a:t> </a:t>
+            </a:r>
+            <a:r>
+              <a:rPr lang="en-US" dirty="0" err="1"/>
+              <a:t>bilişim</a:t>
+            </a:r>
+            <a:r>
+              <a:rPr lang="en-US" dirty="0"/>
+              <a:t>, </a:t>
+            </a:r>
+            <a:r>
+              <a:rPr lang="en-US" dirty="0" err="1"/>
+              <a:t>uygulamaların</a:t>
+            </a:r>
+            <a:r>
+              <a:rPr lang="en-US" dirty="0"/>
+              <a:t> </a:t>
+            </a:r>
+            <a:r>
+              <a:rPr lang="en-US" dirty="0" err="1"/>
+              <a:t>uzaktan</a:t>
+            </a:r>
+            <a:r>
+              <a:rPr lang="en-US" dirty="0"/>
+              <a:t> '</a:t>
+            </a:r>
+            <a:r>
+              <a:rPr lang="en-US" dirty="0" err="1"/>
+              <a:t>bulut</a:t>
+            </a:r>
+            <a:r>
+              <a:rPr lang="en-US" dirty="0"/>
+              <a:t>' </a:t>
+            </a:r>
+            <a:r>
+              <a:rPr lang="en-US" dirty="0" err="1"/>
+              <a:t>üzerinde</a:t>
+            </a:r>
+            <a:r>
+              <a:rPr lang="en-US" dirty="0"/>
+              <a:t> </a:t>
+            </a:r>
+            <a:r>
+              <a:rPr lang="en-US" dirty="0" err="1"/>
+              <a:t>çalıştığı</a:t>
+            </a:r>
+            <a:r>
+              <a:rPr lang="en-US" dirty="0"/>
+              <a:t> </a:t>
+            </a:r>
+            <a:r>
+              <a:rPr lang="en-US" dirty="0" err="1"/>
+              <a:t>bilgisayar</a:t>
+            </a:r>
+            <a:r>
+              <a:rPr lang="en-US" dirty="0"/>
+              <a:t> </a:t>
+            </a:r>
+            <a:r>
+              <a:rPr lang="en-US" dirty="0" err="1"/>
+              <a:t>hizmetlerinin</a:t>
+            </a:r>
+            <a:r>
+              <a:rPr lang="en-US" dirty="0"/>
+              <a:t> </a:t>
+            </a:r>
+            <a:r>
+              <a:rPr lang="en-US" dirty="0" err="1"/>
+              <a:t>sağlanmasına</a:t>
+            </a:r>
+            <a:r>
+              <a:rPr lang="en-US" dirty="0"/>
+              <a:t> </a:t>
+            </a:r>
+            <a:r>
+              <a:rPr lang="en-US" dirty="0" err="1"/>
+              <a:t>yönelik</a:t>
+            </a:r>
+            <a:r>
+              <a:rPr lang="en-US" dirty="0"/>
+              <a:t> </a:t>
+            </a:r>
+            <a:r>
+              <a:rPr lang="en-US" dirty="0" err="1"/>
+              <a:t>bir</a:t>
+            </a:r>
+            <a:r>
+              <a:rPr lang="en-US" dirty="0"/>
+              <a:t> </a:t>
+            </a:r>
+            <a:r>
+              <a:rPr lang="en-US" dirty="0" err="1"/>
+              <a:t>yaklaşımdır</a:t>
+            </a:r>
+            <a:r>
+              <a:rPr lang="en-US" dirty="0"/>
+              <a:t>.</a:t>
+            </a:r>
+          </a:p>
+          <a:p>
+            <a:pPr lvl="1" algn="just"/>
+            <a:r>
+              <a:rPr lang="en-US" dirty="0" err="1"/>
+              <a:t>Kullanıcılar</a:t>
+            </a:r>
+            <a:r>
+              <a:rPr lang="en-US" dirty="0"/>
+              <a:t> </a:t>
+            </a:r>
+            <a:r>
+              <a:rPr lang="en-US" dirty="0" err="1"/>
+              <a:t>yazılım</a:t>
+            </a:r>
+            <a:r>
+              <a:rPr lang="en-US" dirty="0"/>
+              <a:t> satın </a:t>
+            </a:r>
+            <a:r>
+              <a:rPr lang="en-US" dirty="0" err="1"/>
+              <a:t>almazlar</a:t>
+            </a:r>
+            <a:r>
+              <a:rPr lang="en-US" dirty="0"/>
+              <a:t>, </a:t>
+            </a:r>
+            <a:r>
+              <a:rPr lang="en-US" dirty="0" err="1"/>
+              <a:t>kullanıma</a:t>
+            </a:r>
+            <a:r>
+              <a:rPr lang="en-US" dirty="0"/>
+              <a:t> </a:t>
+            </a:r>
+            <a:r>
+              <a:rPr lang="en-US" dirty="0" err="1"/>
+              <a:t>göre</a:t>
+            </a:r>
+            <a:r>
+              <a:rPr lang="en-US" dirty="0"/>
+              <a:t> </a:t>
+            </a:r>
+            <a:r>
+              <a:rPr lang="en-US" dirty="0" err="1"/>
+              <a:t>ödeme</a:t>
+            </a:r>
+            <a:r>
+              <a:rPr lang="en-US" dirty="0"/>
+              <a:t> </a:t>
+            </a:r>
+            <a:r>
+              <a:rPr lang="en-US" dirty="0" err="1"/>
+              <a:t>yaparlar</a:t>
+            </a:r>
+            <a:r>
+              <a:rPr lang="en-US" dirty="0"/>
+              <a:t>.</a:t>
             </a:r>
           </a:p>
         </p:txBody>
@@ -7317,10 +9676,10 @@
           <a:lstStyle/>
           <a:p>
             <a:r>
-              <a:rPr lang="en-US" dirty="0" smtClean="0"/>
-              <a:t>Topics covered</a:t>
-            </a:r>
-            <a:endParaRPr lang="en-US" dirty="0"/>
+              <a:rPr lang="tr-TR" sz="3200" dirty="0" smtClean="0"/>
+              <a:t>İşlenmiş Konular</a:t>
+            </a:r>
+            <a:endParaRPr lang="tr-TR" sz="3200" dirty="0"/>
           </a:p>
         </p:txBody>
       </p:sp>
@@ -7339,44 +9698,52 @@
           <a:bodyPr/>
           <a:lstStyle/>
           <a:p>
-            <a:r>
-              <a:rPr lang="en-US" dirty="0" smtClean="0"/>
-              <a:t>Professional software development</a:t>
-            </a:r>
-          </a:p>
-          <a:p>
-            <a:pPr lvl="1"/>
-            <a:r>
-              <a:rPr lang="en-US" dirty="0" smtClean="0"/>
-              <a:t>What is meant by software engineering.</a:t>
-            </a:r>
-          </a:p>
-          <a:p>
-            <a:r>
-              <a:rPr lang="en-US" dirty="0" smtClean="0"/>
-              <a:t>Software engineering ethics</a:t>
-            </a:r>
-          </a:p>
-          <a:p>
-            <a:pPr lvl="1"/>
-            <a:r>
-              <a:rPr lang="en-US" dirty="0" smtClean="0"/>
-              <a:t>A brief introduction to ethical issues that affect software engineering.</a:t>
-            </a:r>
-          </a:p>
-          <a:p>
-            <a:r>
-              <a:rPr lang="en-US" dirty="0" smtClean="0"/>
-              <a:t>Case studies</a:t>
-            </a:r>
-          </a:p>
-          <a:p>
-            <a:pPr lvl="1"/>
-            <a:r>
-              <a:rPr lang="en-US" dirty="0" smtClean="0"/>
-              <a:t>An introduction to three examples that are used in later chapters in the book.</a:t>
-            </a:r>
-            <a:endParaRPr lang="en-US" dirty="0"/>
+            <a:pPr algn="just"/>
+            <a:r>
+              <a:rPr lang="tr-TR" sz="2800" dirty="0" smtClean="0"/>
+              <a:t>Profesyonel yazılım geliştirme</a:t>
+            </a:r>
+            <a:endParaRPr lang="tr-TR" sz="2800" dirty="0" smtClean="0"/>
+          </a:p>
+          <a:p>
+            <a:pPr lvl="1" algn="just"/>
+            <a:r>
+              <a:rPr lang="tr-TR" sz="2400" dirty="0" smtClean="0"/>
+              <a:t>Yazılım mühendisliği ile ne kastedilmektedir.</a:t>
+            </a:r>
+            <a:endParaRPr lang="tr-TR" sz="2400" dirty="0" smtClean="0"/>
+          </a:p>
+          <a:p>
+            <a:pPr algn="just"/>
+            <a:r>
+              <a:rPr lang="tr-TR" sz="2800" dirty="0" smtClean="0"/>
+              <a:t>Yazılım mühendisliği etiği</a:t>
+            </a:r>
+            <a:endParaRPr lang="tr-TR" sz="2800" dirty="0" smtClean="0"/>
+          </a:p>
+          <a:p>
+            <a:pPr lvl="1" algn="just"/>
+            <a:r>
+              <a:rPr lang="tr-TR" sz="2400" dirty="0" smtClean="0"/>
+              <a:t>Yazılım mühendisliğini etkileyen etik konulara kısa bir giriş.</a:t>
+            </a:r>
+            <a:endParaRPr lang="tr-TR" sz="2400" dirty="0" smtClean="0"/>
+          </a:p>
+          <a:p>
+            <a:pPr algn="just"/>
+            <a:r>
+              <a:rPr lang="tr-TR" sz="2800" dirty="0" smtClean="0"/>
+              <a:t>Durum çalışmaları</a:t>
+            </a:r>
+            <a:endParaRPr lang="tr-TR" sz="2800" dirty="0" smtClean="0"/>
+          </a:p>
+          <a:p>
+            <a:pPr lvl="1" algn="just"/>
+            <a:r>
+              <a:rPr lang="tr-TR" sz="2400" dirty="0" smtClean="0"/>
+              <a:t>Kitabın sonraki bölümlerinde kullanılan üç örneğe giriş.</a:t>
+            </a:r>
+            <a:endParaRPr lang="tr-TR" sz="2400" dirty="0"/>
           </a:p>
         </p:txBody>
       </p:sp>
@@ -7491,10 +9858,22 @@
           <a:lstStyle/>
           <a:p>
             <a:r>
-              <a:rPr lang="en-US" dirty="0" smtClean="0"/>
-              <a:t>Web software engineering</a:t>
-            </a:r>
-            <a:endParaRPr lang="en-US" dirty="0"/>
+              <a:rPr lang="en-US" sz="2800" dirty="0" smtClean="0"/>
+              <a:t>Web </a:t>
+            </a:r>
+            <a:r>
+              <a:rPr lang="en-US" sz="2800" dirty="0" err="1" smtClean="0"/>
+              <a:t>Yazılım</a:t>
+            </a:r>
+            <a:r>
+              <a:rPr lang="en-US" sz="2800" dirty="0" smtClean="0"/>
+              <a:t> </a:t>
+            </a:r>
+            <a:r>
+              <a:rPr lang="en-US" sz="2800" dirty="0" err="1" smtClean="0"/>
+              <a:t>Mühendisliği</a:t>
+            </a:r>
+            <a:endParaRPr lang="en-US" sz="2800" dirty="0"/>
           </a:p>
         </p:txBody>
       </p:sp>
@@ -7518,45 +9897,625 @@
           <a:bodyPr/>
           <a:lstStyle/>
           <a:p>
-            <a:r>
-              <a:rPr lang="en-GB" dirty="0" smtClean="0"/>
-              <a:t>Software reuse is the dominant approach for constructing web-based systems. 	</a:t>
-            </a:r>
-          </a:p>
-          <a:p>
-            <a:pPr lvl="1"/>
-            <a:r>
-              <a:rPr lang="en-GB" dirty="0" smtClean="0"/>
-              <a:t>When building these systems, you think about how you can assemble them from pre-existing software components and systems.</a:t>
-            </a:r>
-          </a:p>
-          <a:p>
-            <a:r>
-              <a:rPr lang="en-GB" dirty="0" smtClean="0"/>
-              <a:t>Web-based systems should be developed and delivered incrementally.</a:t>
-            </a:r>
-          </a:p>
-          <a:p>
-            <a:pPr lvl="1"/>
-            <a:r>
-              <a:rPr lang="en-GB" dirty="0" smtClean="0"/>
-              <a:t>It is now generally recognized that it is impractical to specify all the requirements for such systems in advance. </a:t>
-            </a:r>
-          </a:p>
-          <a:p>
-            <a:r>
-              <a:rPr lang="en-GB" dirty="0" smtClean="0"/>
-              <a:t>User interfaces are constrained by the capabilities of web browsers. </a:t>
-            </a:r>
-          </a:p>
-          <a:p>
-            <a:pPr lvl="1"/>
-            <a:r>
-              <a:rPr lang="en-GB" dirty="0" smtClean="0"/>
-              <a:t>Technologies such as AJAX allow rich interfaces to be created within a web browser but are still difficult to use. Web forms with local scripting are more commonly used. </a:t>
-            </a:r>
-          </a:p>
-          <a:p>
+            <a:pPr algn="just"/>
+            <a:r>
+              <a:rPr lang="en-US" dirty="0" err="1"/>
+              <a:t>Yazılımın</a:t>
+            </a:r>
+            <a:r>
+              <a:rPr lang="en-US" dirty="0"/>
+              <a:t> </a:t>
+            </a:r>
+            <a:r>
+              <a:rPr lang="en-US" dirty="0" err="1"/>
+              <a:t>yeniden</a:t>
+            </a:r>
+            <a:r>
+              <a:rPr lang="en-US" dirty="0"/>
+              <a:t> </a:t>
+            </a:r>
+            <a:r>
+              <a:rPr lang="en-US" dirty="0" err="1"/>
+              <a:t>kullanımı</a:t>
+            </a:r>
+            <a:r>
+              <a:rPr lang="en-US" dirty="0"/>
+              <a:t>, web </a:t>
+            </a:r>
+            <a:r>
+              <a:rPr lang="en-US" dirty="0" err="1"/>
+              <a:t>tabanlı</a:t>
+            </a:r>
+            <a:r>
+              <a:rPr lang="en-US" dirty="0"/>
+              <a:t> </a:t>
+            </a:r>
+            <a:r>
+              <a:rPr lang="en-US" dirty="0" err="1"/>
+              <a:t>sistemler</a:t>
+            </a:r>
+            <a:r>
+              <a:rPr lang="en-US" dirty="0"/>
+              <a:t> </a:t>
+            </a:r>
+            <a:r>
+              <a:rPr lang="en-US" dirty="0" err="1"/>
+              <a:t>oluşturmak</a:t>
+            </a:r>
+            <a:r>
+              <a:rPr lang="en-US" dirty="0"/>
+              <a:t> </a:t>
+            </a:r>
+            <a:r>
+              <a:rPr lang="en-US" dirty="0" err="1"/>
+              <a:t>için</a:t>
+            </a:r>
+            <a:r>
+              <a:rPr lang="en-US" dirty="0"/>
+              <a:t> </a:t>
+            </a:r>
+            <a:r>
+              <a:rPr lang="en-US" dirty="0" err="1"/>
+              <a:t>baskın</a:t>
+            </a:r>
+            <a:r>
+              <a:rPr lang="en-US" dirty="0"/>
+              <a:t> </a:t>
+            </a:r>
+            <a:r>
+              <a:rPr lang="en-US" dirty="0" err="1"/>
+              <a:t>yaklaşımdır</a:t>
+            </a:r>
+            <a:r>
+              <a:rPr lang="en-US" dirty="0"/>
+              <a:t>.</a:t>
+            </a:r>
+          </a:p>
+          <a:p>
+            <a:pPr lvl="1" algn="just"/>
+            <a:r>
+              <a:rPr lang="en-US" dirty="0"/>
+              <a:t>Bu </a:t>
+            </a:r>
+            <a:r>
+              <a:rPr lang="en-US" dirty="0" err="1"/>
+              <a:t>sistemleri</a:t>
+            </a:r>
+            <a:r>
+              <a:rPr lang="en-US" dirty="0"/>
+              <a:t> </a:t>
+            </a:r>
+            <a:r>
+              <a:rPr lang="en-US" dirty="0" err="1"/>
+              <a:t>oluştururken</a:t>
+            </a:r>
+            <a:r>
+              <a:rPr lang="en-US" dirty="0"/>
+              <a:t>, </a:t>
+            </a:r>
+            <a:r>
+              <a:rPr lang="en-US" dirty="0" err="1"/>
+              <a:t>bunları</a:t>
+            </a:r>
+            <a:r>
+              <a:rPr lang="en-US" dirty="0"/>
+              <a:t> </a:t>
+            </a:r>
+            <a:r>
+              <a:rPr lang="en-US" dirty="0" err="1"/>
+              <a:t>önceden</a:t>
+            </a:r>
+            <a:r>
+              <a:rPr lang="en-US" dirty="0"/>
+              <a:t> </a:t>
+            </a:r>
+            <a:r>
+              <a:rPr lang="en-US" dirty="0" err="1"/>
+              <a:t>var</a:t>
+            </a:r>
+            <a:r>
+              <a:rPr lang="en-US" dirty="0"/>
+              <a:t> </a:t>
+            </a:r>
+            <a:r>
+              <a:rPr lang="en-US" dirty="0" err="1"/>
+              <a:t>olan</a:t>
+            </a:r>
+            <a:r>
+              <a:rPr lang="en-US" dirty="0"/>
+              <a:t> </a:t>
+            </a:r>
+            <a:r>
+              <a:rPr lang="en-US" dirty="0" err="1"/>
+              <a:t>yazılım</a:t>
+            </a:r>
+            <a:r>
+              <a:rPr lang="en-US" dirty="0"/>
+              <a:t> </a:t>
+            </a:r>
+            <a:r>
+              <a:rPr lang="en-US" dirty="0" err="1"/>
+              <a:t>bileşenleri</a:t>
+            </a:r>
+            <a:r>
+              <a:rPr lang="en-US" dirty="0"/>
+              <a:t> </a:t>
+            </a:r>
+            <a:r>
+              <a:rPr lang="en-US" dirty="0" err="1"/>
+              <a:t>ve</a:t>
+            </a:r>
+            <a:r>
+              <a:rPr lang="en-US" dirty="0"/>
+              <a:t> </a:t>
+            </a:r>
+            <a:r>
+              <a:rPr lang="en-US" dirty="0" err="1"/>
+              <a:t>sistemlerinden</a:t>
+            </a:r>
+            <a:r>
+              <a:rPr lang="en-US" dirty="0"/>
+              <a:t> </a:t>
+            </a:r>
+            <a:r>
+              <a:rPr lang="en-US" dirty="0" err="1"/>
+              <a:t>nasıl</a:t>
+            </a:r>
+            <a:r>
+              <a:rPr lang="en-US" dirty="0"/>
+              <a:t> </a:t>
+            </a:r>
+            <a:r>
+              <a:rPr lang="en-US" dirty="0" err="1"/>
+              <a:t>bir</a:t>
+            </a:r>
+            <a:r>
+              <a:rPr lang="en-US" dirty="0"/>
+              <a:t> </a:t>
+            </a:r>
+            <a:r>
+              <a:rPr lang="en-US" dirty="0" err="1"/>
+              <a:t>araya</a:t>
+            </a:r>
+            <a:r>
+              <a:rPr lang="en-US" dirty="0"/>
+              <a:t> </a:t>
+            </a:r>
+            <a:r>
+              <a:rPr lang="en-US" dirty="0" err="1"/>
+              <a:t>getirebileceğinizi</a:t>
+            </a:r>
+            <a:r>
+              <a:rPr lang="en-US" dirty="0"/>
+              <a:t> </a:t>
+            </a:r>
+            <a:r>
+              <a:rPr lang="en-US" dirty="0" err="1"/>
+              <a:t>düşünürsünüz</a:t>
+            </a:r>
+            <a:r>
+              <a:rPr lang="en-US" dirty="0"/>
+              <a:t>.</a:t>
+            </a:r>
+          </a:p>
+          <a:p>
+            <a:pPr algn="just"/>
+            <a:r>
+              <a:rPr lang="en-US" dirty="0"/>
+              <a:t>Web </a:t>
+            </a:r>
+            <a:r>
+              <a:rPr lang="en-US" dirty="0" err="1"/>
+              <a:t>tabanlı</a:t>
+            </a:r>
+            <a:r>
+              <a:rPr lang="en-US" dirty="0"/>
+              <a:t> </a:t>
+            </a:r>
+            <a:r>
+              <a:rPr lang="en-US" dirty="0" err="1"/>
+              <a:t>sistemler</a:t>
+            </a:r>
+            <a:r>
+              <a:rPr lang="en-US" dirty="0"/>
+              <a:t> </a:t>
+            </a:r>
+            <a:r>
+              <a:rPr lang="en-US" dirty="0" err="1"/>
+              <a:t>aşamalı</a:t>
+            </a:r>
+            <a:r>
+              <a:rPr lang="en-US" dirty="0"/>
+              <a:t> </a:t>
+            </a:r>
+            <a:r>
+              <a:rPr lang="en-US" dirty="0" err="1"/>
+              <a:t>olarak</a:t>
+            </a:r>
+            <a:r>
+              <a:rPr lang="en-US" dirty="0"/>
+              <a:t> </a:t>
+            </a:r>
+            <a:r>
+              <a:rPr lang="en-US" dirty="0" err="1"/>
+              <a:t>geliştirilmeli</a:t>
+            </a:r>
+            <a:r>
+              <a:rPr lang="en-US" dirty="0"/>
+              <a:t> </a:t>
+            </a:r>
+            <a:r>
+              <a:rPr lang="en-US" dirty="0" err="1"/>
+              <a:t>ve</a:t>
+            </a:r>
+            <a:r>
+              <a:rPr lang="en-US" dirty="0"/>
+              <a:t> </a:t>
+            </a:r>
+            <a:r>
+              <a:rPr lang="en-US" dirty="0" err="1"/>
+              <a:t>sunulmalıdır</a:t>
+            </a:r>
+            <a:r>
+              <a:rPr lang="en-US" dirty="0"/>
+              <a:t>.</a:t>
+            </a:r>
+          </a:p>
+          <a:p>
+            <a:pPr lvl="1" algn="just"/>
+            <a:r>
+              <a:rPr lang="en-US" dirty="0"/>
+              <a:t>Bu </a:t>
+            </a:r>
+            <a:r>
+              <a:rPr lang="en-US" dirty="0" err="1"/>
+              <a:t>tür</a:t>
+            </a:r>
+            <a:r>
+              <a:rPr lang="en-US" dirty="0"/>
+              <a:t> </a:t>
+            </a:r>
+            <a:r>
+              <a:rPr lang="en-US" dirty="0" err="1"/>
+              <a:t>sistemler</a:t>
+            </a:r>
+            <a:r>
+              <a:rPr lang="en-US" dirty="0"/>
+              <a:t> </a:t>
+            </a:r>
+            <a:r>
+              <a:rPr lang="en-US" dirty="0" err="1"/>
+              <a:t>için</a:t>
+            </a:r>
+            <a:r>
+              <a:rPr lang="en-US" dirty="0"/>
+              <a:t> </a:t>
+            </a:r>
+            <a:r>
+              <a:rPr lang="en-US" dirty="0" err="1"/>
+              <a:t>tüm</a:t>
+            </a:r>
+            <a:r>
+              <a:rPr lang="en-US" dirty="0"/>
+              <a:t> </a:t>
+            </a:r>
+            <a:r>
+              <a:rPr lang="en-US" dirty="0" err="1"/>
+              <a:t>gereksinimleri</a:t>
+            </a:r>
+            <a:r>
+              <a:rPr lang="en-US" dirty="0"/>
+              <a:t> </a:t>
+            </a:r>
+            <a:r>
+              <a:rPr lang="en-US" dirty="0" err="1"/>
+              <a:t>önceden</a:t>
+            </a:r>
+            <a:r>
+              <a:rPr lang="en-US" dirty="0"/>
+              <a:t> </a:t>
+            </a:r>
+            <a:r>
+              <a:rPr lang="en-US" dirty="0" err="1"/>
+              <a:t>belirlemenin</a:t>
+            </a:r>
+            <a:r>
+              <a:rPr lang="en-US" dirty="0"/>
+              <a:t> </a:t>
+            </a:r>
+            <a:r>
+              <a:rPr lang="en-US" dirty="0" err="1"/>
+              <a:t>pratik</a:t>
+            </a:r>
+            <a:r>
+              <a:rPr lang="en-US" dirty="0"/>
+              <a:t> </a:t>
+            </a:r>
+            <a:r>
+              <a:rPr lang="en-US" dirty="0" err="1"/>
+              <a:t>olmadığı</a:t>
+            </a:r>
+            <a:r>
+              <a:rPr lang="en-US" dirty="0"/>
+              <a:t> </a:t>
+            </a:r>
+            <a:r>
+              <a:rPr lang="en-US" dirty="0" err="1"/>
+              <a:t>artık</a:t>
+            </a:r>
+            <a:r>
+              <a:rPr lang="en-US" dirty="0"/>
+              <a:t> </a:t>
+            </a:r>
+            <a:r>
+              <a:rPr lang="en-US" dirty="0" err="1"/>
+              <a:t>genel</a:t>
+            </a:r>
+            <a:r>
+              <a:rPr lang="en-US" dirty="0"/>
+              <a:t> </a:t>
+            </a:r>
+            <a:r>
+              <a:rPr lang="en-US" dirty="0" err="1"/>
+              <a:t>olarak</a:t>
+            </a:r>
+            <a:r>
+              <a:rPr lang="en-US" dirty="0"/>
+              <a:t> </a:t>
+            </a:r>
+            <a:r>
+              <a:rPr lang="en-US" dirty="0" err="1"/>
+              <a:t>kabul</a:t>
+            </a:r>
+            <a:r>
+              <a:rPr lang="en-US" dirty="0"/>
+              <a:t> </a:t>
+            </a:r>
+            <a:r>
+              <a:rPr lang="en-US" dirty="0" err="1"/>
+              <a:t>edilmektedir</a:t>
+            </a:r>
+            <a:r>
+              <a:rPr lang="en-US" dirty="0"/>
+              <a:t>.</a:t>
+            </a:r>
+          </a:p>
+          <a:p>
+            <a:pPr algn="just"/>
+            <a:r>
+              <a:rPr lang="en-US" dirty="0" err="1"/>
+              <a:t>Kullanıcı</a:t>
+            </a:r>
+            <a:r>
+              <a:rPr lang="en-US" dirty="0"/>
+              <a:t> </a:t>
+            </a:r>
+            <a:r>
+              <a:rPr lang="en-US" dirty="0" err="1"/>
+              <a:t>arayüzleri</a:t>
+            </a:r>
+            <a:r>
+              <a:rPr lang="en-US" dirty="0"/>
+              <a:t>, web </a:t>
+            </a:r>
+            <a:r>
+              <a:rPr lang="en-US" dirty="0" err="1"/>
+              <a:t>tarayıcılarının</a:t>
+            </a:r>
+            <a:r>
+              <a:rPr lang="en-US" dirty="0"/>
+              <a:t> </a:t>
+            </a:r>
+            <a:r>
+              <a:rPr lang="en-US" dirty="0" err="1"/>
+              <a:t>yetenekleriyle</a:t>
+            </a:r>
+            <a:r>
+              <a:rPr lang="en-US" dirty="0"/>
+              <a:t> </a:t>
+            </a:r>
+            <a:r>
+              <a:rPr lang="en-US" dirty="0" err="1"/>
+              <a:t>sınırlıdır</a:t>
+            </a:r>
+            <a:r>
+              <a:rPr lang="en-US" dirty="0"/>
+              <a:t>.</a:t>
+            </a:r>
+          </a:p>
+          <a:p>
+            <a:pPr lvl="1" algn="just"/>
+            <a:r>
+              <a:rPr lang="en-US" dirty="0"/>
+              <a:t>AJAX </a:t>
+            </a:r>
+            <a:r>
+              <a:rPr lang="en-US" dirty="0" err="1"/>
+              <a:t>gibi</a:t>
+            </a:r>
+            <a:r>
+              <a:rPr lang="en-US" dirty="0"/>
+              <a:t> </a:t>
+            </a:r>
+            <a:r>
+              <a:rPr lang="en-US" dirty="0" err="1"/>
+              <a:t>teknolojiler</a:t>
+            </a:r>
+            <a:r>
+              <a:rPr lang="en-US" dirty="0"/>
+              <a:t>, </a:t>
+            </a:r>
+            <a:r>
+              <a:rPr lang="en-US" dirty="0" err="1"/>
+              <a:t>bir</a:t>
+            </a:r>
+            <a:r>
+              <a:rPr lang="en-US" dirty="0"/>
+              <a:t> web </a:t>
+            </a:r>
+            <a:r>
+              <a:rPr lang="en-US" dirty="0" err="1"/>
+              <a:t>tarayıcısı</a:t>
+            </a:r>
+            <a:r>
+              <a:rPr lang="en-US" dirty="0"/>
+              <a:t> </a:t>
+            </a:r>
+            <a:r>
+              <a:rPr lang="en-US" dirty="0" err="1"/>
+              <a:t>içinde</a:t>
+            </a:r>
+            <a:r>
+              <a:rPr lang="en-US" dirty="0"/>
+              <a:t> </a:t>
+            </a:r>
+            <a:r>
+              <a:rPr lang="en-US" dirty="0" err="1"/>
+              <a:t>zengin</a:t>
+            </a:r>
+            <a:r>
+              <a:rPr lang="en-US" dirty="0"/>
+              <a:t> </a:t>
+            </a:r>
+            <a:r>
+              <a:rPr lang="en-US" dirty="0" err="1"/>
+              <a:t>arayüzlerin</a:t>
+            </a:r>
+            <a:r>
+              <a:rPr lang="en-US" dirty="0"/>
+              <a:t> </a:t>
+            </a:r>
+            <a:r>
+              <a:rPr lang="en-US" dirty="0" err="1"/>
+              <a:t>oluşturulmasına</a:t>
+            </a:r>
+            <a:r>
+              <a:rPr lang="en-US" dirty="0"/>
+              <a:t> </a:t>
+            </a:r>
+            <a:r>
+              <a:rPr lang="en-US" dirty="0" err="1"/>
+              <a:t>izin</a:t>
+            </a:r>
+            <a:r>
+              <a:rPr lang="en-US" dirty="0"/>
+              <a:t> </a:t>
+            </a:r>
+            <a:r>
+              <a:rPr lang="en-US" dirty="0" err="1"/>
+              <a:t>verir</a:t>
+            </a:r>
+            <a:r>
+              <a:rPr lang="en-US" dirty="0"/>
+              <a:t>, </a:t>
+            </a:r>
+            <a:r>
+              <a:rPr lang="en-US" dirty="0" err="1"/>
+              <a:t>ancak</a:t>
+            </a:r>
+            <a:r>
+              <a:rPr lang="en-US" dirty="0"/>
+              <a:t> </a:t>
+            </a:r>
+            <a:r>
+              <a:rPr lang="en-US" dirty="0" err="1"/>
+              <a:t>yine</a:t>
+            </a:r>
+            <a:r>
+              <a:rPr lang="en-US" dirty="0"/>
+              <a:t> de </a:t>
+            </a:r>
+            <a:r>
+              <a:rPr lang="en-US" dirty="0" err="1"/>
+              <a:t>kullanımı</a:t>
+            </a:r>
+            <a:r>
+              <a:rPr lang="en-US" dirty="0"/>
+              <a:t> </a:t>
+            </a:r>
+            <a:r>
+              <a:rPr lang="en-US" dirty="0" err="1"/>
+              <a:t>zordur</a:t>
+            </a:r>
+            <a:r>
+              <a:rPr lang="en-US" dirty="0"/>
+              <a:t>. </a:t>
+            </a:r>
+            <a:r>
+              <a:rPr lang="en-US" dirty="0" err="1"/>
+              <a:t>Yerel</a:t>
+            </a:r>
+            <a:r>
+              <a:rPr lang="en-US" dirty="0"/>
+              <a:t> </a:t>
+            </a:r>
+            <a:r>
+              <a:rPr lang="en-US" dirty="0" err="1"/>
+              <a:t>komut</a:t>
+            </a:r>
+            <a:r>
+              <a:rPr lang="en-US" dirty="0"/>
+              <a:t> </a:t>
+            </a:r>
+            <a:r>
+              <a:rPr lang="en-US" dirty="0" err="1"/>
+              <a:t>dosyası</a:t>
+            </a:r>
+            <a:r>
+              <a:rPr lang="en-US" dirty="0"/>
+              <a:t> </a:t>
+            </a:r>
+            <a:r>
+              <a:rPr lang="en-US" dirty="0" err="1"/>
+              <a:t>içeren</a:t>
+            </a:r>
+            <a:r>
+              <a:rPr lang="en-US" dirty="0"/>
+              <a:t> web </a:t>
+            </a:r>
+            <a:r>
+              <a:rPr lang="en-US" dirty="0" err="1"/>
+              <a:t>formları</a:t>
+            </a:r>
+            <a:r>
+              <a:rPr lang="en-US" dirty="0"/>
+              <a:t> </a:t>
+            </a:r>
+            <a:r>
+              <a:rPr lang="en-US" dirty="0" err="1"/>
+              <a:t>daha</a:t>
+            </a:r>
+            <a:r>
+              <a:rPr lang="en-US" dirty="0"/>
+              <a:t> </a:t>
+            </a:r>
+            <a:r>
+              <a:rPr lang="en-US" dirty="0" err="1"/>
+              <a:t>yaygın</a:t>
+            </a:r>
+            <a:r>
+              <a:rPr lang="en-US" dirty="0"/>
+              <a:t> </a:t>
+            </a:r>
+            <a:r>
+              <a:rPr lang="en-US" dirty="0" err="1"/>
+              <a:t>olarak</a:t>
+            </a:r>
+            <a:r>
+              <a:rPr lang="en-US" dirty="0"/>
+              <a:t> </a:t>
+            </a:r>
+            <a:r>
+              <a:rPr lang="en-US" dirty="0" err="1"/>
+              <a:t>kullanılır</a:t>
+            </a:r>
+            <a:r>
+              <a:rPr lang="en-US" dirty="0"/>
+              <a:t>.</a:t>
+            </a:r>
+          </a:p>
+          <a:p>
+            <a:pPr algn="just"/>
             <a:endParaRPr lang="en-US" dirty="0"/>
           </a:p>
         </p:txBody>
@@ -7665,39 +10624,368 @@
           <a:lstStyle/>
           <a:p>
             <a:r>
+              <a:rPr lang="en-US" sz="2800" dirty="0" smtClean="0"/>
+              <a:t>Web </a:t>
+            </a:r>
+            <a:r>
+              <a:rPr lang="en-US" sz="2800" dirty="0" err="1" smtClean="0"/>
+              <a:t>Tabanlı</a:t>
+            </a:r>
+            <a:r>
+              <a:rPr lang="en-US" sz="2800" dirty="0" smtClean="0"/>
+              <a:t> </a:t>
+            </a:r>
+            <a:r>
+              <a:rPr lang="en-US" sz="2800" dirty="0" err="1" smtClean="0"/>
+              <a:t>Yazılım</a:t>
+            </a:r>
+            <a:r>
+              <a:rPr lang="en-US" sz="2800" dirty="0" smtClean="0"/>
+              <a:t> </a:t>
+            </a:r>
+            <a:r>
+              <a:rPr lang="en-US" sz="2800" dirty="0" err="1" smtClean="0"/>
+              <a:t>Mühendisliği</a:t>
+            </a:r>
+            <a:endParaRPr lang="en-US" sz="2800" dirty="0"/>
+          </a:p>
+        </p:txBody>
+      </p:sp>
+      <p:sp>
+        <p:nvSpPr>
+          <p:cNvPr id="3" name="Content Placeholder 2"/>
+          <p:cNvSpPr>
+            <a:spLocks noGrp="1"/>
+          </p:cNvSpPr>
+          <p:nvPr>
+            <p:ph idx="1"/>
+          </p:nvPr>
+        </p:nvSpPr>
+        <p:spPr/>
+        <p:txBody>
+          <a:bodyPr/>
+          <a:lstStyle/>
+          <a:p>
+            <a:pPr algn="just"/>
+            <a:r>
+              <a:rPr lang="en-US" dirty="0"/>
+              <a:t>Web </a:t>
+            </a:r>
+            <a:r>
+              <a:rPr lang="en-US" dirty="0" err="1"/>
+              <a:t>tabanlı</a:t>
+            </a:r>
+            <a:r>
+              <a:rPr lang="en-US" dirty="0"/>
+              <a:t> </a:t>
+            </a:r>
+            <a:r>
+              <a:rPr lang="en-US" dirty="0" err="1"/>
+              <a:t>sistemler</a:t>
+            </a:r>
+            <a:r>
+              <a:rPr lang="en-US" dirty="0"/>
+              <a:t> </a:t>
+            </a:r>
+            <a:r>
+              <a:rPr lang="en-US" dirty="0" err="1"/>
+              <a:t>karmaşık</a:t>
+            </a:r>
+            <a:r>
+              <a:rPr lang="en-US" dirty="0"/>
+              <a:t> </a:t>
+            </a:r>
+            <a:r>
+              <a:rPr lang="tr-TR" dirty="0" smtClean="0"/>
+              <a:t>dağıtık</a:t>
+            </a:r>
+            <a:r>
               <a:rPr lang="en-US" dirty="0" smtClean="0"/>
-              <a:t>Web-based software engineering</a:t>
-            </a:r>
-            <a:endParaRPr lang="en-US" dirty="0"/>
-          </a:p>
-        </p:txBody>
-      </p:sp>
-      <p:sp>
-        <p:nvSpPr>
-          <p:cNvPr id="3" name="Content Placeholder 2"/>
-          <p:cNvSpPr>
-            <a:spLocks noGrp="1"/>
-          </p:cNvSpPr>
-          <p:nvPr>
-            <p:ph idx="1"/>
-          </p:nvPr>
-        </p:nvSpPr>
-        <p:spPr/>
-        <p:txBody>
-          <a:bodyPr/>
-          <a:lstStyle/>
-          <a:p>
-            <a:r>
-              <a:rPr lang="en-US" dirty="0" smtClean="0"/>
-              <a:t>Web-based systems are complex distributed systems but the fundamental principles of software engineering discussed previously are as applicable to them as they are to any other types of system.</a:t>
-            </a:r>
-          </a:p>
-          <a:p>
-            <a:r>
-              <a:rPr lang="en-GB" dirty="0" smtClean="0"/>
-              <a:t>The fundamental ideas of software engineering, discussed in the previous section, apply to web-based software in the same way that they apply to other types of software system. </a:t>
-            </a:r>
-            <a:endParaRPr lang="en-US" dirty="0"/>
+              <a:t> </a:t>
+            </a:r>
+            <a:r>
+              <a:rPr lang="en-US" dirty="0" err="1"/>
+              <a:t>sistemlerdir</a:t>
+            </a:r>
+            <a:r>
+              <a:rPr lang="en-US" dirty="0"/>
+              <a:t>, </a:t>
+            </a:r>
+            <a:r>
+              <a:rPr lang="en-US" dirty="0" err="1"/>
+              <a:t>ancak</a:t>
+            </a:r>
+            <a:r>
+              <a:rPr lang="en-US" dirty="0"/>
+              <a:t> </a:t>
+            </a:r>
+            <a:r>
+              <a:rPr lang="en-US" dirty="0" err="1"/>
+              <a:t>daha</a:t>
+            </a:r>
+            <a:r>
+              <a:rPr lang="en-US" dirty="0"/>
+              <a:t> </a:t>
+            </a:r>
+            <a:r>
+              <a:rPr lang="en-US" dirty="0" err="1"/>
+              <a:t>önce</a:t>
+            </a:r>
+            <a:r>
+              <a:rPr lang="en-US" dirty="0"/>
+              <a:t> </a:t>
+            </a:r>
+            <a:r>
+              <a:rPr lang="en-US" dirty="0" err="1"/>
+              <a:t>tartışılan</a:t>
+            </a:r>
+            <a:r>
+              <a:rPr lang="en-US" dirty="0"/>
+              <a:t> </a:t>
+            </a:r>
+            <a:r>
+              <a:rPr lang="en-US" dirty="0" err="1"/>
+              <a:t>yazılım</a:t>
+            </a:r>
+            <a:r>
+              <a:rPr lang="en-US" dirty="0"/>
+              <a:t> </a:t>
+            </a:r>
+            <a:r>
+              <a:rPr lang="en-US" dirty="0" err="1"/>
+              <a:t>mühendisliğinin</a:t>
+            </a:r>
+            <a:r>
+              <a:rPr lang="en-US" dirty="0"/>
+              <a:t> </a:t>
+            </a:r>
+            <a:r>
+              <a:rPr lang="en-US" dirty="0" err="1"/>
+              <a:t>temel</a:t>
+            </a:r>
+            <a:r>
+              <a:rPr lang="en-US" dirty="0"/>
+              <a:t> </a:t>
+            </a:r>
+            <a:r>
+              <a:rPr lang="en-US" dirty="0" err="1"/>
+              <a:t>ilkeleri</a:t>
+            </a:r>
+            <a:r>
+              <a:rPr lang="en-US" dirty="0"/>
+              <a:t>, </a:t>
+            </a:r>
+            <a:r>
+              <a:rPr lang="en-US" dirty="0" err="1"/>
+              <a:t>diğer</a:t>
+            </a:r>
+            <a:r>
+              <a:rPr lang="en-US" dirty="0"/>
+              <a:t> </a:t>
+            </a:r>
+            <a:r>
+              <a:rPr lang="en-US" dirty="0" err="1"/>
+              <a:t>sistem</a:t>
+            </a:r>
+            <a:r>
+              <a:rPr lang="en-US" dirty="0"/>
+              <a:t> </a:t>
+            </a:r>
+            <a:r>
+              <a:rPr lang="en-US" dirty="0" err="1"/>
+              <a:t>türlerine</a:t>
+            </a:r>
+            <a:r>
+              <a:rPr lang="en-US" dirty="0"/>
+              <a:t> </a:t>
+            </a:r>
+            <a:r>
+              <a:rPr lang="en-US" dirty="0" err="1"/>
+              <a:t>olduğu</a:t>
+            </a:r>
+            <a:r>
+              <a:rPr lang="en-US" dirty="0"/>
+              <a:t> </a:t>
+            </a:r>
+            <a:r>
+              <a:rPr lang="en-US" dirty="0" err="1"/>
+              <a:t>kadar</a:t>
+            </a:r>
+            <a:r>
+              <a:rPr lang="en-US" dirty="0"/>
+              <a:t> </a:t>
+            </a:r>
+            <a:r>
+              <a:rPr lang="en-US" dirty="0" err="1"/>
+              <a:t>onlar</a:t>
+            </a:r>
+            <a:r>
+              <a:rPr lang="en-US" dirty="0"/>
+              <a:t> </a:t>
+            </a:r>
+            <a:r>
+              <a:rPr lang="en-US" dirty="0" err="1"/>
+              <a:t>için</a:t>
+            </a:r>
+            <a:r>
+              <a:rPr lang="en-US" dirty="0"/>
+              <a:t> de </a:t>
+            </a:r>
+            <a:r>
+              <a:rPr lang="en-US" dirty="0" err="1"/>
+              <a:t>geçerlidir</a:t>
+            </a:r>
+            <a:r>
+              <a:rPr lang="en-US" dirty="0"/>
+              <a:t>.</a:t>
+            </a:r>
+          </a:p>
+          <a:p>
+            <a:pPr algn="just"/>
+            <a:r>
+              <a:rPr lang="en-US" dirty="0" err="1"/>
+              <a:t>Bir</a:t>
+            </a:r>
+            <a:r>
+              <a:rPr lang="en-US" dirty="0"/>
+              <a:t> </a:t>
+            </a:r>
+            <a:r>
+              <a:rPr lang="en-US" dirty="0" err="1"/>
+              <a:t>önceki</a:t>
+            </a:r>
+            <a:r>
+              <a:rPr lang="en-US" dirty="0"/>
+              <a:t> </a:t>
+            </a:r>
+            <a:r>
+              <a:rPr lang="en-US" dirty="0" err="1"/>
+              <a:t>bölümde</a:t>
+            </a:r>
+            <a:r>
+              <a:rPr lang="en-US" dirty="0"/>
+              <a:t> </a:t>
+            </a:r>
+            <a:r>
+              <a:rPr lang="en-US" dirty="0" err="1"/>
+              <a:t>tartışılan</a:t>
+            </a:r>
+            <a:r>
+              <a:rPr lang="en-US" dirty="0"/>
+              <a:t> </a:t>
+            </a:r>
+            <a:r>
+              <a:rPr lang="en-US" dirty="0" err="1"/>
+              <a:t>yazılım</a:t>
+            </a:r>
+            <a:r>
+              <a:rPr lang="en-US" dirty="0"/>
+              <a:t> </a:t>
+            </a:r>
+            <a:r>
+              <a:rPr lang="en-US" dirty="0" err="1"/>
+              <a:t>mühendisliğinin</a:t>
+            </a:r>
+            <a:r>
+              <a:rPr lang="en-US" dirty="0"/>
+              <a:t> </a:t>
+            </a:r>
+            <a:r>
+              <a:rPr lang="en-US" dirty="0" err="1"/>
+              <a:t>temel</a:t>
+            </a:r>
+            <a:r>
+              <a:rPr lang="en-US" dirty="0"/>
+              <a:t> </a:t>
+            </a:r>
+            <a:r>
+              <a:rPr lang="en-US" dirty="0" err="1"/>
+              <a:t>fikirleri</a:t>
+            </a:r>
+            <a:r>
+              <a:rPr lang="en-US" dirty="0"/>
+              <a:t>, </a:t>
+            </a:r>
+            <a:r>
+              <a:rPr lang="en-US" dirty="0" err="1"/>
+              <a:t>diğer</a:t>
+            </a:r>
+            <a:r>
+              <a:rPr lang="en-US" dirty="0"/>
+              <a:t> </a:t>
+            </a:r>
+            <a:r>
+              <a:rPr lang="en-US" dirty="0" err="1"/>
+              <a:t>yazılım</a:t>
+            </a:r>
+            <a:r>
+              <a:rPr lang="en-US" dirty="0"/>
+              <a:t> </a:t>
+            </a:r>
+            <a:r>
+              <a:rPr lang="en-US" dirty="0" err="1"/>
+              <a:t>sistemi</a:t>
+            </a:r>
+            <a:r>
+              <a:rPr lang="en-US" dirty="0"/>
+              <a:t> </a:t>
+            </a:r>
+            <a:r>
+              <a:rPr lang="en-US" dirty="0" err="1"/>
+              <a:t>türlerine</a:t>
+            </a:r>
+            <a:r>
+              <a:rPr lang="en-US" dirty="0"/>
+              <a:t> </a:t>
+            </a:r>
+            <a:r>
+              <a:rPr lang="en-US" dirty="0" err="1"/>
+              <a:t>uygulandıkları</a:t>
+            </a:r>
+            <a:r>
+              <a:rPr lang="en-US" dirty="0"/>
+              <a:t> </a:t>
+            </a:r>
+            <a:r>
+              <a:rPr lang="en-US" dirty="0" err="1"/>
+              <a:t>gibi</a:t>
+            </a:r>
+            <a:r>
+              <a:rPr lang="en-US" dirty="0"/>
+              <a:t> web </a:t>
+            </a:r>
+            <a:r>
+              <a:rPr lang="en-US" dirty="0" err="1"/>
+              <a:t>tabanlı</a:t>
+            </a:r>
+            <a:r>
+              <a:rPr lang="en-US" dirty="0"/>
+              <a:t> </a:t>
+            </a:r>
+            <a:r>
+              <a:rPr lang="en-US" dirty="0" err="1"/>
+              <a:t>yazılımlar</a:t>
+            </a:r>
+            <a:r>
+              <a:rPr lang="en-US" dirty="0"/>
+              <a:t> </a:t>
+            </a:r>
+            <a:r>
+              <a:rPr lang="en-US" dirty="0" err="1"/>
+              <a:t>için</a:t>
+            </a:r>
+            <a:r>
+              <a:rPr lang="en-US" dirty="0"/>
+              <a:t> de </a:t>
+            </a:r>
+            <a:r>
+              <a:rPr lang="en-US" dirty="0" err="1"/>
+              <a:t>geçerlidir</a:t>
+            </a:r>
+            <a:r>
+              <a:rPr lang="en-US" dirty="0"/>
+              <a:t>.</a:t>
+            </a:r>
           </a:p>
         </p:txBody>
       </p:sp>
@@ -7805,49 +11093,413 @@
           <a:lstStyle/>
           <a:p>
             <a:r>
+              <a:rPr lang="en-US" sz="2800" dirty="0" err="1" smtClean="0"/>
+              <a:t>Anahtar</a:t>
+            </a:r>
+            <a:r>
+              <a:rPr lang="en-US" sz="2800" dirty="0" smtClean="0"/>
+              <a:t> </a:t>
+            </a:r>
+            <a:r>
+              <a:rPr lang="en-US" sz="2800" dirty="0" err="1" smtClean="0"/>
+              <a:t>Noktalar</a:t>
+            </a:r>
+            <a:endParaRPr lang="en-US" sz="2800" dirty="0"/>
+          </a:p>
+        </p:txBody>
+      </p:sp>
+      <p:sp>
+        <p:nvSpPr>
+          <p:cNvPr id="3" name="Content Placeholder 2"/>
+          <p:cNvSpPr>
+            <a:spLocks noGrp="1"/>
+          </p:cNvSpPr>
+          <p:nvPr>
+            <p:ph idx="1"/>
+          </p:nvPr>
+        </p:nvSpPr>
+        <p:spPr/>
+        <p:txBody>
+          <a:bodyPr/>
+          <a:lstStyle/>
+          <a:p>
+            <a:pPr algn="just"/>
+            <a:r>
+              <a:rPr lang="en-US" dirty="0" err="1"/>
+              <a:t>Yazılım</a:t>
+            </a:r>
+            <a:r>
+              <a:rPr lang="en-US" dirty="0"/>
+              <a:t> </a:t>
+            </a:r>
+            <a:r>
+              <a:rPr lang="en-US" dirty="0" err="1"/>
+              <a:t>mühendisliği</a:t>
+            </a:r>
+            <a:r>
+              <a:rPr lang="en-US" dirty="0"/>
+              <a:t>, </a:t>
+            </a:r>
+            <a:r>
+              <a:rPr lang="en-US" dirty="0" err="1"/>
+              <a:t>yazılım</a:t>
+            </a:r>
+            <a:r>
+              <a:rPr lang="en-US" dirty="0"/>
+              <a:t> </a:t>
+            </a:r>
+            <a:r>
+              <a:rPr lang="en-US" dirty="0" err="1"/>
+              <a:t>üretiminin</a:t>
+            </a:r>
+            <a:r>
+              <a:rPr lang="en-US" dirty="0"/>
+              <a:t> </a:t>
+            </a:r>
+            <a:r>
+              <a:rPr lang="en-US" dirty="0" err="1"/>
+              <a:t>tüm</a:t>
+            </a:r>
+            <a:r>
+              <a:rPr lang="en-US" dirty="0"/>
+              <a:t> </a:t>
+            </a:r>
+            <a:r>
+              <a:rPr lang="en-US" dirty="0" err="1"/>
+              <a:t>yönleriyle</a:t>
+            </a:r>
+            <a:r>
+              <a:rPr lang="en-US" dirty="0"/>
+              <a:t> </a:t>
+            </a:r>
+            <a:r>
+              <a:rPr lang="en-US" dirty="0" err="1"/>
+              <a:t>ilgilenen</a:t>
+            </a:r>
+            <a:r>
+              <a:rPr lang="en-US" dirty="0"/>
+              <a:t> </a:t>
+            </a:r>
+            <a:r>
+              <a:rPr lang="en-US" dirty="0" err="1"/>
+              <a:t>bir</a:t>
+            </a:r>
+            <a:r>
+              <a:rPr lang="en-US" dirty="0"/>
+              <a:t> </a:t>
+            </a:r>
+            <a:r>
+              <a:rPr lang="en-US" dirty="0" err="1"/>
+              <a:t>mühendislik</a:t>
+            </a:r>
+            <a:r>
+              <a:rPr lang="en-US" dirty="0"/>
+              <a:t> </a:t>
+            </a:r>
+            <a:r>
+              <a:rPr lang="en-US" dirty="0" err="1"/>
+              <a:t>disiplinidir</a:t>
+            </a:r>
+            <a:r>
+              <a:rPr lang="en-US" dirty="0"/>
+              <a:t>.</a:t>
+            </a:r>
+          </a:p>
+          <a:p>
+            <a:pPr algn="just"/>
+            <a:r>
+              <a:rPr lang="en-US" dirty="0" err="1"/>
+              <a:t>Temel</a:t>
+            </a:r>
+            <a:r>
+              <a:rPr lang="en-US" dirty="0"/>
+              <a:t> </a:t>
+            </a:r>
+            <a:r>
+              <a:rPr lang="en-US" dirty="0" err="1"/>
+              <a:t>yazılım</a:t>
+            </a:r>
+            <a:r>
+              <a:rPr lang="en-US" dirty="0"/>
+              <a:t> </a:t>
+            </a:r>
+            <a:r>
+              <a:rPr lang="en-US" dirty="0" err="1"/>
+              <a:t>ürünü</a:t>
+            </a:r>
+            <a:r>
+              <a:rPr lang="en-US" dirty="0"/>
+              <a:t> </a:t>
+            </a:r>
+            <a:r>
+              <a:rPr lang="en-US" dirty="0" err="1"/>
+              <a:t>özellikleri</a:t>
+            </a:r>
+            <a:r>
+              <a:rPr lang="en-US" dirty="0"/>
+              <a:t>, </a:t>
+            </a:r>
+            <a:r>
+              <a:rPr lang="en-US" dirty="0" err="1"/>
+              <a:t>sürdürülebilirlik</a:t>
+            </a:r>
+            <a:r>
+              <a:rPr lang="en-US" dirty="0"/>
+              <a:t>, </a:t>
+            </a:r>
+            <a:r>
+              <a:rPr lang="en-US" dirty="0" err="1"/>
+              <a:t>güvenilirlik</a:t>
+            </a:r>
+            <a:r>
+              <a:rPr lang="en-US" dirty="0"/>
+              <a:t> </a:t>
+            </a:r>
+            <a:r>
+              <a:rPr lang="en-US" dirty="0" err="1"/>
+              <a:t>ve</a:t>
+            </a:r>
+            <a:r>
+              <a:rPr lang="en-US" dirty="0"/>
+              <a:t> </a:t>
+            </a:r>
+            <a:r>
+              <a:rPr lang="tr-TR" dirty="0" smtClean="0"/>
+              <a:t>itimat</a:t>
+            </a:r>
+            <a:r>
               <a:rPr lang="en-US" dirty="0" smtClean="0"/>
-              <a:t>Key points</a:t>
-            </a:r>
-            <a:endParaRPr lang="en-US" dirty="0"/>
-          </a:p>
-        </p:txBody>
-      </p:sp>
-      <p:sp>
-        <p:nvSpPr>
-          <p:cNvPr id="3" name="Content Placeholder 2"/>
-          <p:cNvSpPr>
-            <a:spLocks noGrp="1"/>
-          </p:cNvSpPr>
-          <p:nvPr>
-            <p:ph idx="1"/>
-          </p:nvPr>
-        </p:nvSpPr>
-        <p:spPr/>
-        <p:txBody>
-          <a:bodyPr/>
-          <a:lstStyle/>
-          <a:p>
-            <a:r>
-              <a:rPr lang="en-GB" dirty="0" smtClean="0"/>
-              <a:t>Software engineering is an engineering discipline that is concerned with all aspects of software production.</a:t>
-            </a:r>
-          </a:p>
-          <a:p>
-            <a:r>
-              <a:rPr lang="en-GB" dirty="0" smtClean="0"/>
-              <a:t>Essential software product attributes are maintainability, dependability and security, efficiency and acceptability.</a:t>
-            </a:r>
-          </a:p>
-          <a:p>
-            <a:r>
-              <a:rPr lang="en-GB" dirty="0" smtClean="0"/>
-              <a:t>The high-level activities of specification, development, validation and evolution are part of all software processes.</a:t>
-            </a:r>
-          </a:p>
-          <a:p>
-            <a:r>
-              <a:rPr lang="en-GB" dirty="0" smtClean="0"/>
-              <a:t>The fundamental notions of software engineering are universally applicable to all types of system development.  </a:t>
+              <a:t>, </a:t>
+            </a:r>
+            <a:r>
+              <a:rPr lang="en-US" dirty="0" err="1"/>
+              <a:t>verimlilik</a:t>
+            </a:r>
+            <a:r>
+              <a:rPr lang="en-US" dirty="0"/>
+              <a:t> </a:t>
+            </a:r>
+            <a:r>
+              <a:rPr lang="en-US" dirty="0" err="1"/>
+              <a:t>ve</a:t>
+            </a:r>
+            <a:r>
+              <a:rPr lang="en-US" dirty="0"/>
+              <a:t> </a:t>
+            </a:r>
+            <a:r>
+              <a:rPr lang="en-US" dirty="0" err="1"/>
+              <a:t>kabul</a:t>
+            </a:r>
+            <a:r>
+              <a:rPr lang="en-US" dirty="0"/>
+              <a:t> </a:t>
+            </a:r>
+            <a:r>
+              <a:rPr lang="en-US" dirty="0" err="1"/>
+              <a:t>edilebilirliktir</a:t>
+            </a:r>
+            <a:r>
+              <a:rPr lang="en-US" dirty="0"/>
+              <a:t>.</a:t>
+            </a:r>
+          </a:p>
+          <a:p>
+            <a:pPr algn="just"/>
+            <a:r>
+              <a:rPr lang="en-US" dirty="0" err="1"/>
+              <a:t>Üst</a:t>
+            </a:r>
+            <a:r>
+              <a:rPr lang="en-US" dirty="0"/>
+              <a:t> </a:t>
+            </a:r>
+            <a:r>
+              <a:rPr lang="en-US" dirty="0" err="1"/>
+              <a:t>düzey</a:t>
+            </a:r>
+            <a:r>
+              <a:rPr lang="en-US" dirty="0"/>
+              <a:t> </a:t>
+            </a:r>
+            <a:r>
+              <a:rPr lang="en-US" dirty="0" err="1"/>
+              <a:t>spesifikasyon</a:t>
+            </a:r>
+            <a:r>
+              <a:rPr lang="en-US" dirty="0"/>
+              <a:t>, </a:t>
+            </a:r>
+            <a:r>
+              <a:rPr lang="en-US" dirty="0" err="1"/>
+              <a:t>geliştirme</a:t>
+            </a:r>
+            <a:r>
+              <a:rPr lang="en-US" dirty="0"/>
+              <a:t>, </a:t>
+            </a:r>
+            <a:r>
+              <a:rPr lang="en-US" dirty="0" err="1"/>
+              <a:t>doğrulama</a:t>
+            </a:r>
+            <a:r>
+              <a:rPr lang="en-US" dirty="0"/>
+              <a:t> </a:t>
+            </a:r>
+            <a:r>
+              <a:rPr lang="en-US" dirty="0" err="1"/>
+              <a:t>ve</a:t>
+            </a:r>
+            <a:r>
+              <a:rPr lang="en-US" dirty="0"/>
+              <a:t> </a:t>
+            </a:r>
+            <a:r>
+              <a:rPr lang="tr-TR" dirty="0" smtClean="0"/>
+              <a:t>güncelleme</a:t>
+            </a:r>
+            <a:r>
+              <a:rPr lang="en-US" dirty="0" smtClean="0"/>
+              <a:t> </a:t>
+            </a:r>
+            <a:r>
+              <a:rPr lang="en-US" dirty="0" err="1"/>
+              <a:t>faaliyetleri</a:t>
+            </a:r>
+            <a:r>
+              <a:rPr lang="en-US" dirty="0"/>
+              <a:t>, </a:t>
+            </a:r>
+            <a:r>
+              <a:rPr lang="en-US" dirty="0" err="1"/>
+              <a:t>tüm</a:t>
+            </a:r>
+            <a:r>
+              <a:rPr lang="en-US" dirty="0"/>
+              <a:t> </a:t>
+            </a:r>
+            <a:r>
+              <a:rPr lang="en-US" dirty="0" err="1"/>
+              <a:t>yazılım</a:t>
+            </a:r>
+            <a:r>
+              <a:rPr lang="en-US" dirty="0"/>
+              <a:t> </a:t>
+            </a:r>
+            <a:r>
+              <a:rPr lang="en-US" dirty="0" err="1"/>
+              <a:t>süreçlerinin</a:t>
+            </a:r>
+            <a:r>
+              <a:rPr lang="en-US" dirty="0"/>
+              <a:t> </a:t>
+            </a:r>
+            <a:r>
+              <a:rPr lang="en-US" dirty="0" err="1"/>
+              <a:t>bir</a:t>
+            </a:r>
+            <a:r>
+              <a:rPr lang="en-US" dirty="0"/>
+              <a:t> </a:t>
+            </a:r>
+            <a:r>
+              <a:rPr lang="en-US" dirty="0" err="1"/>
+              <a:t>parçasıdır</a:t>
+            </a:r>
+            <a:r>
+              <a:rPr lang="en-US" dirty="0"/>
+              <a:t>.</a:t>
+            </a:r>
+          </a:p>
+          <a:p>
+            <a:pPr algn="just"/>
+            <a:r>
+              <a:rPr lang="en-US" dirty="0" err="1"/>
+              <a:t>Yazılım</a:t>
+            </a:r>
+            <a:r>
+              <a:rPr lang="en-US" dirty="0"/>
+              <a:t> </a:t>
+            </a:r>
+            <a:r>
+              <a:rPr lang="en-US" dirty="0" err="1"/>
+              <a:t>mühendisliğinin</a:t>
+            </a:r>
+            <a:r>
+              <a:rPr lang="en-US" dirty="0"/>
+              <a:t> </a:t>
+            </a:r>
+            <a:r>
+              <a:rPr lang="en-US" dirty="0" err="1"/>
+              <a:t>temel</a:t>
+            </a:r>
+            <a:r>
+              <a:rPr lang="en-US" dirty="0"/>
+              <a:t> </a:t>
+            </a:r>
+            <a:r>
+              <a:rPr lang="en-US" dirty="0" err="1"/>
+              <a:t>kavramları</a:t>
+            </a:r>
+            <a:r>
+              <a:rPr lang="en-US" dirty="0"/>
+              <a:t> </a:t>
+            </a:r>
+            <a:r>
+              <a:rPr lang="en-US" dirty="0" err="1"/>
+              <a:t>evrensel</a:t>
+            </a:r>
+            <a:r>
+              <a:rPr lang="en-US" dirty="0"/>
+              <a:t> </a:t>
+            </a:r>
+            <a:r>
+              <a:rPr lang="en-US" dirty="0" err="1"/>
+              <a:t>olarak</a:t>
+            </a:r>
+            <a:r>
+              <a:rPr lang="en-US" dirty="0"/>
+              <a:t> </a:t>
+            </a:r>
+            <a:r>
+              <a:rPr lang="en-US" dirty="0" err="1"/>
+              <a:t>tüm</a:t>
+            </a:r>
+            <a:r>
+              <a:rPr lang="en-US" dirty="0"/>
+              <a:t> </a:t>
+            </a:r>
+            <a:r>
+              <a:rPr lang="en-US" dirty="0" err="1"/>
+              <a:t>sistem</a:t>
+            </a:r>
+            <a:r>
+              <a:rPr lang="en-US" dirty="0"/>
+              <a:t> </a:t>
+            </a:r>
+            <a:r>
+              <a:rPr lang="en-US" dirty="0" err="1"/>
+              <a:t>geliştirme</a:t>
+            </a:r>
+            <a:r>
+              <a:rPr lang="en-US" dirty="0"/>
+              <a:t> </a:t>
+            </a:r>
+            <a:r>
+              <a:rPr lang="en-US" dirty="0" err="1"/>
+              <a:t>türlerine</a:t>
+            </a:r>
+            <a:r>
+              <a:rPr lang="en-US" dirty="0"/>
+              <a:t> </a:t>
+            </a:r>
+            <a:r>
+              <a:rPr lang="en-US" dirty="0" err="1"/>
+              <a:t>uygulanabilir</a:t>
+            </a:r>
+            <a:r>
+              <a:rPr lang="en-US" dirty="0"/>
+              <a:t>.</a:t>
             </a:r>
           </a:p>
         </p:txBody>
@@ -7956,10 +11608,18 @@
           <a:lstStyle/>
           <a:p>
             <a:r>
-              <a:rPr lang="en-US" dirty="0" smtClean="0"/>
-              <a:t>Key points</a:t>
-            </a:r>
-            <a:endParaRPr lang="en-US" dirty="0"/>
+              <a:rPr lang="en-US" sz="2800" dirty="0" err="1"/>
+              <a:t>Anahtar</a:t>
+            </a:r>
+            <a:r>
+              <a:rPr lang="en-US" sz="2800" dirty="0"/>
+              <a:t> </a:t>
+            </a:r>
+            <a:r>
+              <a:rPr lang="en-US" sz="2800" dirty="0" err="1"/>
+              <a:t>Noktalar</a:t>
+            </a:r>
+            <a:endParaRPr lang="en-US" sz="2800" dirty="0"/>
           </a:p>
         </p:txBody>
       </p:sp>
@@ -7978,23 +11638,218 @@
           <a:bodyPr/>
           <a:lstStyle/>
           <a:p>
-            <a:r>
-              <a:rPr lang="en-GB" dirty="0" smtClean="0"/>
-              <a:t>There are many different types of system and each requires appropriate software engineering tools and techniques for their development. </a:t>
-            </a:r>
-          </a:p>
-          <a:p>
-            <a:r>
-              <a:rPr lang="en-GB" dirty="0" smtClean="0"/>
-              <a:t>The fundamental ideas of software engineering are applicable to all types of software system. </a:t>
-            </a:r>
-            <a:endParaRPr lang="en-US" dirty="0" smtClean="0"/>
-          </a:p>
-          <a:p>
-            <a:pPr>
-              <a:buNone/>
-            </a:pPr>
-            <a:endParaRPr lang="en-US" dirty="0"/>
+            <a:pPr algn="just"/>
+            <a:r>
+              <a:rPr lang="en-US" dirty="0" err="1"/>
+              <a:t>Pek</a:t>
+            </a:r>
+            <a:r>
+              <a:rPr lang="en-US" dirty="0"/>
+              <a:t> </a:t>
+            </a:r>
+            <a:r>
+              <a:rPr lang="en-US" dirty="0" err="1"/>
+              <a:t>çok</a:t>
+            </a:r>
+            <a:r>
+              <a:rPr lang="en-US" dirty="0"/>
+              <a:t> </a:t>
+            </a:r>
+            <a:r>
+              <a:rPr lang="en-US" dirty="0" err="1"/>
+              <a:t>farklı</a:t>
+            </a:r>
+            <a:r>
+              <a:rPr lang="en-US" dirty="0"/>
+              <a:t> </a:t>
+            </a:r>
+            <a:r>
+              <a:rPr lang="en-US" dirty="0" err="1"/>
+              <a:t>sistem</a:t>
+            </a:r>
+            <a:r>
+              <a:rPr lang="en-US" dirty="0"/>
+              <a:t> </a:t>
+            </a:r>
+            <a:r>
+              <a:rPr lang="en-US" dirty="0" err="1"/>
+              <a:t>türü</a:t>
+            </a:r>
+            <a:r>
+              <a:rPr lang="en-US" dirty="0"/>
+              <a:t> </a:t>
+            </a:r>
+            <a:r>
+              <a:rPr lang="en-US" dirty="0" err="1"/>
+              <a:t>vardır</a:t>
+            </a:r>
+            <a:r>
+              <a:rPr lang="en-US" dirty="0"/>
+              <a:t> </a:t>
+            </a:r>
+            <a:r>
+              <a:rPr lang="en-US" dirty="0" err="1"/>
+              <a:t>ve</a:t>
+            </a:r>
+            <a:r>
+              <a:rPr lang="en-US" dirty="0"/>
+              <a:t> </a:t>
+            </a:r>
+            <a:r>
+              <a:rPr lang="en-US" dirty="0" err="1"/>
+              <a:t>bunların</a:t>
+            </a:r>
+            <a:r>
+              <a:rPr lang="en-US" dirty="0"/>
+              <a:t> her </a:t>
+            </a:r>
+            <a:r>
+              <a:rPr lang="en-US" dirty="0" err="1"/>
+              <a:t>biri</a:t>
+            </a:r>
+            <a:r>
+              <a:rPr lang="en-US" dirty="0"/>
+              <a:t>, </a:t>
+            </a:r>
+            <a:r>
+              <a:rPr lang="en-US" dirty="0" err="1"/>
+              <a:t>geliştirilmeleri</a:t>
+            </a:r>
+            <a:r>
+              <a:rPr lang="en-US" dirty="0"/>
+              <a:t> </a:t>
+            </a:r>
+            <a:r>
+              <a:rPr lang="en-US" dirty="0" err="1"/>
+              <a:t>için</a:t>
+            </a:r>
+            <a:r>
+              <a:rPr lang="en-US" dirty="0"/>
+              <a:t> </a:t>
+            </a:r>
+            <a:r>
+              <a:rPr lang="en-US" dirty="0" err="1"/>
+              <a:t>uygun</a:t>
+            </a:r>
+            <a:r>
+              <a:rPr lang="en-US" dirty="0"/>
+              <a:t> </a:t>
+            </a:r>
+            <a:r>
+              <a:rPr lang="en-US" dirty="0" err="1"/>
+              <a:t>yazılım</a:t>
+            </a:r>
+            <a:r>
+              <a:rPr lang="en-US" dirty="0"/>
+              <a:t> </a:t>
+            </a:r>
+            <a:r>
+              <a:rPr lang="en-US" dirty="0" err="1"/>
+              <a:t>mühendisliği</a:t>
+            </a:r>
+            <a:r>
+              <a:rPr lang="en-US" dirty="0"/>
+              <a:t> </a:t>
+            </a:r>
+            <a:r>
+              <a:rPr lang="en-US" dirty="0" err="1"/>
+              <a:t>araçları</a:t>
+            </a:r>
+            <a:r>
+              <a:rPr lang="en-US" dirty="0"/>
+              <a:t> </a:t>
+            </a:r>
+            <a:r>
+              <a:rPr lang="en-US" dirty="0" err="1"/>
+              <a:t>ve</a:t>
+            </a:r>
+            <a:r>
+              <a:rPr lang="en-US" dirty="0"/>
+              <a:t> </a:t>
+            </a:r>
+            <a:r>
+              <a:rPr lang="en-US" dirty="0" err="1"/>
+              <a:t>teknikleri</a:t>
+            </a:r>
+            <a:r>
+              <a:rPr lang="en-US" dirty="0"/>
+              <a:t> </a:t>
+            </a:r>
+            <a:r>
+              <a:rPr lang="en-US" dirty="0" err="1"/>
+              <a:t>gerektirir</a:t>
+            </a:r>
+            <a:r>
+              <a:rPr lang="en-US" dirty="0"/>
+              <a:t>.</a:t>
+            </a:r>
+          </a:p>
+          <a:p>
+            <a:pPr algn="just"/>
+            <a:r>
+              <a:rPr lang="en-US" dirty="0" err="1"/>
+              <a:t>Yazılım</a:t>
+            </a:r>
+            <a:r>
+              <a:rPr lang="en-US" dirty="0"/>
+              <a:t> </a:t>
+            </a:r>
+            <a:r>
+              <a:rPr lang="en-US" dirty="0" err="1"/>
+              <a:t>mühendisliğinin</a:t>
+            </a:r>
+            <a:r>
+              <a:rPr lang="en-US" dirty="0"/>
+              <a:t> </a:t>
+            </a:r>
+            <a:r>
+              <a:rPr lang="en-US" dirty="0" err="1"/>
+              <a:t>temel</a:t>
+            </a:r>
+            <a:r>
+              <a:rPr lang="en-US" dirty="0"/>
+              <a:t> </a:t>
+            </a:r>
+            <a:r>
+              <a:rPr lang="en-US" dirty="0" err="1"/>
+              <a:t>fikirleri</a:t>
+            </a:r>
+            <a:r>
+              <a:rPr lang="en-US" dirty="0"/>
+              <a:t> her </a:t>
+            </a:r>
+            <a:r>
+              <a:rPr lang="en-US" dirty="0" err="1"/>
+              <a:t>tür</a:t>
+            </a:r>
+            <a:r>
+              <a:rPr lang="en-US" dirty="0"/>
+              <a:t> </a:t>
+            </a:r>
+            <a:r>
+              <a:rPr lang="en-US" dirty="0" err="1"/>
+              <a:t>yazılım</a:t>
+            </a:r>
+            <a:r>
+              <a:rPr lang="en-US" dirty="0"/>
+              <a:t> </a:t>
+            </a:r>
+            <a:r>
+              <a:rPr lang="en-US" dirty="0" err="1"/>
+              <a:t>sistemine</a:t>
+            </a:r>
+            <a:r>
+              <a:rPr lang="en-US" dirty="0"/>
+              <a:t> </a:t>
+            </a:r>
+            <a:r>
+              <a:rPr lang="en-US" dirty="0" err="1"/>
+              <a:t>uygulanabilir</a:t>
+            </a:r>
+            <a:r>
+              <a:rPr lang="en-US" dirty="0"/>
+              <a:t>.</a:t>
+            </a:r>
           </a:p>
         </p:txBody>
       </p:sp>
@@ -8217,7 +12072,7 @@
           <a:p>
             <a:r>
               <a:rPr lang="tr-TR" sz="3200" dirty="0" smtClean="0"/>
-              <a:t>Yazılım mühendisliği etiği</a:t>
+              <a:t>Yazılım Mühendisliği Etiği</a:t>
             </a:r>
             <a:endParaRPr lang="tr-TR" sz="3200" dirty="0"/>
           </a:p>
@@ -8304,10 +12159,10 @@
           <a:lstStyle/>
           <a:p>
             <a:r>
-              <a:rPr lang="tr-TR" sz="3200" dirty="0" smtClean="0"/>
-              <a:t>Mesleki sorumluluk konuları</a:t>
-            </a:r>
-            <a:endParaRPr lang="tr-TR" sz="3200" dirty="0"/>
+              <a:rPr lang="tr-TR" sz="2800" dirty="0" smtClean="0"/>
+              <a:t>Mesleki Sorumluluk Konuları</a:t>
+            </a:r>
+            <a:endParaRPr lang="tr-TR" sz="2800" dirty="0"/>
           </a:p>
         </p:txBody>
       </p:sp>
@@ -8335,7 +12190,6 @@
               <a:rPr lang="tr-TR" sz="3200" dirty="0" smtClean="0"/>
               <a:t>Gizlilik </a:t>
             </a:r>
-            <a:endParaRPr lang="tr-TR" sz="3200" dirty="0" smtClean="0"/>
           </a:p>
           <a:p>
             <a:pPr lvl="1" algn="just">
@@ -8358,7 +12212,6 @@
               <a:rPr lang="tr-TR" sz="3200" dirty="0" smtClean="0"/>
               <a:t>Yetkinlik </a:t>
             </a:r>
-            <a:endParaRPr lang="tr-TR" sz="3200" dirty="0" smtClean="0"/>
           </a:p>
           <a:p>
             <a:pPr lvl="1" algn="just">
@@ -8416,7 +12269,7 @@
           <a:p>
             <a:r>
               <a:rPr lang="tr-TR" sz="2800" dirty="0" smtClean="0"/>
-              <a:t>Mesleki sorumluluk konuları</a:t>
+              <a:t>Mesleki Sorumluluk Konuları</a:t>
             </a:r>
             <a:endParaRPr lang="tr-TR" sz="2800" dirty="0"/>
           </a:p>
@@ -8447,7 +12300,6 @@
               <a:rPr lang="tr-TR" sz="2800" dirty="0" smtClean="0"/>
               <a:t>Fikri Mülkiyet Hakları</a:t>
             </a:r>
-            <a:endParaRPr lang="tr-TR" sz="2800" dirty="0" smtClean="0"/>
           </a:p>
           <a:p>
             <a:pPr lvl="1" algn="just"/>
@@ -8455,7 +12307,6 @@
               <a:rPr lang="tr-TR" sz="2400" dirty="0" smtClean="0"/>
               <a:t>Mühendisler, patent, telif hakkı vb. gibi fikri mülkiyetin kullanımını düzenleyen yerel yasaların farkında olmalıdırlar. İşverenlerin ve müşterilerin fikri mülkiyetinin korunduğundan emin olmak için dikkatli olmalıdırlar.</a:t>
             </a:r>
-            <a:endParaRPr lang="tr-TR" sz="2400" dirty="0" smtClean="0"/>
           </a:p>
           <a:p>
             <a:pPr algn="just"/>
@@ -8463,7 +12314,6 @@
               <a:rPr lang="tr-TR" sz="2800" dirty="0" smtClean="0"/>
               <a:t>Bilgisayarın kötüye kullanımı</a:t>
             </a:r>
-            <a:endParaRPr lang="tr-TR" sz="2800" dirty="0" smtClean="0"/>
           </a:p>
           <a:p>
             <a:pPr lvl="1" algn="just"/>
@@ -8518,26 +12368,14 @@
             <a:pPr algn="ctr"/>
             <a:r>
               <a:rPr lang="tr-TR" dirty="0" smtClean="0"/>
-              <a:t>ACM </a:t>
-            </a:r>
-            <a:r>
-              <a:rPr lang="tr-TR" dirty="0" smtClean="0"/>
-              <a:t>(Bilgisayar Makineleri Derneği)</a:t>
-            </a:r>
-            <a:r>
-              <a:rPr lang="tr-TR" dirty="0" smtClean="0"/>
-              <a:t/>
+              <a:t>ACM (Bilgisayar Makineleri Derneği)</a:t>
             </a:r>
             <a:br>
               <a:rPr lang="tr-TR" dirty="0" smtClean="0"/>
             </a:br>
             <a:r>
               <a:rPr lang="tr-TR" dirty="0" smtClean="0"/>
-              <a:t>/IEEE (</a:t>
-            </a:r>
-            <a:r>
-              <a:rPr lang="tr-TR" dirty="0" smtClean="0"/>
-              <a:t>Elektrik ve Elektronik Mühendisleri Enstitüsü) Etik Kurallar</a:t>
+              <a:t>/IEEE (Elektrik ve Elektronik Mühendisleri Enstitüsü) Etik Kurallar</a:t>
             </a:r>
             <a:endParaRPr lang="tr-TR" dirty="0"/>
           </a:p>
@@ -8567,7 +12405,6 @@
               <a:rPr lang="tr-TR" sz="2800" dirty="0" smtClean="0"/>
               <a:t>ABD'deki profesyonel topluluklar, bir etik uygulama kodu üretmek için işbirliği yaptılar.</a:t>
             </a:r>
-            <a:endParaRPr lang="tr-TR" sz="2800" dirty="0" smtClean="0"/>
           </a:p>
           <a:p>
             <a:pPr algn="just">
@@ -8579,7 +12416,6 @@
               <a:rPr lang="tr-TR" sz="2800" dirty="0" smtClean="0"/>
               <a:t>Bu kuruluşların üyeleri, katıldıklarında uygulama kurallarına kaydolurlar.</a:t>
             </a:r>
-            <a:endParaRPr lang="tr-TR" sz="2800" dirty="0" smtClean="0"/>
           </a:p>
           <a:p>
             <a:pPr algn="just">
@@ -8637,7 +12473,7 @@
           <a:p>
             <a:r>
               <a:rPr lang="tr-TR" sz="2800" dirty="0" smtClean="0"/>
-              <a:t>Etik kuralların gerekçesi</a:t>
+              <a:t>Etik Kuralların Gerekçesi</a:t>
             </a:r>
             <a:endParaRPr lang="tr-TR" sz="2800" dirty="0"/>
           </a:p>
@@ -8671,7 +12507,6 @@
               <a:rPr lang="tr-TR" i="1" dirty="0" smtClean="0"/>
               <a:t>, tasarımına, geliştirilmesine, sertifikasyonuna, bakımına ve test edilmesine doğrudan katılımla veya öğreterek katkıda bulunan kişilerdir.</a:t>
             </a:r>
-            <a:endParaRPr lang="tr-TR" i="1" dirty="0" smtClean="0"/>
           </a:p>
           <a:p>
             <a:pPr lvl="1" algn="just"/>
@@ -8787,10 +12622,10 @@
           <a:lstStyle/>
           <a:p>
             <a:r>
-              <a:rPr lang="en-GB" dirty="0" smtClean="0"/>
-              <a:t>Software engineering</a:t>
-            </a:r>
-            <a:endParaRPr lang="en-GB" dirty="0"/>
+              <a:rPr lang="tr-TR" sz="3200" dirty="0" smtClean="0"/>
+              <a:t>Yazılım Mühendisliği</a:t>
+            </a:r>
+            <a:endParaRPr lang="en-GB" sz="3200" dirty="0"/>
           </a:p>
         </p:txBody>
       </p:sp>
@@ -8809,49 +12644,54 @@
           <a:bodyPr/>
           <a:lstStyle/>
           <a:p>
-            <a:r>
-              <a:rPr lang="en-GB" dirty="0" smtClean="0"/>
-              <a:t>The economies of ALL developed nations are </a:t>
-            </a:r>
-            <a:br>
-              <a:rPr lang="en-GB" dirty="0" smtClean="0"/>
-            </a:br>
-            <a:r>
-              <a:rPr lang="en-GB" dirty="0" smtClean="0"/>
-              <a:t>dependent on software.</a:t>
-            </a:r>
-          </a:p>
-          <a:p>
-            <a:r>
-              <a:rPr lang="en-GB" dirty="0" smtClean="0"/>
-              <a:t>More and more systems are software controlled</a:t>
-            </a:r>
-          </a:p>
-          <a:p>
-            <a:r>
-              <a:rPr lang="en-GB" dirty="0" smtClean="0"/>
-              <a:t>Software engineering is concerned with theories, methods and tools for professional software development.</a:t>
-            </a:r>
-          </a:p>
-          <a:p>
-            <a:r>
-              <a:rPr lang="en-GB" dirty="0" smtClean="0"/>
-              <a:t>Expenditure on software represents a </a:t>
-            </a:r>
-            <a:br>
-              <a:rPr lang="en-GB" dirty="0" smtClean="0"/>
-            </a:br>
-            <a:r>
-              <a:rPr lang="en-GB" dirty="0" smtClean="0"/>
-              <a:t>significant fraction of </a:t>
-            </a:r>
-            <a:r>
-              <a:rPr lang="en-GB" dirty="0"/>
-              <a:t>Gross National Product (GNP) </a:t>
-            </a:r>
-            <a:r>
-              <a:rPr lang="en-GB" dirty="0" smtClean="0"/>
-              <a:t>in all developed countries.</a:t>
+            <a:pPr algn="just"/>
+            <a:r>
+              <a:rPr lang="tr-TR" dirty="0" smtClean="0"/>
+              <a:t>TÜM </a:t>
+            </a:r>
+            <a:r>
+              <a:rPr lang="tr-TR" dirty="0"/>
+              <a:t>gelişmiş ülkelerin ekonomileri yazılıma bağlıdır.</a:t>
+            </a:r>
+            <a:endParaRPr lang="en-GB" dirty="0" smtClean="0"/>
+          </a:p>
+          <a:p>
+            <a:pPr algn="just"/>
+            <a:r>
+              <a:rPr lang="tr-TR" dirty="0" smtClean="0"/>
+              <a:t>Giderek </a:t>
+            </a:r>
+            <a:r>
+              <a:rPr lang="tr-TR" dirty="0"/>
+              <a:t>daha fazla sistem yazılım </a:t>
+            </a:r>
+            <a:r>
+              <a:rPr lang="tr-TR" dirty="0" smtClean="0"/>
+              <a:t>kontrollü hale gelmektedir.</a:t>
+            </a:r>
+            <a:endParaRPr lang="en-GB" dirty="0" smtClean="0"/>
+          </a:p>
+          <a:p>
+            <a:pPr algn="just"/>
+            <a:r>
+              <a:rPr lang="tr-TR" dirty="0" smtClean="0"/>
+              <a:t>Yazılım </a:t>
+            </a:r>
+            <a:r>
+              <a:rPr lang="tr-TR" dirty="0"/>
+              <a:t>mühendisliği, profesyonel yazılım geliştirmeye yönelik teoriler, yöntemler ve araçlarla ilgilenir.</a:t>
+            </a:r>
+            <a:endParaRPr lang="en-GB" dirty="0" smtClean="0"/>
+          </a:p>
+          <a:p>
+            <a:pPr algn="just"/>
+            <a:r>
+              <a:rPr lang="tr-TR" dirty="0" smtClean="0"/>
+              <a:t>Yazılım </a:t>
+            </a:r>
+            <a:r>
+              <a:rPr lang="tr-TR" dirty="0"/>
+              <a:t>harcamaları, tüm gelişmiş ülkelerde Gayri Safi Milli Hasıla'nın (GSMH) önemli bir bölümünü temsil etmektedir.</a:t>
             </a:r>
             <a:endParaRPr lang="en-GB" dirty="0"/>
           </a:p>
@@ -9039,7 +12879,6 @@
               <a:rPr lang="tr-TR" dirty="0" smtClean="0"/>
               <a:t>ACM/IEEE-CS Yazılım Mühendisliği Etik ve Mesleki Uygulamalar Ortak Görev Gücü</a:t>
             </a:r>
-            <a:endParaRPr lang="tr-TR" dirty="0" smtClean="0"/>
           </a:p>
           <a:p>
             <a:pPr algn="just"/>
@@ -9143,7 +12982,7 @@
           <a:p>
             <a:r>
               <a:rPr lang="tr-TR" sz="2800" dirty="0" smtClean="0"/>
-              <a:t>Etik ilkeler</a:t>
+              <a:t>Etik İlkeler</a:t>
             </a:r>
             <a:endParaRPr lang="tr-TR" sz="2800" dirty="0" smtClean="0"/>
           </a:p>
@@ -9252,13 +13091,8 @@
             </a:pPr>
             <a:r>
               <a:rPr lang="tr-TR" dirty="0" smtClean="0"/>
-              <a:t>1. </a:t>
-            </a:r>
-            <a:r>
-              <a:rPr lang="tr-TR" dirty="0" smtClean="0"/>
-              <a:t>KAMU - Yazılım mühendisleri, kamu çıkarı için tutarlı bir şekilde hareket etmelidir.</a:t>
-            </a:r>
-            <a:endParaRPr lang="tr-TR" dirty="0" smtClean="0"/>
+              <a:t>1. KAMU - Yazılım mühendisleri, kamu çıkarı için tutarlı bir şekilde hareket etmelidir.</a:t>
+            </a:r>
           </a:p>
           <a:p>
             <a:pPr algn="just">
@@ -9268,13 +13102,8 @@
             </a:pPr>
             <a:r>
               <a:rPr lang="tr-TR" dirty="0" smtClean="0"/>
-              <a:t>2. </a:t>
-            </a:r>
-            <a:r>
-              <a:rPr lang="tr-TR" dirty="0" smtClean="0"/>
-              <a:t>MÜŞTERİ VE İŞVEREN - Yazılım mühendisleri, müşterileri ve işverenleri için kamu menfaatine uygun şekilde en yüksek menfaat olacak şekilde hareket edeceklerdir.</a:t>
-            </a:r>
-            <a:endParaRPr lang="tr-TR" dirty="0" smtClean="0"/>
+              <a:t>2. MÜŞTERİ VE İŞVEREN - Yazılım mühendisleri, müşterileri ve işverenleri için kamu menfaatine uygun şekilde en yüksek menfaat olacak şekilde hareket edeceklerdir.</a:t>
+            </a:r>
           </a:p>
           <a:p>
             <a:pPr algn="just">
@@ -9284,13 +13113,8 @@
             </a:pPr>
             <a:r>
               <a:rPr lang="tr-TR" dirty="0" smtClean="0"/>
-              <a:t>3. </a:t>
-            </a:r>
-            <a:r>
-              <a:rPr lang="tr-TR" dirty="0" smtClean="0"/>
-              <a:t>ÜRÜN - Yazılım mühendisleri, ürünlerinin ve ilgili değişikliklerinin mümkün olan en yüksek profesyonel standartları karşılamasını sağlayacaktır.</a:t>
-            </a:r>
-            <a:endParaRPr lang="tr-TR" dirty="0" smtClean="0"/>
+              <a:t>3. ÜRÜN - Yazılım mühendisleri, ürünlerinin ve ilgili değişikliklerinin mümkün olan en yüksek profesyonel standartları karşılamasını sağlayacaktır.</a:t>
+            </a:r>
           </a:p>
           <a:p>
             <a:pPr algn="just">
@@ -9300,13 +13124,8 @@
             </a:pPr>
             <a:r>
               <a:rPr lang="tr-TR" dirty="0" smtClean="0"/>
-              <a:t>4. </a:t>
-            </a:r>
-            <a:r>
-              <a:rPr lang="tr-TR" dirty="0" smtClean="0"/>
-              <a:t>KARAR - Yazılım mühendisleri mesleki muhakemelerinde bütünlük ve bağımsızlığı koruyacaklardır.</a:t>
-            </a:r>
-            <a:endParaRPr lang="tr-TR" dirty="0" smtClean="0"/>
+              <a:t>4. KARAR - Yazılım mühendisleri mesleki muhakemelerinde bütünlük ve bağımsızlığı koruyacaklardır.</a:t>
+            </a:r>
           </a:p>
           <a:p>
             <a:pPr algn="just">
@@ -9316,13 +13135,8 @@
             </a:pPr>
             <a:r>
               <a:rPr lang="tr-TR" dirty="0" smtClean="0"/>
-              <a:t>5. </a:t>
-            </a:r>
-            <a:r>
-              <a:rPr lang="tr-TR" dirty="0" smtClean="0"/>
-              <a:t>YÖNETİM - Yazılım mühendisliği yöneticileri ve liderleri, yazılım geliştirme ve bakım yönetimine etik bir yaklaşıma abone olacak ve bunu teşvik edeceklerdir.</a:t>
-            </a:r>
-            <a:endParaRPr lang="tr-TR" dirty="0" smtClean="0"/>
+              <a:t>5. YÖNETİM - Yazılım mühendisliği yöneticileri ve liderleri, yazılım geliştirme ve bakım yönetimine etik bir yaklaşıma abone olacak ve bunu teşvik edeceklerdir.</a:t>
+            </a:r>
           </a:p>
           <a:p>
             <a:pPr algn="just">
@@ -9332,13 +13146,8 @@
             </a:pPr>
             <a:r>
               <a:rPr lang="tr-TR" dirty="0" smtClean="0"/>
-              <a:t>6. </a:t>
-            </a:r>
-            <a:r>
-              <a:rPr lang="tr-TR" dirty="0" smtClean="0"/>
-              <a:t>MESLEK - Yazılım mühendisleri, mesleğin bütünlüğünü ve itibarını kamu yararına uygun şekilde geliştireceklerdir.</a:t>
-            </a:r>
-            <a:endParaRPr lang="tr-TR" dirty="0" smtClean="0"/>
+              <a:t>6. MESLEK - Yazılım mühendisleri, mesleğin bütünlüğünü ve itibarını kamu yararına uygun şekilde geliştireceklerdir.</a:t>
+            </a:r>
           </a:p>
           <a:p>
             <a:pPr algn="just">
@@ -9348,13 +13157,8 @@
             </a:pPr>
             <a:r>
               <a:rPr lang="tr-TR" dirty="0" smtClean="0"/>
-              <a:t>7. </a:t>
-            </a:r>
-            <a:r>
-              <a:rPr lang="tr-TR" dirty="0" smtClean="0"/>
-              <a:t>MESLEKTAŞLAR - Yazılım mühendisleri meslektaşlarına karşı adil ve onları destekleyici olmalıdır.</a:t>
-            </a:r>
-            <a:endParaRPr lang="tr-TR" dirty="0" smtClean="0"/>
+              <a:t>7. MESLEKTAŞLAR - Yazılım mühendisleri meslektaşlarına karşı adil ve onları destekleyici olmalıdır.</a:t>
+            </a:r>
           </a:p>
           <a:p>
             <a:pPr algn="just">
@@ -9364,13 +13168,8 @@
             </a:pPr>
             <a:r>
               <a:rPr lang="tr-TR" dirty="0" smtClean="0"/>
-              <a:t>8. </a:t>
-            </a:r>
-            <a:r>
-              <a:rPr lang="tr-TR" dirty="0" smtClean="0"/>
-              <a:t>KİŞİSEL - Yazılım mühendisleri, mesleklerinin uygulanmasına ilişkin yaşam boyu öğrenmeye katılacak ve mesleğin uygulanmasına etik bir yaklaşım geliştireceklerdir.</a:t>
-            </a:r>
-            <a:endParaRPr lang="tr-TR" dirty="0" smtClean="0"/>
+              <a:t>8. KİŞİSEL - Yazılım mühendisleri, mesleklerinin uygulanmasına ilişkin yaşam boyu öğrenmeye katılacak ve mesleğin uygulanmasına etik bir yaklaşım geliştireceklerdir.</a:t>
+            </a:r>
           </a:p>
           <a:p>
             <a:pPr algn="just"/>
@@ -9427,7 +13226,7 @@
           <a:p>
             <a:r>
               <a:rPr lang="tr-TR" sz="3200" dirty="0" smtClean="0"/>
-              <a:t>Etik ikilemler</a:t>
+              <a:t>Etik İkilemler</a:t>
             </a:r>
             <a:endParaRPr lang="tr-TR" sz="3200" dirty="0"/>
           </a:p>
@@ -9448,27 +13247,28 @@
           <a:bodyPr/>
           <a:lstStyle/>
           <a:p>
+            <a:pPr algn="just"/>
             <a:r>
               <a:rPr lang="tr-TR" sz="2800" dirty="0" smtClean="0"/>
               <a:t>Üst yönetimin politikaları ile prensipte anlaşmazlık.</a:t>
             </a:r>
-            <a:endParaRPr lang="tr-TR" sz="2800" dirty="0" smtClean="0"/>
-          </a:p>
-          <a:p>
+          </a:p>
+          <a:p>
+            <a:pPr algn="just"/>
             <a:r>
               <a:rPr lang="tr-TR" sz="2800" dirty="0" smtClean="0"/>
               <a:t>İşvereniniz etik olmayan bir şekilde davranır ve sistemin testini bitirmeden güvenlik açısından kritik bir sistemi yayınlar.</a:t>
             </a:r>
-            <a:endParaRPr lang="tr-TR" sz="2800" dirty="0" smtClean="0"/>
-          </a:p>
-          <a:p>
+          </a:p>
+          <a:p>
+            <a:pPr algn="just"/>
             <a:r>
               <a:rPr lang="tr-TR" sz="2800" dirty="0" smtClean="0"/>
               <a:t>Askeri silah sistemlerinin veya nükleer sistemlerin geliştirilmesine katılım.</a:t>
             </a:r>
-            <a:endParaRPr lang="tr-TR" sz="2800" dirty="0" smtClean="0"/>
-          </a:p>
-          <a:p>
+          </a:p>
+          <a:p>
+            <a:pPr algn="just"/>
             <a:endParaRPr lang="tr-TR" sz="2800" dirty="0"/>
           </a:p>
         </p:txBody>
@@ -9515,7 +13315,7 @@
           <a:p>
             <a:r>
               <a:rPr lang="tr-TR" sz="2800" dirty="0" smtClean="0"/>
-              <a:t>Örnek olaylar</a:t>
+              <a:t>Örnek Olaylar</a:t>
             </a:r>
             <a:endParaRPr lang="tr-TR" sz="2800" dirty="0"/>
           </a:p>
@@ -9541,7 +13341,6 @@
               <a:rPr lang="tr-TR" sz="2800" dirty="0" smtClean="0"/>
               <a:t>Kişisel bir insülin pompası</a:t>
             </a:r>
-            <a:endParaRPr lang="tr-TR" sz="2800" dirty="0" smtClean="0"/>
           </a:p>
           <a:p>
             <a:pPr lvl="1" algn="just"/>
@@ -9549,7 +13348,6 @@
               <a:rPr lang="tr-TR" sz="2400" dirty="0" smtClean="0"/>
               <a:t>Şeker hastaları tarafından kan şekeri kontrolünü sağlamak için kullanılan bir insülin pompasına gömülü bir sistem.</a:t>
             </a:r>
-            <a:endParaRPr lang="tr-TR" sz="2400" dirty="0" smtClean="0"/>
           </a:p>
           <a:p>
             <a:pPr algn="just"/>
@@ -9557,7 +13355,6 @@
               <a:rPr lang="tr-TR" sz="2800" dirty="0" smtClean="0"/>
               <a:t>Bir akıl sağlığı hasta yönetim sistemi</a:t>
             </a:r>
-            <a:endParaRPr lang="tr-TR" sz="2800" dirty="0" smtClean="0"/>
           </a:p>
           <a:p>
             <a:pPr lvl="1" algn="just"/>
@@ -9565,7 +13362,6 @@
               <a:rPr lang="tr-TR" sz="2400" dirty="0" smtClean="0"/>
               <a:t>Akıl sağlığı sorunları için bakım alan kişilerin kayıtlarını tutmak için kullanılan bir sistem.</a:t>
             </a:r>
-            <a:endParaRPr lang="tr-TR" sz="2400" dirty="0" smtClean="0"/>
           </a:p>
           <a:p>
             <a:pPr algn="just"/>
@@ -9689,7 +13485,7 @@
           <a:p>
             <a:r>
               <a:rPr lang="tr-TR" sz="2800" dirty="0" smtClean="0"/>
-              <a:t>İnsülin pompası kontrol sistemi</a:t>
+              <a:t>İnsülin Pompası Kontrol Sistemi</a:t>
             </a:r>
             <a:endParaRPr lang="tr-TR" sz="2800" dirty="0"/>
           </a:p>
@@ -9723,7 +13519,6 @@
               <a:rPr lang="tr-TR" dirty="0" smtClean="0"/>
               <a:t> veri toplar ve enjekte edilmesi gereken insülin miktarını hesaplar.</a:t>
             </a:r>
-            <a:endParaRPr lang="tr-TR" dirty="0" smtClean="0"/>
           </a:p>
           <a:p>
             <a:pPr algn="just"/>
@@ -9731,7 +13526,6 @@
               <a:rPr lang="tr-TR" dirty="0" smtClean="0"/>
               <a:t>Kan şekeri seviyelerinin değişim oranına göre hesaplama.</a:t>
             </a:r>
-            <a:endParaRPr lang="tr-TR" dirty="0" smtClean="0"/>
           </a:p>
           <a:p>
             <a:pPr algn="just"/>
@@ -9739,7 +13533,6 @@
               <a:rPr lang="tr-TR" dirty="0" smtClean="0"/>
               <a:t>Doğru insülin dozunu iletmek için bir mikro pompaya sinyal gönderir.</a:t>
             </a:r>
-            <a:endParaRPr lang="tr-TR" dirty="0" smtClean="0"/>
           </a:p>
           <a:p>
             <a:pPr algn="just"/>
@@ -9747,7 +13540,6 @@
               <a:rPr lang="tr-TR" dirty="0" smtClean="0"/>
               <a:t>Düşük kan şekeri beyin hasarına, komaya ve ölüme yol açabileceğinden güvenlik açısından kritik sistem; yüksek kan şekeri seviyelerinin göz ve böbrek hasarı gibi uzun vadeli sonuçları vardır.</a:t>
             </a:r>
-            <a:endParaRPr lang="tr-TR" dirty="0" smtClean="0"/>
           </a:p>
           <a:p>
             <a:pPr algn="just"/>
@@ -9860,7 +13652,7 @@
           <a:p>
             <a:r>
               <a:rPr lang="tr-TR" sz="2800" dirty="0" smtClean="0"/>
-              <a:t>İnsülin pompası donanım mimarisi</a:t>
+              <a:t>İnsülin Pompası Donanım Mimarisi</a:t>
             </a:r>
             <a:endParaRPr lang="tr-TR" sz="2800" dirty="0" smtClean="0"/>
           </a:p>
@@ -9938,7 +13730,7 @@
           <p:nvPr/>
         </p:nvPicPr>
         <mc:AlternateContent xmlns:mc="http://schemas.openxmlformats.org/markup-compatibility/2006">
-          <mc:Choice xmlns="" xmlns:mv="urn:schemas-microsoft-com:mac:vml" xmlns:ma="http://schemas.microsoft.com/office/mac/drawingml/2008/main" Requires="ma">
+          <mc:Choice xmlns:ma="http://schemas.microsoft.com/office/mac/drawingml/2008/main" xmlns:mv="urn:schemas-microsoft-com:mac:vml" xmlns="" Requires="ma">
             <p:blipFill>
               <a:blip r:embed="rId2"/>
               <a:stretch>
@@ -10038,7 +13830,7 @@
           <a:p>
             <a:r>
               <a:rPr lang="tr-TR" sz="2800" dirty="0" smtClean="0"/>
-              <a:t>İnsülin pompasının aktivite modeli</a:t>
+              <a:t>İnsülin Pompasının Aktivite Modeli</a:t>
             </a:r>
             <a:endParaRPr lang="tr-TR" sz="2800" dirty="0" smtClean="0"/>
           </a:p>
@@ -10116,7 +13908,7 @@
           <p:nvPr/>
         </p:nvPicPr>
         <mc:AlternateContent xmlns:mc="http://schemas.openxmlformats.org/markup-compatibility/2006">
-          <mc:Choice xmlns="" xmlns:mv="urn:schemas-microsoft-com:mac:vml" xmlns:ma="http://schemas.microsoft.com/office/mac/drawingml/2008/main" Requires="ma">
+          <mc:Choice xmlns:ma="http://schemas.microsoft.com/office/mac/drawingml/2008/main" xmlns:mv="urn:schemas-microsoft-com:mac:vml" xmlns="" Requires="ma">
             <p:blipFill>
               <a:blip r:embed="rId2"/>
               <a:stretch>
@@ -10216,7 +14008,7 @@
           <a:p>
             <a:r>
               <a:rPr lang="tr-TR" sz="2800" dirty="0" smtClean="0"/>
-              <a:t>Temel üst düzey gereksinimler</a:t>
+              <a:t>Temel Üst Düzey Gereksinimler</a:t>
             </a:r>
             <a:endParaRPr lang="tr-TR" sz="2800" dirty="0"/>
           </a:p>
@@ -10240,9 +14032,16 @@
             <a:pPr algn="just"/>
             <a:r>
               <a:rPr lang="tr-TR" sz="2800" dirty="0" smtClean="0"/>
-              <a:t>Sistem, gerektiğinde insülin verebilecek durumda olacaktır.</a:t>
-            </a:r>
-            <a:endParaRPr lang="tr-TR" sz="2800" dirty="0" smtClean="0"/>
+              <a:t>Sistem, </a:t>
+            </a:r>
+            <a:r>
+              <a:rPr lang="tr-TR" sz="2800" dirty="0" smtClean="0"/>
+              <a:t>gerektiğinde </a:t>
+            </a:r>
+            <a:r>
+              <a:rPr lang="tr-TR" sz="2800" dirty="0" smtClean="0"/>
+              <a:t>insülin verebilecek durumda olacaktır.</a:t>
+            </a:r>
           </a:p>
           <a:p>
             <a:pPr algn="just"/>
@@ -10250,7 +14049,6 @@
               <a:rPr lang="tr-TR" sz="2800" dirty="0" smtClean="0"/>
               <a:t>Sistem güvenilir bir şekilde çalışacak ve mevcut kan şekeri düzeyini dengelemek için doğru miktarda insülin gönderecektir.</a:t>
             </a:r>
-            <a:endParaRPr lang="tr-TR" sz="2800" dirty="0" smtClean="0"/>
           </a:p>
           <a:p>
             <a:pPr algn="just"/>
@@ -10374,7 +14172,7 @@
           <a:p>
             <a:r>
               <a:rPr lang="tr-TR" sz="2800" dirty="0" smtClean="0"/>
-              <a:t>Akıl sağlığı bakımı için bir hasta bilgi sistemi</a:t>
+              <a:t>Akıl Sağlığı Bakımı İçin Bir Hasta Bilgi Sistemi</a:t>
             </a:r>
             <a:endParaRPr lang="tr-TR" sz="2800" dirty="0"/>
           </a:p>
@@ -10400,7 +14198,6 @@
               <a:rPr lang="tr-TR" dirty="0" smtClean="0"/>
               <a:t>Akıl sağlığı hizmetlerini desteklemek için bir hasta bilgi sistemi: akıl sağlığı sorunları olan hastalar ve gördükleri tedaviler hakkında bilgi tutan tıbbi bir bilgi sistemidir.</a:t>
             </a:r>
-            <a:endParaRPr lang="tr-TR" dirty="0" smtClean="0"/>
           </a:p>
           <a:p>
             <a:pPr algn="just"/>
@@ -10408,7 +14205,6 @@
               <a:rPr lang="tr-TR" dirty="0" smtClean="0"/>
               <a:t>Çoğu akıl sağlığı hastası, özel bir hastanede tedaviye ihtiyaç duymaz, ancak sorunları hakkında ayrıntılı bilgiye sahip bir doktorla görüşebilecekleri uzman kliniklere düzenli olarak gitmeleri gerekir.</a:t>
             </a:r>
-            <a:endParaRPr lang="tr-TR" dirty="0" smtClean="0"/>
           </a:p>
           <a:p>
             <a:pPr algn="just"/>
@@ -10551,7 +14347,6 @@
               <a:rPr lang="tr-TR" dirty="0" smtClean="0"/>
               <a:t>AS-HYS (Akıl Sağlığı Hasta Yönetim Sistemi) kliniklerde kullanılmak üzere tasarlanmış bir bilgi sistemidir. </a:t>
             </a:r>
-            <a:endParaRPr lang="tr-TR" dirty="0" smtClean="0"/>
           </a:p>
           <a:p>
             <a:pPr algn="just"/>
@@ -10559,7 +14354,6 @@
               <a:rPr lang="tr-TR" dirty="0" smtClean="0"/>
               <a:t>Hasta bilgilerinin tutulduğu merkezi bir veri tabanını kullanır, ancak aynı zamanda bir PC üzerinde çalışacak şekilde tasarlanmıştır, böylece güvenli ağ bağlantısı olmayan cihazlardan erişilebilir ve kullanılabilir. </a:t>
             </a:r>
-            <a:endParaRPr lang="tr-TR" dirty="0" smtClean="0"/>
           </a:p>
           <a:p>
             <a:pPr algn="just"/>
@@ -10675,9 +14469,10 @@
           <a:lstStyle/>
           <a:p>
             <a:r>
-              <a:rPr lang="en-GB"/>
-              <a:t>Software costs</a:t>
-            </a:r>
+              <a:rPr lang="tr-TR" sz="2800" dirty="0" smtClean="0"/>
+              <a:t>Yazılım Maliyetleri</a:t>
+            </a:r>
+            <a:endParaRPr lang="en-GB" sz="2800" dirty="0"/>
           </a:p>
         </p:txBody>
       </p:sp>
@@ -10696,26 +14491,84 @@
           <a:bodyPr/>
           <a:lstStyle/>
           <a:p>
-            <a:r>
-              <a:rPr lang="en-GB" dirty="0"/>
-              <a:t>Software costs often dominate computer system costs. The costs of software on a PC are often greater than the hardware cost.</a:t>
-            </a:r>
-          </a:p>
-          <a:p>
-            <a:r>
-              <a:rPr lang="en-GB" dirty="0"/>
-              <a:t>Software costs more to maintain than it does to develop. For systems with a long life, maintenance costs may be several times development costs.</a:t>
-            </a:r>
-          </a:p>
-          <a:p>
-            <a:r>
-              <a:rPr lang="en-GB" dirty="0">
+            <a:pPr algn="just"/>
+            <a:r>
+              <a:rPr lang="tr-TR" dirty="0" smtClean="0"/>
+              <a:t>Yazılım </a:t>
+            </a:r>
+            <a:r>
+              <a:rPr lang="tr-TR" dirty="0"/>
+              <a:t>maliyetleri genellikle bilgisayar sistemi </a:t>
+            </a:r>
+            <a:r>
+              <a:rPr lang="tr-TR" dirty="0" smtClean="0"/>
+              <a:t>maliyetlerinin çoğunluğunu oluşturmaktadır. </a:t>
+            </a:r>
+            <a:r>
+              <a:rPr lang="tr-TR" dirty="0"/>
+              <a:t>Bir bilgisayardaki yazılımın maliyeti genellikle donanım maliyetinden daha yüksektir.</a:t>
+            </a:r>
+            <a:endParaRPr lang="en-GB" dirty="0"/>
+          </a:p>
+          <a:p>
+            <a:pPr algn="just"/>
+            <a:r>
+              <a:rPr lang="tr-TR" dirty="0" smtClean="0"/>
+              <a:t>Yazılımın bakım maliyeti genellikle </a:t>
+            </a:r>
+            <a:r>
+              <a:rPr lang="tr-TR" dirty="0"/>
+              <a:t>geliştirmekten daha </a:t>
+            </a:r>
+            <a:r>
+              <a:rPr lang="tr-TR" dirty="0" smtClean="0"/>
+              <a:t>pahalıdır. </a:t>
+            </a:r>
+            <a:r>
+              <a:rPr lang="tr-TR" dirty="0"/>
+              <a:t>Uzun ömürlü sistemler için bakım maliyetleri, geliştirme maliyetlerinin birkaç katı olabilir.</a:t>
+            </a:r>
+            <a:endParaRPr lang="en-GB" dirty="0"/>
+          </a:p>
+          <a:p>
+            <a:pPr algn="just"/>
+            <a:r>
+              <a:rPr lang="tr-TR" dirty="0" smtClean="0">
                 <a:solidFill>
                   <a:srgbClr val="C00000"/>
                 </a:solidFill>
               </a:rPr>
-              <a:t>Software engineering is concerned with cost-effective software development.</a:t>
-            </a:r>
+              <a:t>Yazılım </a:t>
+            </a:r>
+            <a:r>
+              <a:rPr lang="tr-TR" dirty="0">
+                <a:solidFill>
+                  <a:srgbClr val="C00000"/>
+                </a:solidFill>
+              </a:rPr>
+              <a:t>mühendisliği, </a:t>
+            </a:r>
+            <a:r>
+              <a:rPr lang="tr-TR" dirty="0" smtClean="0">
+                <a:solidFill>
+                  <a:srgbClr val="C00000"/>
+                </a:solidFill>
+              </a:rPr>
+              <a:t>fiyat-performans odaklı yazılım </a:t>
+            </a:r>
+            <a:r>
+              <a:rPr lang="tr-TR" dirty="0">
+                <a:solidFill>
+                  <a:srgbClr val="C00000"/>
+                </a:solidFill>
+              </a:rPr>
+              <a:t>geliştirme ile ilgilenir.</a:t>
+            </a:r>
+            <a:endParaRPr lang="en-GB" dirty="0">
+              <a:solidFill>
+                <a:srgbClr val="C00000"/>
+              </a:solidFill>
+            </a:endParaRPr>
           </a:p>
         </p:txBody>
       </p:sp>
@@ -10762,7 +14615,11 @@
           <a:p>
             <a:r>
               <a:rPr lang="tr-TR" sz="2800" dirty="0" smtClean="0"/>
-              <a:t>AS-HYS hedefleri</a:t>
+              <a:t>AS-HYS </a:t>
+            </a:r>
+            <a:r>
+              <a:rPr lang="tr-TR" sz="2800" dirty="0" smtClean="0"/>
+              <a:t>Hedefleri</a:t>
             </a:r>
             <a:endParaRPr lang="tr-TR" sz="2800" dirty="0"/>
           </a:p>
@@ -10788,7 +14645,6 @@
               <a:rPr lang="tr-TR" sz="2800" dirty="0" smtClean="0"/>
               <a:t>Sağlık hizmeti yöneticilerinin, performans durumunu, yerel ve hükümet hedeflerine göre değerlendirmesine olanak tanıyan yönetim bilgilerini oluşturmak. </a:t>
             </a:r>
-            <a:endParaRPr lang="tr-TR" sz="2800" dirty="0" smtClean="0"/>
           </a:p>
           <a:p>
             <a:pPr algn="just"/>
@@ -10796,7 +14652,6 @@
               <a:rPr lang="tr-TR" sz="2800" dirty="0" smtClean="0"/>
               <a:t>Hastaların tedavisini desteklemek için sağlık personeline zamanında bilgi sağlamak.</a:t>
             </a:r>
-            <a:endParaRPr lang="tr-TR" sz="2800" dirty="0" smtClean="0"/>
           </a:p>
           <a:p>
             <a:pPr algn="just"/>
@@ -10917,7 +14772,11 @@
             </a:r>
             <a:r>
               <a:rPr lang="tr-TR" dirty="0" smtClean="0"/>
-              <a:t> organizasyonu</a:t>
+              <a:t> </a:t>
+            </a:r>
+            <a:r>
+              <a:rPr lang="tr-TR" dirty="0" smtClean="0"/>
+              <a:t>Organizasyonu</a:t>
             </a:r>
             <a:endParaRPr lang="tr-TR" dirty="0" smtClean="0"/>
           </a:p>
@@ -10995,7 +14854,7 @@
           <p:nvPr/>
         </p:nvPicPr>
         <mc:AlternateContent xmlns:mc="http://schemas.openxmlformats.org/markup-compatibility/2006">
-          <mc:Choice xmlns="" xmlns:mv="urn:schemas-microsoft-com:mac:vml" xmlns:ma="http://schemas.microsoft.com/office/mac/drawingml/2008/main" Requires="ma">
+          <mc:Choice xmlns:ma="http://schemas.microsoft.com/office/mac/drawingml/2008/main" xmlns:mv="urn:schemas-microsoft-com:mac:vml" xmlns="" Requires="ma">
             <p:blipFill>
               <a:blip r:embed="rId2"/>
               <a:stretch>
@@ -11095,15 +14954,15 @@
           <a:p>
             <a:r>
               <a:rPr lang="tr-TR" dirty="0" smtClean="0"/>
-              <a:t>AS-</a:t>
+              <a:t>As-</a:t>
             </a:r>
             <a:r>
               <a:rPr lang="tr-TR" dirty="0" err="1" smtClean="0"/>
-              <a:t>HYS’nin</a:t>
+              <a:t>hys’nin</a:t>
             </a:r>
             <a:r>
               <a:rPr lang="tr-TR" dirty="0" smtClean="0"/>
-              <a:t> anahtar özellikleri</a:t>
+              <a:t> Anahtar Özellikleri</a:t>
             </a:r>
             <a:endParaRPr lang="tr-TR" dirty="0"/>
           </a:p>
@@ -11134,7 +14993,6 @@
               <a:rPr lang="tr-TR" dirty="0" smtClean="0"/>
               <a:t>Bireysel bakım yönetimi</a:t>
             </a:r>
-            <a:endParaRPr lang="tr-TR" dirty="0" smtClean="0"/>
           </a:p>
           <a:p>
             <a:pPr lvl="1" algn="just"/>
@@ -11146,7 +15004,6 @@
               <a:rPr lang="tr-TR" dirty="0" smtClean="0"/>
               <a:t> hastalar için kayıt oluşturabilir, sistemdeki bilgileri düzenleyebilir, hasta geçmişini görüntüleyebilir, vb. Sistem veri özetlerini destekler, böylece doktorlar reçete edilen temel sorunlar ve tedaviler hakkında hızlı bir şekilde bilgi edinebilir.</a:t>
             </a:r>
-            <a:endParaRPr lang="tr-TR" dirty="0" smtClean="0"/>
           </a:p>
           <a:p>
             <a:pPr algn="just"/>
@@ -11154,7 +15011,6 @@
               <a:rPr lang="tr-TR" dirty="0" smtClean="0"/>
               <a:t>Hasta izleme</a:t>
             </a:r>
-            <a:endParaRPr lang="tr-TR" dirty="0" smtClean="0"/>
           </a:p>
           <a:p>
             <a:pPr lvl="1" algn="just"/>
@@ -11162,7 +15018,6 @@
               <a:rPr lang="tr-TR" dirty="0" smtClean="0"/>
               <a:t>Sistem, tedaviye dahil olan hastaların kayıtlarını takip eder ve olası sorunlar tespit edildiğinde uyarı verir.</a:t>
             </a:r>
-            <a:endParaRPr lang="tr-TR" dirty="0" smtClean="0"/>
           </a:p>
           <a:p>
             <a:pPr algn="just"/>
@@ -11170,7 +15025,6 @@
               <a:rPr lang="tr-TR" dirty="0" smtClean="0"/>
               <a:t>İdari raporlama</a:t>
             </a:r>
-            <a:endParaRPr lang="tr-TR" dirty="0" smtClean="0"/>
           </a:p>
           <a:p>
             <a:pPr lvl="1" algn="just"/>
@@ -11299,7 +15153,7 @@
             </a:r>
             <a:r>
               <a:rPr lang="tr-TR" sz="2800" dirty="0" smtClean="0"/>
-              <a:t>endişeleri</a:t>
+              <a:t>Endişeleri</a:t>
             </a:r>
             <a:endParaRPr lang="tr-TR" sz="2800" dirty="0"/>
           </a:p>
@@ -11330,7 +15184,6 @@
               <a:rPr lang="tr-TR" sz="2800" dirty="0" smtClean="0"/>
               <a:t>Gizlilik</a:t>
             </a:r>
-            <a:endParaRPr lang="tr-TR" sz="2800" dirty="0" smtClean="0"/>
           </a:p>
           <a:p>
             <a:pPr lvl="1" algn="just"/>
@@ -11338,7 +15191,6 @@
               <a:rPr lang="tr-TR" sz="2400" dirty="0" smtClean="0"/>
               <a:t>Hasta bilgilerinin gizli olması ve yetkili sağlık personeli ve hastanın kendisi dışında asla kimseye ifşa edilmemesi esastır.</a:t>
             </a:r>
-            <a:endParaRPr lang="tr-TR" sz="2400" dirty="0" smtClean="0"/>
           </a:p>
           <a:p>
             <a:pPr algn="just"/>
@@ -11353,7 +15205,6 @@
               <a:rPr lang="tr-TR" sz="2400" dirty="0" smtClean="0"/>
               <a:t>Bazı akıl hastalıkları, hastaların intihar etmesine veya başkaları için tehlike oluşturmasına neden olur. Mümkün olan her yerde, sistem tıbbi personeli intihara meyilli veya tehlikeli hastalar konusunda uyarmalıdır.</a:t>
             </a:r>
-            <a:endParaRPr lang="tr-TR" sz="2400" dirty="0" smtClean="0"/>
           </a:p>
           <a:p>
             <a:pPr lvl="1" algn="just"/>
@@ -11361,7 +15212,6 @@
               <a:rPr lang="tr-TR" sz="2400" dirty="0" smtClean="0"/>
               <a:t>Sistem ihtiyaç duyulduğunda hazır olmalıdır, aksi takdirde güvenlik tehlikeye girebilir ve hastalara doğru ilacı reçete etmek imkansız olabilir.</a:t>
             </a:r>
-            <a:endParaRPr lang="tr-TR" sz="2400" dirty="0" smtClean="0"/>
           </a:p>
         </p:txBody>
       </p:sp>
@@ -11470,7 +15320,19 @@
           <a:p>
             <a:r>
               <a:rPr lang="tr-TR" sz="2800" dirty="0" smtClean="0"/>
-              <a:t>Doğa hava istasyonu</a:t>
+              <a:t>Doğa </a:t>
+            </a:r>
+            <a:r>
+              <a:rPr lang="tr-TR" sz="2800" dirty="0" smtClean="0"/>
+              <a:t>Hava </a:t>
+            </a:r>
+            <a:r>
+              <a:rPr lang="tr-TR" sz="2800" dirty="0"/>
+              <a:t>İ</a:t>
+            </a:r>
+            <a:r>
+              <a:rPr lang="tr-TR" sz="2800" dirty="0" smtClean="0"/>
+              <a:t>stasyonu</a:t>
             </a:r>
             <a:endParaRPr lang="tr-TR" sz="2800" dirty="0"/>
           </a:p>
@@ -11496,7 +15358,6 @@
               <a:rPr lang="tr-TR" dirty="0" smtClean="0"/>
               <a:t>Geniş vahşi alanlara sahip bir ülkenin hükümeti uzak bölgelere birkaç yüz meteoroloji istasyonu yerleştirmeye karar verir.</a:t>
             </a:r>
-            <a:endParaRPr lang="tr-TR" dirty="0" smtClean="0"/>
           </a:p>
           <a:p>
             <a:pPr algn="just"/>
@@ -11504,7 +15365,6 @@
               <a:rPr lang="tr-TR" dirty="0" smtClean="0"/>
               <a:t>Hava durumu istasyonları, sıcaklığı ve basıncı, güneş ışığını, yağmuru, rüzgar hızını ve rüzgar yönünü ölçen bir dizi cihazdan veri toplar.</a:t>
             </a:r>
-            <a:endParaRPr lang="tr-TR" dirty="0" smtClean="0"/>
           </a:p>
           <a:p>
             <a:pPr lvl="1" algn="just"/>
@@ -11518,11 +15378,7 @@
             </a:r>
             <a:r>
               <a:rPr lang="tr-TR" dirty="0" smtClean="0"/>
-              <a:t> basınç ve 24 saatlik bir süre boyunca yağış miktarı gibi hava parametrelerini ölçen bir dizi araç içerir. Bu cihazların her biri, periyodik olarak parametre okumaları alan ve cihazlardan toplanan verileri yöneten bir yazılım sistemi tarafından kontrol edilir.  </a:t>
-            </a:r>
-            <a:r>
-              <a:rPr lang="tr-TR" dirty="0" smtClean="0"/>
-              <a:t> </a:t>
+              <a:t> basınç ve 24 saatlik bir süre boyunca yağış miktarı gibi hava parametrelerini ölçen bir dizi araç içerir. Bu cihazların her biri, periyodik olarak parametre okumaları alan ve cihazlardan toplanan verileri yöneten bir yazılım sistemi tarafından kontrol edilir.   </a:t>
             </a:r>
           </a:p>
           <a:p>
@@ -11636,7 +15492,7 @@
           <a:p>
             <a:r>
               <a:rPr lang="tr-TR" sz="2800" dirty="0" smtClean="0"/>
-              <a:t>Hava durumu istasyonunun çevresi</a:t>
+              <a:t>Hava Durumu İstasyonunun Çevresi</a:t>
             </a:r>
             <a:endParaRPr lang="tr-TR" sz="2800" dirty="0" smtClean="0"/>
           </a:p>
@@ -11714,7 +15570,7 @@
           <p:nvPr/>
         </p:nvPicPr>
         <mc:AlternateContent xmlns:mc="http://schemas.openxmlformats.org/markup-compatibility/2006">
-          <mc:Choice xmlns="" xmlns:mv="urn:schemas-microsoft-com:mac:vml" xmlns:ma="http://schemas.microsoft.com/office/mac/drawingml/2008/main" Requires="ma">
+          <mc:Choice xmlns:ma="http://schemas.microsoft.com/office/mac/drawingml/2008/main" xmlns:mv="urn:schemas-microsoft-com:mac:vml" xmlns="" Requires="ma">
             <p:blipFill>
               <a:blip r:embed="rId2"/>
               <a:stretch>
@@ -11814,7 +15670,7 @@
           <a:p>
             <a:r>
               <a:rPr lang="tr-TR" sz="2800" dirty="0" smtClean="0"/>
-              <a:t>Hava durumu bilgi sistemi</a:t>
+              <a:t>Hava Durumu Bilgi Sistemi</a:t>
             </a:r>
             <a:endParaRPr lang="tr-TR" sz="2800" dirty="0"/>
           </a:p>
@@ -11843,13 +15699,8 @@
             <a:pPr algn="just"/>
             <a:r>
               <a:rPr lang="tr-TR" dirty="0" smtClean="0"/>
-              <a:t>	</a:t>
-            </a:r>
-            <a:r>
-              <a:rPr lang="tr-TR" dirty="0" smtClean="0"/>
-              <a:t>Meteoroloji istasyonu sistemi </a:t>
-            </a:r>
-            <a:endParaRPr lang="tr-TR" dirty="0" smtClean="0"/>
+              <a:t>	Meteoroloji istasyonu sistemi </a:t>
+            </a:r>
           </a:p>
           <a:p>
             <a:pPr lvl="1" algn="just"/>
@@ -11857,7 +15708,6 @@
               <a:rPr lang="tr-TR" dirty="0" smtClean="0"/>
               <a:t>Bu sistem, hava durumu verilerinin toplanmasından, bazı başlangıç verilerinin işlenmesinden ve veri yönetim sistemine iletilmesinden sorumludur.</a:t>
             </a:r>
-            <a:endParaRPr lang="tr-TR" dirty="0" smtClean="0"/>
           </a:p>
           <a:p>
             <a:pPr algn="just"/>
@@ -11865,7 +15715,6 @@
               <a:rPr lang="tr-TR" dirty="0" smtClean="0"/>
               <a:t>Veri yönetimi ve arşivleme sistemi</a:t>
             </a:r>
-            <a:endParaRPr lang="tr-TR" dirty="0" smtClean="0"/>
           </a:p>
           <a:p>
             <a:pPr lvl="1" algn="just"/>
@@ -11873,7 +15722,6 @@
               <a:rPr lang="tr-TR" dirty="0" smtClean="0"/>
               <a:t>Bu sistem, tüm doğa hava durumu istasyonlarından verileri toplar, veri işleme ve analizi gerçekleştirir ve verileri arşivler.</a:t>
             </a:r>
-            <a:endParaRPr lang="tr-TR" dirty="0" smtClean="0"/>
           </a:p>
           <a:p>
             <a:pPr algn="just"/>
@@ -11881,7 +15729,6 @@
               <a:rPr lang="tr-TR" dirty="0" smtClean="0"/>
               <a:t>İstasyon bakım sistemi </a:t>
             </a:r>
-            <a:endParaRPr lang="tr-TR" dirty="0" smtClean="0"/>
           </a:p>
           <a:p>
             <a:pPr lvl="1" algn="just"/>
@@ -11998,7 +15845,7 @@
           <a:p>
             <a:r>
               <a:rPr lang="tr-TR" sz="2800" dirty="0" smtClean="0"/>
-              <a:t>Ek yazılım işlevi</a:t>
+              <a:t>Ek Yazılım İşlevi</a:t>
             </a:r>
             <a:endParaRPr lang="tr-TR" sz="2800" dirty="0"/>
           </a:p>
@@ -12024,7 +15871,6 @@
               <a:rPr lang="tr-TR" dirty="0" smtClean="0"/>
               <a:t>Cihazları, güç ve iletişim donanımını izle ve hataları yönetim sistemine bildir.</a:t>
             </a:r>
-            <a:endParaRPr lang="tr-TR" dirty="0" smtClean="0"/>
           </a:p>
           <a:p>
             <a:pPr algn="just"/>
@@ -12032,7 +15878,6 @@
               <a:rPr lang="tr-TR" dirty="0" smtClean="0"/>
               <a:t>Sistem gücünü yönetin: çevresel koşullar izin verdiğinde pilleri şarj edin ve aynı zamanda kuvvetli rüzgar gibi potansiyel olarak zararlı hava koşullarında jeneratörlerin kapatılmasını sağlayın.</a:t>
             </a:r>
-            <a:endParaRPr lang="tr-TR" dirty="0" smtClean="0"/>
           </a:p>
           <a:p>
             <a:pPr algn="just"/>
@@ -12149,7 +15994,7 @@
           <a:p>
             <a:r>
               <a:rPr lang="tr-TR" sz="2800" dirty="0" smtClean="0"/>
-              <a:t>Anahtar noktalar</a:t>
+              <a:t>Anahtar Noktalar</a:t>
             </a:r>
             <a:endParaRPr lang="tr-TR" sz="2800" dirty="0"/>
           </a:p>
@@ -12191,7 +16036,6 @@
               <a:rPr lang="tr-TR" dirty="0" smtClean="0"/>
               <a:t>Bu kitapta üç örnek olay incelemesi kullanılıyor:</a:t>
             </a:r>
-            <a:endParaRPr lang="tr-TR" dirty="0" smtClean="0"/>
           </a:p>
           <a:p>
             <a:pPr lvl="1" algn="just"/>
@@ -12207,7 +16051,6 @@
               <a:rPr lang="tr-TR" dirty="0" smtClean="0"/>
               <a:t>Akıl sağlığı hasta yönetimi için bir sistem</a:t>
             </a:r>
-            <a:endParaRPr lang="tr-TR" dirty="0" smtClean="0"/>
           </a:p>
           <a:p>
             <a:pPr lvl="1" algn="just"/>
@@ -12267,10 +16110,10 @@
           <a:lstStyle/>
           <a:p>
             <a:r>
-              <a:rPr lang="en-US" dirty="0" smtClean="0"/>
-              <a:t>Software products</a:t>
-            </a:r>
-            <a:endParaRPr lang="en-US" dirty="0"/>
+              <a:rPr lang="tr-TR" sz="2800" dirty="0" smtClean="0"/>
+              <a:t>Yazılım Ürünleri</a:t>
+            </a:r>
+            <a:endParaRPr lang="en-US" sz="2800" dirty="0"/>
           </a:p>
         </p:txBody>
       </p:sp>
@@ -12289,52 +16132,88 @@
           <a:bodyPr/>
           <a:lstStyle/>
           <a:p>
-            <a:r>
-              <a:rPr lang="en-US" dirty="0" smtClean="0"/>
-              <a:t>Generic products</a:t>
-            </a:r>
-          </a:p>
-          <a:p>
-            <a:pPr lvl="1"/>
-            <a:r>
-              <a:rPr lang="en-US" dirty="0" smtClean="0"/>
-              <a:t>Stand-alone systems that are marketed and sold to any customer who wishes to buy them.</a:t>
-            </a:r>
-          </a:p>
-          <a:p>
-            <a:pPr lvl="1"/>
-            <a:r>
-              <a:rPr lang="en-US" dirty="0" smtClean="0"/>
-              <a:t>Examples – PC software such as graphics programs, project management tools; </a:t>
-            </a:r>
-            <a:r>
-              <a:rPr lang="en-US" dirty="0"/>
-              <a:t>computer-aided </a:t>
-            </a:r>
-            <a:r>
-              <a:rPr lang="en-US" dirty="0" smtClean="0"/>
-              <a:t>design (CAD) software; software for specific markets such as appointments systems for dentists.</a:t>
-            </a:r>
-          </a:p>
-          <a:p>
-            <a:r>
-              <a:rPr lang="en-US" dirty="0" smtClean="0"/>
-              <a:t>Customized products</a:t>
-            </a:r>
-          </a:p>
-          <a:p>
-            <a:pPr lvl="1"/>
-            <a:r>
-              <a:rPr lang="en-US" dirty="0" smtClean="0"/>
-              <a:t>Software that is commissioned by a specific customer to meet their own needs. </a:t>
-            </a:r>
-          </a:p>
-          <a:p>
-            <a:pPr lvl="1"/>
-            <a:r>
-              <a:rPr lang="en-US" dirty="0" smtClean="0"/>
-              <a:t>Examples – embedded control systems, air traffic control software, traffic monitoring systems.</a:t>
-            </a:r>
+            <a:pPr algn="just"/>
+            <a:r>
+              <a:rPr lang="tr-TR" dirty="0" smtClean="0"/>
+              <a:t>Jenerik </a:t>
+            </a:r>
+            <a:r>
+              <a:rPr lang="tr-TR" dirty="0"/>
+              <a:t>ürünler</a:t>
+            </a:r>
+            <a:endParaRPr lang="en-US" dirty="0" smtClean="0"/>
+          </a:p>
+          <a:p>
+            <a:pPr lvl="1" algn="just"/>
+            <a:r>
+              <a:rPr lang="tr-TR" dirty="0" smtClean="0"/>
+              <a:t>Pazarlanan </a:t>
+            </a:r>
+            <a:r>
+              <a:rPr lang="tr-TR" dirty="0"/>
+              <a:t>ve satın almak isteyen herhangi bir müşteriye satılan bağımsız sistemler.</a:t>
+            </a:r>
+            <a:endParaRPr lang="en-US" dirty="0" smtClean="0"/>
+          </a:p>
+          <a:p>
+            <a:pPr lvl="1" algn="just"/>
+            <a:r>
+              <a:rPr lang="tr-TR" dirty="0" smtClean="0"/>
+              <a:t>Örnekler </a:t>
+            </a:r>
+            <a:r>
+              <a:rPr lang="tr-TR" dirty="0"/>
+              <a:t>- grafik programları, proje yönetimi araçları gibi PC yazılımları; bilgisayar destekli tasarım (CAD) yazılımı; diş hekimleri için randevu sistemleri gibi belirli pazarlar için </a:t>
+            </a:r>
+            <a:r>
+              <a:rPr lang="tr-TR" dirty="0" smtClean="0"/>
+              <a:t>yazılımlar, Microsoft Windows işletim sistemi, vb.</a:t>
+            </a:r>
+            <a:endParaRPr lang="en-US" dirty="0" smtClean="0"/>
+          </a:p>
+          <a:p>
+            <a:pPr algn="just"/>
+            <a:r>
+              <a:rPr lang="tr-TR" dirty="0" smtClean="0"/>
+              <a:t>Özelleştirilmiş </a:t>
+            </a:r>
+            <a:r>
+              <a:rPr lang="tr-TR" dirty="0"/>
+              <a:t>ürünler</a:t>
+            </a:r>
+            <a:endParaRPr lang="en-US" dirty="0" smtClean="0"/>
+          </a:p>
+          <a:p>
+            <a:pPr lvl="1" algn="just"/>
+            <a:r>
+              <a:rPr lang="tr-TR" dirty="0" smtClean="0"/>
+              <a:t>Belirli </a:t>
+            </a:r>
+            <a:r>
+              <a:rPr lang="tr-TR" dirty="0"/>
+              <a:t>bir müşteri tarafından kendi ihtiyaçlarını karşılamak için </a:t>
+            </a:r>
+            <a:r>
+              <a:rPr lang="tr-TR" dirty="0" smtClean="0"/>
+              <a:t>yaptırılan </a:t>
+            </a:r>
+            <a:r>
+              <a:rPr lang="tr-TR" dirty="0"/>
+              <a:t>yazılım.</a:t>
+            </a:r>
+            <a:endParaRPr lang="en-US" dirty="0" smtClean="0"/>
+          </a:p>
+          <a:p>
+            <a:pPr lvl="1" algn="just"/>
+            <a:r>
+              <a:rPr lang="tr-TR" dirty="0" smtClean="0"/>
+              <a:t>Örnekler </a:t>
+            </a:r>
+            <a:r>
+              <a:rPr lang="tr-TR" dirty="0"/>
+              <a:t>- gömülü kontrol sistemleri, hava trafik kontrol yazılımı, trafik izleme sistemleri.</a:t>
+            </a:r>
+            <a:endParaRPr lang="en-US" dirty="0" smtClean="0"/>
           </a:p>
         </p:txBody>
       </p:sp>
@@ -12442,10 +16321,22 @@
           <a:lstStyle/>
           <a:p>
             <a:r>
-              <a:rPr lang="en-US" dirty="0" smtClean="0"/>
-              <a:t>Product specification</a:t>
-            </a:r>
-            <a:endParaRPr lang="en-US" dirty="0"/>
+              <a:rPr lang="en-US" sz="2800" dirty="0" err="1"/>
+              <a:t>Ürün</a:t>
+            </a:r>
+            <a:r>
+              <a:rPr lang="en-US" sz="2800" dirty="0"/>
+              <a:t> </a:t>
+            </a:r>
+            <a:r>
+              <a:rPr lang="tr-TR" sz="2800" dirty="0" smtClean="0"/>
+              <a:t>Ö</a:t>
+            </a:r>
+            <a:r>
+              <a:rPr lang="en-US" sz="2800" dirty="0" err="1" smtClean="0"/>
+              <a:t>zellikleri</a:t>
+            </a:r>
+            <a:endParaRPr lang="en-US" sz="2800" dirty="0"/>
           </a:p>
         </p:txBody>
       </p:sp>
@@ -12464,31 +16355,60 @@
           <a:bodyPr/>
           <a:lstStyle/>
           <a:p>
-            <a:r>
-              <a:rPr lang="en-US" dirty="0" smtClean="0"/>
-              <a:t>Generic products</a:t>
-            </a:r>
-          </a:p>
-          <a:p>
-            <a:pPr lvl="1"/>
-            <a:r>
-              <a:rPr lang="en-US" dirty="0" smtClean="0"/>
-              <a:t>The specification of what the software should do is owned by the software developer and decisions on software change are made by the developer.</a:t>
-            </a:r>
-          </a:p>
-          <a:p>
-            <a:r>
-              <a:rPr lang="en-US" dirty="0" smtClean="0"/>
-              <a:t>Customized products</a:t>
-            </a:r>
-          </a:p>
-          <a:p>
-            <a:pPr lvl="1"/>
-            <a:r>
-              <a:rPr lang="en-US" dirty="0" smtClean="0"/>
-              <a:t>The specification of what the software should do is owned by the customer for the software and they make decisions on software changes that are required.</a:t>
-            </a:r>
-            <a:endParaRPr lang="en-US" dirty="0"/>
+            <a:pPr algn="just"/>
+            <a:r>
+              <a:rPr lang="tr-TR" sz="2800" dirty="0" smtClean="0"/>
+              <a:t>Jenerik ürünler</a:t>
+            </a:r>
+            <a:endParaRPr lang="en-US" sz="2800" dirty="0" smtClean="0"/>
+          </a:p>
+          <a:p>
+            <a:pPr lvl="1" algn="just"/>
+            <a:r>
+              <a:rPr lang="tr-TR" sz="2400" dirty="0" smtClean="0"/>
+              <a:t>Yazılımın </a:t>
+            </a:r>
+            <a:r>
+              <a:rPr lang="tr-TR" sz="2400" dirty="0"/>
+              <a:t>ne yapması gerektiğinin özelliği yazılım geliştiriciye aittir ve yazılım değişikliği ile ilgili kararlar geliştirici tarafından verilir.</a:t>
+            </a:r>
+            <a:endParaRPr lang="en-US" sz="2400" dirty="0" smtClean="0"/>
+          </a:p>
+          <a:p>
+            <a:pPr algn="just"/>
+            <a:r>
+              <a:rPr lang="tr-TR" sz="2800" dirty="0" smtClean="0"/>
+              <a:t>Özelleştirilmiş </a:t>
+            </a:r>
+            <a:r>
+              <a:rPr lang="tr-TR" sz="2800" dirty="0"/>
+              <a:t>ürünler</a:t>
+            </a:r>
+            <a:endParaRPr lang="en-US" sz="2800" dirty="0" smtClean="0"/>
+          </a:p>
+          <a:p>
+            <a:pPr lvl="1" algn="just"/>
+            <a:r>
+              <a:rPr lang="tr-TR" sz="2400" dirty="0" smtClean="0"/>
+              <a:t>Yazılımın </a:t>
+            </a:r>
+            <a:r>
+              <a:rPr lang="tr-TR" sz="2400" dirty="0"/>
+              <a:t>ne yapması gerektiğinin özellikleri, yazılım </a:t>
+            </a:r>
+            <a:r>
+              <a:rPr lang="tr-TR" sz="2400" dirty="0" smtClean="0"/>
+              <a:t>yaptırtan </a:t>
+            </a:r>
+            <a:r>
+              <a:rPr lang="tr-TR" sz="2400" dirty="0"/>
+              <a:t>müşteriye aittir ve gerekli yazılım değişiklikleri hakkında </a:t>
+            </a:r>
+            <a:r>
+              <a:rPr lang="tr-TR" sz="2400" dirty="0" smtClean="0"/>
+              <a:t>kararları müşteri belirler.</a:t>
+            </a:r>
+            <a:endParaRPr lang="en-US" sz="2400" dirty="0"/>
           </a:p>
         </p:txBody>
       </p:sp>
@@ -12600,15 +16520,30 @@
           <a:bodyPr/>
           <a:lstStyle/>
           <a:p>
-            <a:pPr eaLnBrk="1" hangingPunct="1"/>
-            <a:r>
-              <a:rPr lang="en-GB" dirty="0" smtClean="0"/>
-              <a:t>Frequently asked questions about software engineering</a:t>
+            <a:r>
+              <a:rPr lang="tr-TR" sz="2800" dirty="0" smtClean="0"/>
+              <a:t>Yazılım </a:t>
+            </a:r>
+            <a:r>
+              <a:rPr lang="tr-TR" sz="2800" dirty="0"/>
+              <a:t>mühendisliği hakkında </a:t>
+            </a:r>
+            <a:r>
+              <a:rPr lang="tr-TR" sz="2800" dirty="0" smtClean="0"/>
+              <a:t>sıkça </a:t>
+            </a:r>
+            <a:r>
+              <a:rPr lang="tr-TR" sz="2800" dirty="0"/>
+              <a:t>sorulan sorular</a:t>
+            </a:r>
+            <a:r>
+              <a:rPr lang="en-GB" sz="2800" dirty="0" smtClean="0"/>
+              <a:t/>
             </a:r>
             <a:br>
-              <a:rPr lang="en-GB" dirty="0" smtClean="0"/>
+              <a:rPr lang="en-GB" sz="2800" dirty="0" smtClean="0"/>
             </a:br>
-            <a:endParaRPr lang="en-US" dirty="0" smtClean="0"/>
+            <a:endParaRPr lang="en-US" sz="2800" dirty="0" smtClean="0"/>
           </a:p>
         </p:txBody>
       </p:sp>
@@ -12681,7 +16616,13 @@
           <p:cNvGraphicFramePr>
             <a:graphicFrameLocks noGrp="1"/>
           </p:cNvGraphicFramePr>
-          <p:nvPr/>
+          <p:nvPr>
+            <p:extLst>
+              <p:ext uri="{D42A27DB-BD31-4B8C-83A1-F6EECF244321}">
+                <p14:modId xmlns:p14="http://schemas.microsoft.com/office/powerpoint/2010/main" val="4036074167"/>
+              </p:ext>
+            </p:extLst>
+          </p:nvPr>
         </p:nvGraphicFramePr>
         <p:xfrm>
           <a:off x="457199" y="1636194"/>
@@ -12721,11 +16662,11 @@
                         </a:spcAft>
                       </a:pPr>
                       <a:r>
-                        <a:rPr lang="en-GB" sz="1400" dirty="0">
+                        <a:rPr lang="tr-TR" sz="1400" dirty="0" smtClean="0">
                           <a:latin typeface="Arial"/>
                           <a:cs typeface="Arial"/>
                         </a:rPr>
-                        <a:t>Question</a:t>
+                        <a:t>Soru</a:t>
                       </a:r>
                       <a:endParaRPr lang="en-GB" sz="1400" b="1" dirty="0">
                         <a:solidFill>
@@ -12750,11 +16691,11 @@
                         </a:spcAft>
                       </a:pPr>
                       <a:r>
-                        <a:rPr lang="en-GB" sz="1400" dirty="0">
+                        <a:rPr lang="tr-TR" sz="1400" dirty="0" smtClean="0">
                           <a:latin typeface="Arial"/>
                           <a:cs typeface="Arial"/>
                         </a:rPr>
-                        <a:t>Answer</a:t>
+                        <a:t>Cevap</a:t>
                       </a:r>
                       <a:endParaRPr lang="en-GB" sz="1400" b="1" dirty="0">
                         <a:solidFill>
@@ -12786,11 +16727,11 @@
                         </a:spcAft>
                       </a:pPr>
                       <a:r>
-                        <a:rPr lang="en-GB" sz="1400" dirty="0">
+                        <a:rPr lang="tr-TR" sz="1400" dirty="0" smtClean="0">
                           <a:latin typeface="Arial"/>
                           <a:cs typeface="Arial"/>
                         </a:rPr>
-                        <a:t>What is software?</a:t>
+                        <a:t>Yazılım nedir?</a:t>
                       </a:r>
                       <a:endParaRPr lang="en-GB" sz="1400" dirty="0">
                         <a:solidFill>
@@ -12815,11 +16756,11 @@
                         </a:spcAft>
                       </a:pPr>
                       <a:r>
-                        <a:rPr lang="en-GB" sz="1400" dirty="0">
+                        <a:rPr lang="tr-TR" sz="1400" dirty="0" smtClean="0">
                           <a:latin typeface="Arial"/>
                           <a:cs typeface="Arial"/>
                         </a:rPr>
-                        <a:t>Computer programs and associated documentation. Software products may be developed for a particular customer or may be developed for a general market.</a:t>
+                        <a:t>Bilgisayar programları ve ilgili belgeler. Yazılım ürünleri belirli bir müşteri için geliştirilebilir veya genel bir pazar için geliştirilebilir.</a:t>
                       </a:r>
                       <a:endParaRPr lang="en-GB" sz="1400" dirty="0">
                         <a:solidFill>
@@ -12851,11 +16792,11 @@
                         </a:spcAft>
                       </a:pPr>
                       <a:r>
-                        <a:rPr lang="en-GB" sz="1400" dirty="0">
+                        <a:rPr lang="tr-TR" sz="1400" dirty="0" smtClean="0">
                           <a:latin typeface="Arial"/>
                           <a:cs typeface="Arial"/>
                         </a:rPr>
-                        <a:t>What are the attributes of good software?</a:t>
+                        <a:t>İyi bir yazılımın özellikleri nelerdir?</a:t>
                       </a:r>
                       <a:endParaRPr lang="en-GB" sz="1400" dirty="0">
                         <a:solidFill>
@@ -12880,11 +16821,11 @@
                         </a:spcAft>
                       </a:pPr>
                       <a:r>
-                        <a:rPr lang="en-GB" sz="1400" dirty="0">
+                        <a:rPr lang="tr-TR" sz="1400" dirty="0" smtClean="0">
                           <a:latin typeface="Arial"/>
                           <a:cs typeface="Arial"/>
                         </a:rPr>
-                        <a:t>Good software should deliver the required functionality and performance to the user and should be maintainable, dependable and usable.</a:t>
+                        <a:t>İyi yazılım, kullanıcıya gerekli işlevselliği ve performansı sağlamalı ve sürdürülebilir, güvenilir ve kullanılabilir olmalıdır.</a:t>
                       </a:r>
                       <a:endParaRPr lang="en-GB" sz="1400" dirty="0">
                         <a:solidFill>
@@ -12916,11 +16857,18 @@
                         </a:spcAft>
                       </a:pPr>
                       <a:r>
-                        <a:rPr lang="en-GB" sz="1400" dirty="0">
+                        <a:rPr lang="tr-TR" sz="1400" dirty="0" smtClean="0">
                           <a:latin typeface="Arial"/>
                           <a:cs typeface="Arial"/>
                         </a:rPr>
-                        <a:t>What is software engineering?</a:t>
+                        <a:t>Yazılım mühendisliği</a:t>
+                      </a:r>
+                      <a:r>
+                        <a:rPr lang="tr-TR" sz="1400" baseline="0" dirty="0" smtClean="0">
+                          <a:latin typeface="Arial"/>
+                          <a:cs typeface="Arial"/>
+                        </a:rPr>
+                        <a:t> nedir?</a:t>
                       </a:r>
                       <a:endParaRPr lang="en-GB" sz="1400" dirty="0">
                         <a:solidFill>
@@ -12945,11 +16893,11 @@
                         </a:spcAft>
                       </a:pPr>
                       <a:r>
-                        <a:rPr lang="en-GB" sz="1400" dirty="0">
+                        <a:rPr lang="tr-TR" sz="1400" dirty="0" smtClean="0">
                           <a:latin typeface="Arial"/>
                           <a:cs typeface="Arial"/>
                         </a:rPr>
-                        <a:t>Software engineering is an engineering discipline that is concerned with all aspects of software production.</a:t>
+                        <a:t>Yazılım mühendisliği, yazılım üretiminin tüm yönleriyle ilgilenen bir mühendislik disiplinidir.</a:t>
                       </a:r>
                       <a:endParaRPr lang="en-GB" sz="1400" dirty="0">
                         <a:solidFill>
@@ -12981,13 +16929,13 @@
                         </a:spcAft>
                       </a:pPr>
                       <a:r>
-                        <a:rPr lang="en-GB" sz="1400">
+                        <a:rPr lang="tr-TR" sz="1400" dirty="0" smtClean="0">
                           <a:latin typeface="Arial"/>
                           <a:cs typeface="Arial"/>
                         </a:rPr>
-                        <a:t>What are the fundamental software engineering activities?</a:t>
+                        <a:t>Temel yazılım mühendisliği faaliyetleri nelerdir?</a:t>
                       </a:r>
-                      <a:endParaRPr lang="en-GB" sz="1400">
+                      <a:endParaRPr lang="en-GB" sz="1400" dirty="0">
                         <a:solidFill>
                           <a:srgbClr val="000000"/>
                         </a:solidFill>
@@ -13010,11 +16958,11 @@
                         </a:spcAft>
                       </a:pPr>
                       <a:r>
-                        <a:rPr lang="en-GB" sz="1400" dirty="0">
+                        <a:rPr lang="tr-TR" sz="1400" dirty="0" smtClean="0">
                           <a:latin typeface="Arial"/>
                           <a:cs typeface="Arial"/>
                         </a:rPr>
-                        <a:t>Software specification, software development, software validation and software evolution.</a:t>
+                        <a:t>Yazılım özellikleri, yazılım geliştirme, yazılım doğrulama ve yazılım evrimi.</a:t>
                       </a:r>
                       <a:endParaRPr lang="en-GB" sz="1400" dirty="0">
                         <a:solidFill>
@@ -13046,13 +16994,13 @@
                         </a:spcAft>
                       </a:pPr>
                       <a:r>
-                        <a:rPr lang="en-GB" sz="1400">
+                        <a:rPr lang="tr-TR" sz="1400" dirty="0" smtClean="0">
                           <a:latin typeface="Arial"/>
                           <a:cs typeface="Arial"/>
                         </a:rPr>
-                        <a:t>What is the difference between software engineering and computer science?</a:t>
+                        <a:t>Yazılım mühendisliği ile bilgisayar bilimi arasındaki fark nedir?</a:t>
                       </a:r>
-                      <a:endParaRPr lang="en-GB" sz="1400">
+                      <a:endParaRPr lang="en-GB" sz="1400" dirty="0">
                         <a:solidFill>
                           <a:srgbClr val="000000"/>
                         </a:solidFill>
@@ -13075,11 +17023,11 @@
                         </a:spcAft>
                       </a:pPr>
                       <a:r>
-                        <a:rPr lang="en-GB" sz="1400" dirty="0">
+                        <a:rPr lang="tr-TR" sz="1400" dirty="0" smtClean="0">
                           <a:latin typeface="Arial"/>
                           <a:cs typeface="Arial"/>
                         </a:rPr>
-                        <a:t>Computer science focuses on theory and fundamentals; software engineering is concerned with the practicalities of developing and delivering useful software.</a:t>
+                        <a:t>Bilgisayar bilimi teori ve temellere odaklanır; yazılım mühendisliği, kullanışlı yazılım geliştirme ve sunmanın pratiklikleriyle ilgilenir.</a:t>
                       </a:r>
                       <a:endParaRPr lang="en-GB" sz="1400" dirty="0">
                         <a:solidFill>
@@ -13111,13 +17059,13 @@
                         </a:spcAft>
                       </a:pPr>
                       <a:r>
-                        <a:rPr lang="en-GB" sz="1400">
+                        <a:rPr lang="tr-TR" sz="1400" dirty="0" smtClean="0">
                           <a:latin typeface="Arial"/>
                           <a:cs typeface="Arial"/>
                         </a:rPr>
-                        <a:t>What is the difference between software engineering and system engineering?</a:t>
+                        <a:t>Yazılım mühendisliği ile sistem mühendisliği arasındaki fark nedir?</a:t>
                       </a:r>
-                      <a:endParaRPr lang="en-GB" sz="1400">
+                      <a:endParaRPr lang="en-GB" sz="1400" dirty="0">
                         <a:solidFill>
                           <a:srgbClr val="000000"/>
                         </a:solidFill>
@@ -13140,11 +17088,11 @@
                         </a:spcAft>
                       </a:pPr>
                       <a:r>
-                        <a:rPr lang="en-GB" sz="1400" dirty="0">
+                        <a:rPr lang="tr-TR" sz="1400" dirty="0" smtClean="0">
                           <a:latin typeface="Arial"/>
                           <a:cs typeface="Arial"/>
                         </a:rPr>
-                        <a:t>System engineering is concerned with all aspects of computer-based systems development including hardware, software and process engineering. Software engineering is part of this more general process.</a:t>
+                        <a:t>Sistem mühendisliği, donanım, yazılım ve süreç mühendisliği dahil olmak üzere bilgisayar tabanlı sistem geliştirmenin tüm yönleriyle ilgilenir. Yazılım mühendisliği, bu daha genel sürecin bir parçasıdır.</a:t>
                       </a:r>
                       <a:endParaRPr lang="en-GB" sz="1400" dirty="0">
                         <a:solidFill>
@@ -13216,10 +17164,22 @@
           <a:lstStyle/>
           <a:p>
             <a:r>
-              <a:rPr lang="en-GB" dirty="0" smtClean="0"/>
-              <a:t>Frequently asked questions about software engineering</a:t>
-            </a:r>
-            <a:endParaRPr lang="en-US" dirty="0"/>
+              <a:rPr lang="tr-TR" sz="2800" dirty="0" smtClean="0"/>
+              <a:t>Yazılım </a:t>
+            </a:r>
+            <a:r>
+              <a:rPr lang="tr-TR" sz="2800" dirty="0"/>
+              <a:t>mühendisliği hakkında </a:t>
+            </a:r>
+            <a:r>
+              <a:rPr lang="tr-TR" sz="2800" dirty="0" smtClean="0"/>
+              <a:t>sıkça </a:t>
+            </a:r>
+            <a:r>
+              <a:rPr lang="tr-TR" sz="2800" dirty="0"/>
+              <a:t>sorulan sorular</a:t>
+            </a:r>
+            <a:endParaRPr lang="en-US" sz="2800" dirty="0"/>
           </a:p>
         </p:txBody>
       </p:sp>
@@ -13231,6 +17191,11 @@
           </p:cNvGraphicFramePr>
           <p:nvPr>
             <p:ph idx="1"/>
+            <p:extLst>
+              <p:ext uri="{D42A27DB-BD31-4B8C-83A1-F6EECF244321}">
+                <p14:modId xmlns:p14="http://schemas.microsoft.com/office/powerpoint/2010/main" val="229056414"/>
+              </p:ext>
+            </p:extLst>
           </p:nvPr>
         </p:nvGraphicFramePr>
         <p:xfrm>
@@ -13265,12 +17230,13 @@
                     <a:bodyPr/>
                     <a:lstStyle/>
                     <a:p>
+                      <a:pPr algn="just"/>
                       <a:r>
-                        <a:rPr lang="en-US" sz="1400" dirty="0" smtClean="0">
+                        <a:rPr lang="tr-TR" sz="1400" dirty="0" smtClean="0">
                           <a:latin typeface="Arial"/>
                           <a:cs typeface="Arial"/>
                         </a:rPr>
-                        <a:t>Question</a:t>
+                        <a:t>Soru</a:t>
                       </a:r>
                       <a:endParaRPr lang="en-US" sz="1400" dirty="0">
                         <a:latin typeface="Arial"/>
@@ -13285,12 +17251,13 @@
                     <a:bodyPr/>
                     <a:lstStyle/>
                     <a:p>
+                      <a:pPr algn="just"/>
                       <a:r>
-                        <a:rPr lang="en-US" sz="1400" dirty="0" smtClean="0">
+                        <a:rPr lang="tr-TR" sz="1400" dirty="0" smtClean="0">
                           <a:latin typeface="Arial"/>
                           <a:cs typeface="Arial"/>
                         </a:rPr>
-                        <a:t>Answer</a:t>
+                        <a:t>Cevap</a:t>
                       </a:r>
                       <a:endParaRPr lang="en-US" sz="1400" dirty="0">
                         <a:latin typeface="Arial"/>
@@ -13318,11 +17285,11 @@
                         </a:spcAft>
                       </a:pPr>
                       <a:r>
-                        <a:rPr lang="en-GB" sz="1400" dirty="0">
+                        <a:rPr lang="tr-TR" sz="1400" dirty="0" smtClean="0">
                           <a:latin typeface="Arial"/>
                           <a:cs typeface="Arial"/>
                         </a:rPr>
-                        <a:t>What are the key challenges facing software engineering?</a:t>
+                        <a:t>Yazılım mühendisliğinin karşılaştığı temel zorluklar nelerdir?</a:t>
                       </a:r>
                       <a:endParaRPr lang="en-GB" sz="1400" dirty="0">
                         <a:solidFill>
@@ -13347,11 +17314,11 @@
                         </a:spcAft>
                       </a:pPr>
                       <a:r>
-                        <a:rPr lang="en-GB" sz="1400" dirty="0">
+                        <a:rPr lang="tr-TR" sz="1400" dirty="0" smtClean="0">
                           <a:latin typeface="Arial"/>
                           <a:cs typeface="Arial"/>
                         </a:rPr>
-                        <a:t>Coping with increasing diversity, demands for reduced delivery times and developing trustworthy software.</a:t>
+                        <a:t>Artan çeşitlilikle başa çıkmak, daha kısa teslimat süreleri talep etmek ve güvenilir yazılım geliştirmek.</a:t>
                       </a:r>
                       <a:endParaRPr lang="en-GB" sz="1400" dirty="0">
                         <a:solidFill>
@@ -13383,11 +17350,11 @@
                         </a:spcAft>
                       </a:pPr>
                       <a:r>
-                        <a:rPr lang="en-GB" sz="1400" dirty="0">
+                        <a:rPr lang="tr-TR" sz="1400" dirty="0" smtClean="0">
                           <a:latin typeface="Arial"/>
                           <a:cs typeface="Arial"/>
                         </a:rPr>
-                        <a:t>What are the costs of software engineering?</a:t>
+                        <a:t>Yazılım mühendisliğinin maliyetleri nelerdir?</a:t>
                       </a:r>
                       <a:endParaRPr lang="en-GB" sz="1400" dirty="0">
                         <a:solidFill>
@@ -13412,11 +17379,11 @@
                         </a:spcAft>
                       </a:pPr>
                       <a:r>
-                        <a:rPr lang="en-GB" sz="1400" dirty="0">
+                        <a:rPr lang="tr-TR" sz="1400" dirty="0" smtClean="0">
                           <a:latin typeface="Arial"/>
                           <a:cs typeface="Arial"/>
                         </a:rPr>
-                        <a:t>Roughly 60% of software costs are development costs, 40% are testing costs. For custom software, evolution costs often exceed development costs.</a:t>
+                        <a:t>Yazılım maliyetlerinin kabaca% 60'ı geliştirme maliyetidir,% 40'ı test maliyetidir. Özel yazılımlar için, geliştirme maliyetleri genellikle geliştirme maliyetlerini aşar.</a:t>
                       </a:r>
                       <a:endParaRPr lang="en-GB" sz="1400" dirty="0">
                         <a:solidFill>
@@ -13448,11 +17415,11 @@
                         </a:spcAft>
                       </a:pPr>
                       <a:r>
-                        <a:rPr lang="en-GB" sz="1400" dirty="0">
+                        <a:rPr lang="nb-NO" sz="1400" dirty="0" smtClean="0">
                           <a:latin typeface="Arial"/>
                           <a:cs typeface="Arial"/>
                         </a:rPr>
-                        <a:t>What are the best software engineering techniques and methods?</a:t>
+                        <a:t>En iyi yazılım mühendisliği teknikleri ve yöntemleri nelerdir?</a:t>
                       </a:r>
                       <a:endParaRPr lang="en-GB" sz="1400" dirty="0">
                         <a:solidFill>
@@ -13477,11 +17444,25 @@
                         </a:spcAft>
                       </a:pPr>
                       <a:r>
-                        <a:rPr lang="en-GB" sz="1400" dirty="0">
+                        <a:rPr lang="tr-TR" sz="1400" dirty="0" smtClean="0">
                           <a:latin typeface="Arial"/>
                           <a:cs typeface="Arial"/>
                         </a:rPr>
-                        <a:t>While all software projects have to be professionally managed and developed, different techniques are appropriate for different types of system. For example, games should always be developed using a series of prototypes whereas safety critical control systems require a complete and analyzable specification to be developed. You can’t, therefore, say that one method is better than another.</a:t>
+                        <a:t>Tüm yazılım projelerinin profesyonelce yönetilmesi ve geliştirilmesi gerekirken, farklı sistem türleri için farklı teknikler uygundur. Örneğin, oyunlar her zaman bir dizi prototip kullanılarak geliştirilmelidir, oysa güvenlik açısından kritik kontrol sistemleri geliştirilecek eksiksiz ve analiz edilebilir bir </a:t>
+                      </a:r>
+                      <a:r>
+                        <a:rPr lang="tr-TR" sz="1400" dirty="0" err="1" smtClean="0">
+                          <a:latin typeface="Arial"/>
+                          <a:cs typeface="Arial"/>
+                        </a:rPr>
+                        <a:t>spesifikasyon</a:t>
+                      </a:r>
+                      <a:r>
+                        <a:rPr lang="tr-TR" sz="1400" dirty="0" smtClean="0">
+                          <a:latin typeface="Arial"/>
+                          <a:cs typeface="Arial"/>
+                        </a:rPr>
+                        <a:t> gerektirir. Bu nedenle, bir yöntemin diğerinden daha iyi olduğunu söyleyemezsiniz.</a:t>
                       </a:r>
                       <a:endParaRPr lang="en-GB" sz="1400" dirty="0">
                         <a:solidFill>
@@ -13513,13 +17494,27 @@
                         </a:spcAft>
                       </a:pPr>
                       <a:r>
-                        <a:rPr lang="en-GB" sz="1400">
+                        <a:rPr lang="tr-TR" sz="1400" dirty="0" smtClean="0">
                           <a:latin typeface="Arial"/>
                           <a:cs typeface="Arial"/>
                         </a:rPr>
-                        <a:t>What differences has the web made to software engineering?</a:t>
+                        <a:t>Web, yazılım mühendisliğinde ne gibi farklara</a:t>
                       </a:r>
-                      <a:endParaRPr lang="en-GB" sz="1400">
+                      <a:r>
+                        <a:rPr lang="tr-TR" sz="1400" baseline="0" dirty="0" smtClean="0">
+                          <a:latin typeface="Arial"/>
+                          <a:cs typeface="Arial"/>
+                        </a:rPr>
+                        <a:t> sebep oldu</a:t>
+                      </a:r>
+                      <a:r>
+                        <a:rPr lang="tr-TR" sz="1400" dirty="0" smtClean="0">
+                          <a:latin typeface="Arial"/>
+                          <a:cs typeface="Arial"/>
+                        </a:rPr>
+                        <a:t>?</a:t>
+                      </a:r>
+                      <a:endParaRPr lang="en-GB" sz="1400" dirty="0">
                         <a:solidFill>
                           <a:srgbClr val="000000"/>
                         </a:solidFill>
@@ -13542,11 +17537,11 @@
                         </a:spcAft>
                       </a:pPr>
                       <a:r>
-                        <a:rPr lang="en-GB" sz="1400" dirty="0">
+                        <a:rPr lang="tr-TR" sz="1400" dirty="0" smtClean="0">
                           <a:latin typeface="Arial"/>
                           <a:cs typeface="Arial"/>
                         </a:rPr>
-                        <a:t>The web has led to the availability of software services and the possibility of developing highly distributed service-based systems. Web-based systems development has led to important advances in programming languages and software reuse.</a:t>
+                        <a:t>Web, yazılım hizmetlerinin kullanılabilirliğine ve yüksek düzeyde dağıtılmış hizmet tabanlı sistemler geliştirme imkanını sağlamıştır. Web tabanlı sistem geliştirme, programlama dillerinde ve yazılımın yeniden kullanımında önemli gelişmelere yol açmıştır.</a:t>
                       </a:r>
                       <a:endParaRPr lang="en-GB" sz="1400" dirty="0">
                         <a:solidFill>
@@ -13673,12 +17668,43 @@
           <a:bodyPr/>
           <a:lstStyle/>
           <a:p>
-            <a:pPr eaLnBrk="1" hangingPunct="1"/>
-            <a:r>
-              <a:rPr lang="en-GB" dirty="0" smtClean="0"/>
-              <a:t>Essential attributes of good software</a:t>
-            </a:r>
-            <a:endParaRPr lang="en-US" dirty="0" smtClean="0"/>
+            <a:r>
+              <a:rPr lang="en-US" sz="2800" dirty="0" err="1" smtClean="0"/>
+              <a:t>İyi</a:t>
+            </a:r>
+            <a:r>
+              <a:rPr lang="en-US" sz="2800" dirty="0" smtClean="0"/>
+              <a:t> </a:t>
+            </a:r>
+            <a:r>
+              <a:rPr lang="en-US" sz="2800" dirty="0" err="1" smtClean="0"/>
+              <a:t>Bir</a:t>
+            </a:r>
+            <a:r>
+              <a:rPr lang="en-US" sz="2800" dirty="0" smtClean="0"/>
+              <a:t> </a:t>
+            </a:r>
+            <a:r>
+              <a:rPr lang="en-US" sz="2800" dirty="0" err="1" smtClean="0"/>
+              <a:t>Yazılımın</a:t>
+            </a:r>
+            <a:r>
+              <a:rPr lang="en-US" sz="2800" dirty="0" smtClean="0"/>
+              <a:t> </a:t>
+            </a:r>
+            <a:r>
+              <a:rPr lang="en-US" sz="2800" dirty="0" err="1" smtClean="0"/>
+              <a:t>Temel</a:t>
+            </a:r>
+            <a:r>
+              <a:rPr lang="en-US" sz="2800" dirty="0" smtClean="0"/>
+              <a:t> </a:t>
+            </a:r>
+            <a:r>
+              <a:rPr lang="en-US" sz="2800" dirty="0" err="1" smtClean="0"/>
+              <a:t>Nitelikleri</a:t>
+            </a:r>
+            <a:endParaRPr lang="en-US" sz="2800" dirty="0" smtClean="0"/>
           </a:p>
         </p:txBody>
       </p:sp>
@@ -13751,11 +17777,17 @@
           <p:cNvGraphicFramePr>
             <a:graphicFrameLocks noGrp="1"/>
           </p:cNvGraphicFramePr>
-          <p:nvPr/>
+          <p:nvPr>
+            <p:extLst>
+              <p:ext uri="{D42A27DB-BD31-4B8C-83A1-F6EECF244321}">
+                <p14:modId xmlns:p14="http://schemas.microsoft.com/office/powerpoint/2010/main" val="45271961"/>
+              </p:ext>
+            </p:extLst>
+          </p:nvPr>
         </p:nvGraphicFramePr>
         <p:xfrm>
-          <a:off x="892175" y="1782763"/>
-          <a:ext cx="7485040" cy="4190531"/>
+          <a:off x="457200" y="1782763"/>
+          <a:ext cx="8404697" cy="3988384"/>
         </p:xfrm>
         <a:graphic>
           <a:graphicData uri="http://schemas.openxmlformats.org/drawingml/2006/table">
@@ -13764,14 +17796,14 @@
                 <a:tableStyleId>{B301B821-A1FF-4177-AEE7-76D212191A09}</a:tableStyleId>
               </a:tblPr>
               <a:tblGrid>
-                <a:gridCol w="2132105">
+                <a:gridCol w="2394068">
                   <a:extLst>
                     <a:ext uri="{9D8B030D-6E8A-4147-A177-3AD203B41FA5}">
                       <a16:colId xmlns:a16="http://schemas.microsoft.com/office/drawing/2014/main" val="20000"/>
                     </a:ext>
                   </a:extLst>
                 </a:gridCol>
-                <a:gridCol w="5352935">
+                <a:gridCol w="6010629">
                   <a:extLst>
                     <a:ext uri="{9D8B030D-6E8A-4147-A177-3AD203B41FA5}">
                       <a16:colId xmlns:a16="http://schemas.microsoft.com/office/drawing/2014/main" val="20001"/>
@@ -13791,11 +17823,11 @@
                         </a:spcAft>
                       </a:pPr>
                       <a:r>
-                        <a:rPr lang="en-GB" sz="1400" dirty="0">
+                        <a:rPr lang="tr-TR" sz="1400" dirty="0" smtClean="0">
                           <a:latin typeface="Arial"/>
                           <a:cs typeface="Arial"/>
                         </a:rPr>
-                        <a:t>Product characteristic</a:t>
+                        <a:t>Ürün Karakteristiği</a:t>
                       </a:r>
                       <a:endParaRPr lang="en-GB" sz="1400" b="1" dirty="0">
                         <a:solidFill>
@@ -13820,11 +17852,11 @@
                         </a:spcAft>
                       </a:pPr>
                       <a:r>
-                        <a:rPr lang="en-GB" sz="1400" dirty="0">
+                        <a:rPr lang="en-GB" sz="1400" dirty="0" err="1" smtClean="0">
                           <a:latin typeface="Arial"/>
                           <a:cs typeface="Arial"/>
                         </a:rPr>
-                        <a:t>Description</a:t>
+                        <a:t>Açıklama</a:t>
                       </a:r>
                       <a:endParaRPr lang="en-GB" sz="1400" b="1" dirty="0">
                         <a:solidFill>
@@ -13856,11 +17888,11 @@
                         </a:spcAft>
                       </a:pPr>
                       <a:r>
-                        <a:rPr lang="en-GB" sz="1400" dirty="0">
+                        <a:rPr lang="tr-TR" sz="1400" dirty="0" smtClean="0">
                           <a:latin typeface="Arial"/>
                           <a:cs typeface="Arial"/>
                         </a:rPr>
-                        <a:t>Maintainability</a:t>
+                        <a:t>Sürdürülebilirlik</a:t>
                       </a:r>
                       <a:endParaRPr lang="en-GB" sz="1400" dirty="0">
                         <a:solidFill>
@@ -13885,13 +17917,13 @@
                         </a:spcAft>
                       </a:pPr>
                       <a:r>
-                        <a:rPr lang="en-GB" sz="1400">
+                        <a:rPr lang="tr-TR" sz="1400" dirty="0" smtClean="0">
                           <a:latin typeface="Arial"/>
                           <a:cs typeface="Arial"/>
                         </a:rPr>
-                        <a:t>Software should be written in such a way so that it can evolve to meet the changing needs of customers. This is a critical attribute because software change is an inevitable requirement of a changing business environment.</a:t>
+                        <a:t>Yazılım, müşterilerin değişen ihtiyaçlarını karşılayacak şekilde gelişebilecek şekilde yazılmalıdır. Bu kritik bir özelliktir çünkü yazılım değişikliği, değişen bir iş ortamının kaçınılmaz bir gereğidir.</a:t>
                       </a:r>
-                      <a:endParaRPr lang="en-GB" sz="1400">
+                      <a:endParaRPr lang="en-GB" sz="1400" dirty="0">
                         <a:solidFill>
                           <a:srgbClr val="000000"/>
                         </a:solidFill>
@@ -13921,11 +17953,25 @@
                         </a:spcAft>
                       </a:pPr>
                       <a:r>
-                        <a:rPr lang="en-GB" sz="1400" dirty="0">
+                        <a:rPr lang="tr-TR" sz="1400" dirty="0" err="1" smtClean="0">
                           <a:latin typeface="Arial"/>
                           <a:cs typeface="Arial"/>
                         </a:rPr>
-                        <a:t>Dependability and security</a:t>
+                        <a:t>Güvenilebilirlik</a:t>
+                      </a:r>
+                      <a:r>
+                        <a:rPr lang="tr-TR" sz="1400" baseline="0" dirty="0" smtClean="0">
+                          <a:latin typeface="Arial"/>
+                          <a:cs typeface="Arial"/>
+                        </a:rPr>
+                        <a:t> </a:t>
+                      </a:r>
+                      <a:r>
+                        <a:rPr lang="tr-TR" sz="1400" dirty="0" smtClean="0">
+                          <a:latin typeface="Arial"/>
+                          <a:cs typeface="Arial"/>
+                        </a:rPr>
+                        <a:t>ve güvenlik</a:t>
                       </a:r>
                       <a:endParaRPr lang="en-GB" sz="1400" dirty="0">
                         <a:solidFill>
@@ -13950,13 +17996,13 @@
                         </a:spcAft>
                       </a:pPr>
                       <a:r>
-                        <a:rPr lang="en-GB" sz="1400">
+                        <a:rPr lang="tr-TR" sz="1400" dirty="0" smtClean="0">
                           <a:latin typeface="Arial"/>
                           <a:cs typeface="Arial"/>
                         </a:rPr>
-                        <a:t>Software dependability includes a range of characteristics including reliability, security and safety. Dependable software should not cause physical or economic damage in the event of system failure. Malicious users should not be  able to access or damage the system.</a:t>
+                        <a:t>Yazılım güvenilirliği, güvenilirlik, güvenlik ve emniyet gibi bir dizi özelliği içerir. Güvenilir yazılım, sistem arızası durumunda fiziksel veya ekonomik hasara neden olmamalıdır. Kötü niyetli kullanıcılar sisteme erişememeli veya sisteme zarar vermemelidir.</a:t>
                       </a:r>
-                      <a:endParaRPr lang="en-GB" sz="1400">
+                      <a:endParaRPr lang="en-GB" sz="1400" dirty="0">
                         <a:solidFill>
                           <a:srgbClr val="000000"/>
                         </a:solidFill>
@@ -13986,13 +18032,13 @@
                         </a:spcAft>
                       </a:pPr>
                       <a:r>
-                        <a:rPr lang="en-GB" sz="1400">
+                        <a:rPr lang="en-GB" sz="1400" dirty="0" err="1" smtClean="0">
                           <a:latin typeface="Arial"/>
                           <a:cs typeface="Arial"/>
                         </a:rPr>
-                        <a:t>Efficiency</a:t>
+                        <a:t>Verimlilik</a:t>
                       </a:r>
-                      <a:endParaRPr lang="en-GB" sz="1400">
+                      <a:endParaRPr lang="en-GB" sz="1400" dirty="0">
                         <a:solidFill>
                           <a:srgbClr val="000000"/>
                         </a:solidFill>
@@ -14015,11 +18061,11 @@
                         </a:spcAft>
                       </a:pPr>
                       <a:r>
-                        <a:rPr lang="en-GB" sz="1400" dirty="0">
+                        <a:rPr lang="tr-TR" sz="1400" dirty="0" smtClean="0">
                           <a:latin typeface="Arial"/>
                           <a:cs typeface="Arial"/>
                         </a:rPr>
-                        <a:t>Software should not make wasteful use of system resources such as memory and processor cycles. Efficiency therefore includes responsiveness, processing time, memory utilisation, etc.</a:t>
+                        <a:t>Yazılım, bellek ve işlemci döngüleri gibi sistem kaynaklarını boşa harcamamalıdır. Bu nedenle verimlilik, yanıt verme, işlem süresi, bellek kullanımı vb. İçerir.</a:t>
                       </a:r>
                       <a:endParaRPr lang="en-GB" sz="1400" dirty="0">
                         <a:solidFill>
@@ -14051,13 +18097,13 @@
                         </a:spcAft>
                       </a:pPr>
                       <a:r>
-                        <a:rPr lang="en-GB" sz="1400">
+                        <a:rPr lang="tr-TR" sz="1400" dirty="0" err="1" smtClean="0">
                           <a:latin typeface="Arial"/>
                           <a:cs typeface="Arial"/>
                         </a:rPr>
-                        <a:t>Acceptability</a:t>
+                        <a:t>Kabuledilebilirlik</a:t>
                       </a:r>
-                      <a:endParaRPr lang="en-GB" sz="1400">
+                      <a:endParaRPr lang="en-GB" sz="1400" dirty="0">
                         <a:solidFill>
                           <a:srgbClr val="000000"/>
                         </a:solidFill>
@@ -14080,11 +18126,11 @@
                         </a:spcAft>
                       </a:pPr>
                       <a:r>
-                        <a:rPr lang="en-GB" sz="1400" dirty="0">
+                        <a:rPr lang="tr-TR" sz="1400" dirty="0" smtClean="0">
                           <a:latin typeface="Arial"/>
                           <a:cs typeface="Arial"/>
                         </a:rPr>
-                        <a:t>Software must be acceptable to the type of users for which it is designed. This means that it must be understandable, usable and compatible with other systems that they use. </a:t>
+                        <a:t>Yazılım, tasarlandığı kullanıcı türü için kabul edilebilir olmalıdır. Bu, anlaşılır, kullanılabilir ve kullandıkları diğer sistemlerle uyumlu olması gerektiği anlamına gelir.</a:t>
                       </a:r>
                       <a:endParaRPr lang="en-GB" sz="1400" dirty="0">
                         <a:solidFill>

--- a/dersler/Ders 1 - Giriş.pptx
+++ b/dersler/Ders 1 - Giriş.pptx
@@ -301,7 +301,7 @@
             <a:fld id="{CB44B6B1-5441-9644-AE1C-BB7EA5DBA264}" type="datetimeFigureOut">
               <a:rPr lang="en-US" smtClean="0"/>
               <a:pPr/>
-              <a:t>3/6/2021</a:t>
+              <a:t>3/13/2021</a:t>
             </a:fld>
             <a:endParaRPr lang="en-US"/>
           </a:p>
@@ -464,7 +464,7 @@
             <a:fld id="{41878819-472C-A14B-95BF-39C94BA106B2}" type="datetimeFigureOut">
               <a:rPr lang="en-US" smtClean="0"/>
               <a:pPr/>
-              <a:t>3/6/2021</a:t>
+              <a:t>3/13/2021</a:t>
             </a:fld>
             <a:endParaRPr lang="en-US"/>
           </a:p>
@@ -2084,7 +2084,7 @@
               <a:pPr>
                 <a:defRPr/>
               </a:pPr>
-              <a:t>3/6/2021</a:t>
+              <a:t>3/13/2021</a:t>
             </a:fld>
             <a:endParaRPr lang="en-US"/>
           </a:p>
@@ -2296,7 +2296,7 @@
               <a:pPr>
                 <a:defRPr/>
               </a:pPr>
-              <a:t>3/6/2021</a:t>
+              <a:t>3/13/2021</a:t>
             </a:fld>
             <a:endParaRPr lang="en-US"/>
           </a:p>
@@ -2513,7 +2513,7 @@
               <a:pPr>
                 <a:defRPr/>
               </a:pPr>
-              <a:t>3/6/2021</a:t>
+              <a:t>3/13/2021</a:t>
             </a:fld>
             <a:endParaRPr lang="en-US"/>
           </a:p>
@@ -2980,7 +2980,7 @@
               <a:pPr>
                 <a:defRPr/>
               </a:pPr>
-              <a:t>3/6/2021</a:t>
+              <a:t>3/13/2021</a:t>
             </a:fld>
             <a:endParaRPr lang="en-US"/>
           </a:p>
@@ -3263,7 +3263,7 @@
               <a:pPr>
                 <a:defRPr/>
               </a:pPr>
-              <a:t>3/6/2021</a:t>
+              <a:t>3/13/2021</a:t>
             </a:fld>
             <a:endParaRPr lang="en-US"/>
           </a:p>
@@ -3591,7 +3591,7 @@
               <a:pPr>
                 <a:defRPr/>
               </a:pPr>
-              <a:t>3/6/2021</a:t>
+              <a:t>3/13/2021</a:t>
             </a:fld>
             <a:endParaRPr lang="en-US"/>
           </a:p>
@@ -4059,7 +4059,7 @@
               <a:pPr>
                 <a:defRPr/>
               </a:pPr>
-              <a:t>3/6/2021</a:t>
+              <a:t>3/13/2021</a:t>
             </a:fld>
             <a:endParaRPr lang="en-US"/>
           </a:p>
@@ -4211,7 +4211,7 @@
               <a:pPr>
                 <a:defRPr/>
               </a:pPr>
-              <a:t>3/6/2021</a:t>
+              <a:t>3/13/2021</a:t>
             </a:fld>
             <a:endParaRPr lang="en-US"/>
           </a:p>
@@ -4340,7 +4340,7 @@
               <a:pPr>
                 <a:defRPr/>
               </a:pPr>
-              <a:t>3/6/2021</a:t>
+              <a:t>3/13/2021</a:t>
             </a:fld>
             <a:endParaRPr lang="en-US"/>
           </a:p>
@@ -4657,7 +4657,7 @@
               <a:pPr>
                 <a:defRPr/>
               </a:pPr>
-              <a:t>3/6/2021</a:t>
+              <a:t>3/13/2021</a:t>
             </a:fld>
             <a:endParaRPr lang="en-US"/>
           </a:p>
@@ -4955,7 +4955,7 @@
               <a:pPr>
                 <a:defRPr/>
               </a:pPr>
-              <a:t>3/6/2021</a:t>
+              <a:t>3/13/2021</a:t>
             </a:fld>
             <a:endParaRPr lang="en-US"/>
           </a:p>
@@ -5155,7 +5155,7 @@
               <a:pPr>
                 <a:defRPr/>
               </a:pPr>
-              <a:t>3/6/2021</a:t>
+              <a:t>3/13/2021</a:t>
             </a:fld>
             <a:endParaRPr lang="en-US"/>
           </a:p>
@@ -6323,17 +6323,7 @@
                 <a:latin typeface="Arial"/>
                 <a:cs typeface="Arial"/>
               </a:rPr>
-              <a:t> </a:t>
-            </a:r>
-            <a:r>
-              <a:rPr lang="en-US" sz="4400" spc="-265" dirty="0" smtClean="0">
-                <a:solidFill>
-                  <a:srgbClr val="000000"/>
-                </a:solidFill>
-                <a:latin typeface="Arial"/>
-                <a:cs typeface="Arial"/>
-              </a:rPr>
-              <a:t>– </a:t>
+              <a:t> – </a:t>
             </a:r>
             <a:r>
               <a:rPr lang="tr-TR" sz="4400" spc="-265" dirty="0" smtClean="0">
@@ -6409,17 +6399,7 @@
                 <a:latin typeface="Courier New" panose="02070309020205020404" pitchFamily="49" charset="0"/>
                 <a:cs typeface="Courier New" panose="02070309020205020404" pitchFamily="49" charset="0"/>
               </a:rPr>
-              <a:t> </a:t>
-            </a:r>
-            <a:r>
-              <a:rPr lang="en-US" sz="3600" spc="-265" dirty="0" smtClean="0">
-                <a:solidFill>
-                  <a:srgbClr val="000000"/>
-                </a:solidFill>
-                <a:latin typeface="Courier New" panose="02070309020205020404" pitchFamily="49" charset="0"/>
-                <a:cs typeface="Courier New" panose="02070309020205020404" pitchFamily="49" charset="0"/>
-              </a:rPr>
-              <a:t>University</a:t>
+              <a:t> University</a:t>
             </a:r>
             <a:br>
               <a:rPr lang="en-US" sz="3600" spc="-265" dirty="0" smtClean="0">
@@ -7781,7 +7761,6 @@
               <a:rPr lang="en-GB" dirty="0" smtClean="0"/>
               <a:t> </a:t>
             </a:r>
-            <a:endParaRPr lang="en-GB" dirty="0" smtClean="0"/>
           </a:p>
           <a:p>
             <a:pPr lvl="1" algn="just"/>
@@ -7824,7 +7803,6 @@
               <a:rPr lang="en-GB" i="1" dirty="0" smtClean="0"/>
               <a:t> </a:t>
             </a:r>
-            <a:endParaRPr lang="en-GB" i="1" dirty="0" smtClean="0"/>
           </a:p>
           <a:p>
             <a:pPr lvl="1" algn="just"/>
@@ -8315,7 +8293,6 @@
               <a:rPr lang="en-GB" dirty="0" smtClean="0"/>
               <a:t> </a:t>
             </a:r>
-            <a:endParaRPr lang="en-GB" dirty="0" smtClean="0"/>
           </a:p>
           <a:p>
             <a:pPr lvl="1" algn="just"/>
@@ -9676,8 +9653,24 @@
           <a:lstStyle/>
           <a:p>
             <a:r>
+              <a:rPr lang="en-US" sz="3200" dirty="0" err="1" smtClean="0"/>
+              <a:t>Ders</a:t>
+            </a:r>
+            <a:r>
+              <a:rPr lang="en-US" sz="3200" dirty="0" smtClean="0"/>
+              <a:t> 1’de </a:t>
+            </a:r>
+            <a:r>
+              <a:rPr lang="en-US" sz="3200" dirty="0" err="1" smtClean="0"/>
+              <a:t>İşlenen</a:t>
+            </a:r>
+            <a:r>
               <a:rPr lang="tr-TR" sz="3200" dirty="0" smtClean="0"/>
-              <a:t>İşlenmiş Konular</a:t>
+              <a:t> </a:t>
+            </a:r>
+            <a:r>
+              <a:rPr lang="tr-TR" sz="3200" dirty="0" smtClean="0"/>
+              <a:t>Konular</a:t>
             </a:r>
             <a:endParaRPr lang="tr-TR" sz="3200" dirty="0"/>
           </a:p>
@@ -9703,7 +9696,6 @@
               <a:rPr lang="tr-TR" sz="2800" dirty="0" smtClean="0"/>
               <a:t>Profesyonel yazılım geliştirme</a:t>
             </a:r>
-            <a:endParaRPr lang="tr-TR" sz="2800" dirty="0" smtClean="0"/>
           </a:p>
           <a:p>
             <a:pPr lvl="1" algn="just"/>
@@ -9711,7 +9703,6 @@
               <a:rPr lang="tr-TR" sz="2400" dirty="0" smtClean="0"/>
               <a:t>Yazılım mühendisliği ile ne kastedilmektedir.</a:t>
             </a:r>
-            <a:endParaRPr lang="tr-TR" sz="2400" dirty="0" smtClean="0"/>
           </a:p>
           <a:p>
             <a:pPr algn="just"/>
@@ -9719,7 +9710,6 @@
               <a:rPr lang="tr-TR" sz="2800" dirty="0" smtClean="0"/>
               <a:t>Yazılım mühendisliği etiği</a:t>
             </a:r>
-            <a:endParaRPr lang="tr-TR" sz="2800" dirty="0" smtClean="0"/>
           </a:p>
           <a:p>
             <a:pPr lvl="1" algn="just"/>
@@ -9727,7 +9717,6 @@
               <a:rPr lang="tr-TR" sz="2400" dirty="0" smtClean="0"/>
               <a:t>Yazılım mühendisliğini etkileyen etik konulara kısa bir giriş.</a:t>
             </a:r>
-            <a:endParaRPr lang="tr-TR" sz="2400" dirty="0" smtClean="0"/>
           </a:p>
           <a:p>
             <a:pPr algn="just"/>
@@ -9735,7 +9724,6 @@
               <a:rPr lang="tr-TR" sz="2800" dirty="0" smtClean="0"/>
               <a:t>Durum çalışmaları</a:t>
             </a:r>
-            <a:endParaRPr lang="tr-TR" sz="2800" dirty="0" smtClean="0"/>
           </a:p>
           <a:p>
             <a:pPr lvl="1" algn="just"/>
@@ -12984,7 +12972,6 @@
               <a:rPr lang="tr-TR" sz="2800" dirty="0" smtClean="0"/>
               <a:t>Etik İlkeler</a:t>
             </a:r>
-            <a:endParaRPr lang="tr-TR" sz="2800" dirty="0" smtClean="0"/>
           </a:p>
         </p:txBody>
       </p:sp>
@@ -13654,7 +13641,6 @@
               <a:rPr lang="tr-TR" sz="2800" dirty="0" smtClean="0"/>
               <a:t>İnsülin Pompası Donanım Mimarisi</a:t>
             </a:r>
-            <a:endParaRPr lang="tr-TR" sz="2800" dirty="0" smtClean="0"/>
           </a:p>
         </p:txBody>
       </p:sp>
@@ -13730,7 +13716,7 @@
           <p:nvPr/>
         </p:nvPicPr>
         <mc:AlternateContent xmlns:mc="http://schemas.openxmlformats.org/markup-compatibility/2006">
-          <mc:Choice xmlns:ma="http://schemas.microsoft.com/office/mac/drawingml/2008/main" xmlns:mv="urn:schemas-microsoft-com:mac:vml" xmlns="" Requires="ma">
+          <mc:Choice xmlns="" xmlns:mv="urn:schemas-microsoft-com:mac:vml" xmlns:ma="http://schemas.microsoft.com/office/mac/drawingml/2008/main" Requires="ma">
             <p:blipFill>
               <a:blip r:embed="rId2"/>
               <a:stretch>
@@ -13832,7 +13818,6 @@
               <a:rPr lang="tr-TR" sz="2800" dirty="0" smtClean="0"/>
               <a:t>İnsülin Pompasının Aktivite Modeli</a:t>
             </a:r>
-            <a:endParaRPr lang="tr-TR" sz="2800" dirty="0" smtClean="0"/>
           </a:p>
         </p:txBody>
       </p:sp>
@@ -13908,7 +13893,7 @@
           <p:nvPr/>
         </p:nvPicPr>
         <mc:AlternateContent xmlns:mc="http://schemas.openxmlformats.org/markup-compatibility/2006">
-          <mc:Choice xmlns:ma="http://schemas.microsoft.com/office/mac/drawingml/2008/main" xmlns:mv="urn:schemas-microsoft-com:mac:vml" xmlns="" Requires="ma">
+          <mc:Choice xmlns="" xmlns:mv="urn:schemas-microsoft-com:mac:vml" xmlns:ma="http://schemas.microsoft.com/office/mac/drawingml/2008/main" Requires="ma">
             <p:blipFill>
               <a:blip r:embed="rId2"/>
               <a:stretch>
@@ -14032,15 +14017,7 @@
             <a:pPr algn="just"/>
             <a:r>
               <a:rPr lang="tr-TR" sz="2800" dirty="0" smtClean="0"/>
-              <a:t>Sistem, </a:t>
-            </a:r>
-            <a:r>
-              <a:rPr lang="tr-TR" sz="2800" dirty="0" smtClean="0"/>
-              <a:t>gerektiğinde </a:t>
-            </a:r>
-            <a:r>
-              <a:rPr lang="tr-TR" sz="2800" dirty="0" smtClean="0"/>
-              <a:t>insülin verebilecek durumda olacaktır.</a:t>
+              <a:t>Sistem, gerektiğinde insülin verebilecek durumda olacaktır.</a:t>
             </a:r>
           </a:p>
           <a:p>
@@ -14615,11 +14592,7 @@
           <a:p>
             <a:r>
               <a:rPr lang="tr-TR" sz="2800" dirty="0" smtClean="0"/>
-              <a:t>AS-HYS </a:t>
-            </a:r>
-            <a:r>
-              <a:rPr lang="tr-TR" sz="2800" dirty="0" smtClean="0"/>
-              <a:t>Hedefleri</a:t>
+              <a:t>AS-HYS Hedefleri</a:t>
             </a:r>
             <a:endParaRPr lang="tr-TR" sz="2800" dirty="0"/>
           </a:p>
@@ -14772,13 +14745,8 @@
             </a:r>
             <a:r>
               <a:rPr lang="tr-TR" dirty="0" smtClean="0"/>
-              <a:t> </a:t>
-            </a:r>
-            <a:r>
-              <a:rPr lang="tr-TR" dirty="0" smtClean="0"/>
-              <a:t>Organizasyonu</a:t>
-            </a:r>
-            <a:endParaRPr lang="tr-TR" dirty="0" smtClean="0"/>
+              <a:t> Organizasyonu</a:t>
+            </a:r>
           </a:p>
         </p:txBody>
       </p:sp>
@@ -14854,7 +14822,7 @@
           <p:nvPr/>
         </p:nvPicPr>
         <mc:AlternateContent xmlns:mc="http://schemas.openxmlformats.org/markup-compatibility/2006">
-          <mc:Choice xmlns:ma="http://schemas.microsoft.com/office/mac/drawingml/2008/main" xmlns:mv="urn:schemas-microsoft-com:mac:vml" xmlns="" Requires="ma">
+          <mc:Choice xmlns="" xmlns:mv="urn:schemas-microsoft-com:mac:vml" xmlns:ma="http://schemas.microsoft.com/office/mac/drawingml/2008/main" Requires="ma">
             <p:blipFill>
               <a:blip r:embed="rId2"/>
               <a:stretch>
@@ -15149,11 +15117,7 @@
             </a:r>
             <a:r>
               <a:rPr lang="tr-TR" sz="2800" dirty="0" smtClean="0"/>
-              <a:t> </a:t>
-            </a:r>
-            <a:r>
-              <a:rPr lang="tr-TR" sz="2800" dirty="0" smtClean="0"/>
-              <a:t>Endişeleri</a:t>
+              <a:t> Endişeleri</a:t>
             </a:r>
             <a:endParaRPr lang="tr-TR" sz="2800" dirty="0"/>
           </a:p>
@@ -15320,11 +15284,7 @@
           <a:p>
             <a:r>
               <a:rPr lang="tr-TR" sz="2800" dirty="0" smtClean="0"/>
-              <a:t>Doğa </a:t>
-            </a:r>
-            <a:r>
-              <a:rPr lang="tr-TR" sz="2800" dirty="0" smtClean="0"/>
-              <a:t>Hava </a:t>
+              <a:t>Doğa Hava </a:t>
             </a:r>
             <a:r>
               <a:rPr lang="tr-TR" sz="2800" dirty="0"/>
@@ -15494,7 +15454,6 @@
               <a:rPr lang="tr-TR" sz="2800" dirty="0" smtClean="0"/>
               <a:t>Hava Durumu İstasyonunun Çevresi</a:t>
             </a:r>
-            <a:endParaRPr lang="tr-TR" sz="2800" dirty="0" smtClean="0"/>
           </a:p>
         </p:txBody>
       </p:sp>
@@ -15570,7 +15529,7 @@
           <p:nvPr/>
         </p:nvPicPr>
         <mc:AlternateContent xmlns:mc="http://schemas.openxmlformats.org/markup-compatibility/2006">
-          <mc:Choice xmlns:ma="http://schemas.microsoft.com/office/mac/drawingml/2008/main" xmlns:mv="urn:schemas-microsoft-com:mac:vml" xmlns="" Requires="ma">
+          <mc:Choice xmlns="" xmlns:mv="urn:schemas-microsoft-com:mac:vml" xmlns:ma="http://schemas.microsoft.com/office/mac/drawingml/2008/main" Requires="ma">
             <p:blipFill>
               <a:blip r:embed="rId2"/>
               <a:stretch>
